--- a/presentation/final presentation.pptx
+++ b/presentation/final presentation.pptx
@@ -5,10 +5,10 @@
     <p:sldMasterId id="2147483660" r:id="rId1"/>
   </p:sldMasterIdLst>
   <p:notesMasterIdLst>
-    <p:notesMasterId r:id="rId40"/>
+    <p:notesMasterId r:id="rId59"/>
   </p:notesMasterIdLst>
   <p:handoutMasterIdLst>
-    <p:handoutMasterId r:id="rId41"/>
+    <p:handoutMasterId r:id="rId60"/>
   </p:handoutMasterIdLst>
   <p:sldIdLst>
     <p:sldId id="256" r:id="rId2"/>
@@ -37,18 +37,37 @@
     <p:sldId id="278" r:id="rId25"/>
     <p:sldId id="279" r:id="rId26"/>
     <p:sldId id="293" r:id="rId27"/>
-    <p:sldId id="281" r:id="rId28"/>
-    <p:sldId id="282" r:id="rId29"/>
-    <p:sldId id="283" r:id="rId30"/>
-    <p:sldId id="284" r:id="rId31"/>
-    <p:sldId id="285" r:id="rId32"/>
-    <p:sldId id="286" r:id="rId33"/>
-    <p:sldId id="287" r:id="rId34"/>
-    <p:sldId id="288" r:id="rId35"/>
-    <p:sldId id="289" r:id="rId36"/>
-    <p:sldId id="290" r:id="rId37"/>
-    <p:sldId id="291" r:id="rId38"/>
-    <p:sldId id="292" r:id="rId39"/>
+    <p:sldId id="294" r:id="rId28"/>
+    <p:sldId id="281" r:id="rId29"/>
+    <p:sldId id="295" r:id="rId30"/>
+    <p:sldId id="296" r:id="rId31"/>
+    <p:sldId id="297" r:id="rId32"/>
+    <p:sldId id="282" r:id="rId33"/>
+    <p:sldId id="298" r:id="rId34"/>
+    <p:sldId id="299" r:id="rId35"/>
+    <p:sldId id="301" r:id="rId36"/>
+    <p:sldId id="302" r:id="rId37"/>
+    <p:sldId id="283" r:id="rId38"/>
+    <p:sldId id="284" r:id="rId39"/>
+    <p:sldId id="303" r:id="rId40"/>
+    <p:sldId id="285" r:id="rId41"/>
+    <p:sldId id="304" r:id="rId42"/>
+    <p:sldId id="305" r:id="rId43"/>
+    <p:sldId id="306" r:id="rId44"/>
+    <p:sldId id="307" r:id="rId45"/>
+    <p:sldId id="308" r:id="rId46"/>
+    <p:sldId id="309" r:id="rId47"/>
+    <p:sldId id="310" r:id="rId48"/>
+    <p:sldId id="286" r:id="rId49"/>
+    <p:sldId id="311" r:id="rId50"/>
+    <p:sldId id="312" r:id="rId51"/>
+    <p:sldId id="313" r:id="rId52"/>
+    <p:sldId id="287" r:id="rId53"/>
+    <p:sldId id="288" r:id="rId54"/>
+    <p:sldId id="289" r:id="rId55"/>
+    <p:sldId id="290" r:id="rId56"/>
+    <p:sldId id="291" r:id="rId57"/>
+    <p:sldId id="292" r:id="rId58"/>
   </p:sldIdLst>
   <p:sldSz cx="9144000" cy="6858000" type="screen4x3"/>
   <p:notesSz cx="6858000" cy="9144000"/>
@@ -232,7 +251,7 @@
           <a:p>
             <a:fld id="{F8F97566-809D-1D41-A072-62869DBBBF8F}" type="datetimeFigureOut">
               <a:rPr lang="en-US" smtClean="0"/>
-              <a:t>9/11/12</a:t>
+              <a:t>13/11/12</a:t>
             </a:fld>
             <a:endParaRPr lang="en-US"/>
           </a:p>
@@ -398,7 +417,7 @@
           <a:p>
             <a:fld id="{AFB37D51-2A56-6043-B5F3-4DDE38B7A355}" type="datetimeFigureOut">
               <a:rPr lang="en-US" smtClean="0"/>
-              <a:t>9/11/12</a:t>
+              <a:t>13/11/12</a:t>
             </a:fld>
             <a:endParaRPr lang="en-US"/>
           </a:p>
@@ -667,6 +686,98 @@
 </p:notesMaster>
 </file>
 
+<file path=ppt/notesSlides/notesSlide1.xml><?xml version="1.0" encoding="utf-8"?>
+<p:notes xmlns:a="http://schemas.openxmlformats.org/drawingml/2006/main" xmlns:r="http://schemas.openxmlformats.org/officeDocument/2006/relationships" xmlns:p="http://schemas.openxmlformats.org/presentationml/2006/main">
+  <p:cSld>
+    <p:spTree>
+      <p:nvGrpSpPr>
+        <p:cNvPr id="1" name=""/>
+        <p:cNvGrpSpPr/>
+        <p:nvPr/>
+      </p:nvGrpSpPr>
+      <p:grpSpPr>
+        <a:xfrm>
+          <a:off x="0" y="0"/>
+          <a:ext cx="0" cy="0"/>
+          <a:chOff x="0" y="0"/>
+          <a:chExt cx="0" cy="0"/>
+        </a:xfrm>
+      </p:grpSpPr>
+      <p:sp>
+        <p:nvSpPr>
+          <p:cNvPr id="2" name="Slide Image Placeholder 1"/>
+          <p:cNvSpPr>
+            <a:spLocks noGrp="1" noRot="1" noChangeAspect="1"/>
+          </p:cNvSpPr>
+          <p:nvPr>
+            <p:ph type="sldImg"/>
+          </p:nvPr>
+        </p:nvSpPr>
+        <p:spPr/>
+      </p:sp>
+      <p:sp>
+        <p:nvSpPr>
+          <p:cNvPr id="3" name="Notes Placeholder 2"/>
+          <p:cNvSpPr>
+            <a:spLocks noGrp="1"/>
+          </p:cNvSpPr>
+          <p:nvPr>
+            <p:ph type="body" idx="1"/>
+          </p:nvPr>
+        </p:nvSpPr>
+        <p:spPr/>
+        <p:txBody>
+          <a:bodyPr/>
+          <a:lstStyle/>
+          <a:p>
+            <a:r>
+              <a:rPr lang="en-US" dirty="0" smtClean="0"/>
+              <a:t>This observations apply</a:t>
+            </a:r>
+            <a:r>
+              <a:rPr lang="en-US" baseline="0" dirty="0" smtClean="0"/>
+              <a:t> for the corpus we are working with</a:t>
+            </a:r>
+            <a:endParaRPr lang="en-US" dirty="0"/>
+          </a:p>
+        </p:txBody>
+      </p:sp>
+      <p:sp>
+        <p:nvSpPr>
+          <p:cNvPr id="4" name="Slide Number Placeholder 3"/>
+          <p:cNvSpPr>
+            <a:spLocks noGrp="1"/>
+          </p:cNvSpPr>
+          <p:nvPr>
+            <p:ph type="sldNum" sz="quarter" idx="10"/>
+          </p:nvPr>
+        </p:nvSpPr>
+        <p:spPr/>
+        <p:txBody>
+          <a:bodyPr/>
+          <a:lstStyle/>
+          <a:p>
+            <a:fld id="{44716C6F-C5DE-E54D-88DA-E0E6B09914EB}" type="slidenum">
+              <a:rPr lang="en-US" smtClean="0"/>
+              <a:t>22</a:t>
+            </a:fld>
+            <a:endParaRPr lang="en-US"/>
+          </a:p>
+        </p:txBody>
+      </p:sp>
+    </p:spTree>
+    <p:extLst>
+      <p:ext uri="{BB962C8B-B14F-4D97-AF65-F5344CB8AC3E}">
+        <p14:creationId xmlns:p14="http://schemas.microsoft.com/office/powerpoint/2010/main" val="872247915"/>
+      </p:ext>
+    </p:extLst>
+  </p:cSld>
+  <p:clrMapOvr>
+    <a:masterClrMapping/>
+  </p:clrMapOvr>
+</p:notes>
+</file>
+
 <file path=ppt/slideLayouts/slideLayout1.xml><?xml version="1.0" encoding="utf-8"?>
 <p:sldLayout xmlns:a="http://schemas.openxmlformats.org/drawingml/2006/main" xmlns:r="http://schemas.openxmlformats.org/officeDocument/2006/relationships" xmlns:p="http://schemas.openxmlformats.org/presentationml/2006/main" type="title" preserve="1">
   <p:cSld name="Title Slide">
@@ -888,7 +999,7 @@
           <a:p>
             <a:fld id="{92B7DB31-0F52-AA49-9534-D8ABD0D278BC}" type="datetime1">
               <a:rPr lang="en-SG" smtClean="0"/>
-              <a:t>9/11/12</a:t>
+              <a:t>13/11/12</a:t>
             </a:fld>
             <a:endParaRPr lang="en-US"/>
           </a:p>
@@ -1220,7 +1331,7 @@
           <a:p>
             <a:fld id="{53AFFC32-EBE6-5946-8C6D-E2587D0E4A44}" type="datetime1">
               <a:rPr lang="en-SG" smtClean="0"/>
-              <a:t>9/11/12</a:t>
+              <a:t>13/11/12</a:t>
             </a:fld>
             <a:endParaRPr lang="en-US"/>
           </a:p>
@@ -1552,7 +1663,7 @@
           <a:p>
             <a:fld id="{5DEBF99A-6777-474F-8EA7-7009D71BE63F}" type="datetime1">
               <a:rPr lang="en-SG" smtClean="0"/>
-              <a:t>9/11/12</a:t>
+              <a:t>13/11/12</a:t>
             </a:fld>
             <a:endParaRPr lang="en-US"/>
           </a:p>
@@ -1884,7 +1995,7 @@
           <a:p>
             <a:fld id="{3570192A-03BC-CD4E-9047-E5C48EB04CF9}" type="datetime1">
               <a:rPr lang="en-SG" smtClean="0"/>
-              <a:t>9/11/12</a:t>
+              <a:t>13/11/12</a:t>
             </a:fld>
             <a:endParaRPr lang="en-US"/>
           </a:p>
@@ -2573,7 +2684,7 @@
           <a:p>
             <a:fld id="{14FEEF1B-67A4-0F4E-BFF4-3EDC5FCA1F05}" type="datetime1">
               <a:rPr lang="en-SG" smtClean="0"/>
-              <a:t>9/11/12</a:t>
+              <a:t>13/11/12</a:t>
             </a:fld>
             <a:endParaRPr lang="en-US"/>
           </a:p>
@@ -2752,7 +2863,7 @@
           <a:p>
             <a:fld id="{A9AD92DB-CC44-474F-809F-25477388B1D8}" type="datetime1">
               <a:rPr lang="en-SG" smtClean="0"/>
-              <a:t>9/11/12</a:t>
+              <a:t>13/11/12</a:t>
             </a:fld>
             <a:endParaRPr lang="en-US"/>
           </a:p>
@@ -2926,7 +3037,7 @@
           <a:p>
             <a:fld id="{971D902E-52E4-5F4D-9A84-F04B09DBA050}" type="datetime1">
               <a:rPr lang="en-SG" smtClean="0"/>
-              <a:t>9/11/12</a:t>
+              <a:t>13/11/12</a:t>
             </a:fld>
             <a:endParaRPr lang="en-US"/>
           </a:p>
@@ -3174,7 +3285,7 @@
           <a:p>
             <a:fld id="{CE006A75-5923-084C-8BC7-CE399FBA6CBA}" type="datetime1">
               <a:rPr lang="en-SG" smtClean="0"/>
-              <a:t>9/11/12</a:t>
+              <a:t>13/11/12</a:t>
             </a:fld>
             <a:endParaRPr lang="en-US"/>
           </a:p>
@@ -3504,7 +3615,7 @@
           <a:p>
             <a:fld id="{10B0BBCE-74AF-BE4E-A2F5-5D2EAE0452E8}" type="datetime1">
               <a:rPr lang="en-SG" smtClean="0"/>
-              <a:t>9/11/12</a:t>
+              <a:t>13/11/12</a:t>
             </a:fld>
             <a:endParaRPr lang="en-US"/>
           </a:p>
@@ -3796,7 +3907,7 @@
           <a:p>
             <a:fld id="{52DD3F78-11B9-2145-A094-6B9ED48008DD}" type="datetime1">
               <a:rPr lang="en-SG" smtClean="0"/>
-              <a:t>9/11/12</a:t>
+              <a:t>13/11/12</a:t>
             </a:fld>
             <a:endParaRPr lang="en-US"/>
           </a:p>
@@ -4232,7 +4343,7 @@
           <a:p>
             <a:fld id="{C0ED4E70-D94B-9D49-902A-5B23FAE68F2B}" type="datetime1">
               <a:rPr lang="en-SG" smtClean="0"/>
-              <a:t>9/11/12</a:t>
+              <a:t>13/11/12</a:t>
             </a:fld>
             <a:endParaRPr lang="en-US"/>
           </a:p>
@@ -4419,7 +4530,7 @@
           <a:p>
             <a:fld id="{7F340516-AF09-E848-8BB8-1D5E98054DC9}" type="datetime1">
               <a:rPr lang="en-SG" smtClean="0"/>
-              <a:t>9/11/12</a:t>
+              <a:t>13/11/12</a:t>
             </a:fld>
             <a:endParaRPr lang="en-US"/>
           </a:p>
@@ -4509,7 +4620,7 @@
           <a:p>
             <a:fld id="{616317CA-CB22-1C45-A429-436430073183}" type="datetime1">
               <a:rPr lang="en-SG" smtClean="0"/>
-              <a:t>9/11/12</a:t>
+              <a:t>13/11/12</a:t>
             </a:fld>
             <a:endParaRPr lang="en-US"/>
           </a:p>
@@ -4790,7 +4901,7 @@
           <a:p>
             <a:fld id="{D139C871-BD11-7E44-B32D-ED138BB24993}" type="datetime1">
               <a:rPr lang="en-SG" smtClean="0"/>
-              <a:t>9/11/12</a:t>
+              <a:t>13/11/12</a:t>
             </a:fld>
             <a:endParaRPr lang="en-US"/>
           </a:p>
@@ -5005,7 +5116,7 @@
           <a:p>
             <a:fld id="{9699C1BD-4514-A447-905B-86DEC9C58C55}" type="datetime1">
               <a:rPr lang="en-SG" smtClean="0"/>
-              <a:t>9/11/12</a:t>
+              <a:t>13/11/12</a:t>
             </a:fld>
             <a:endParaRPr lang="en-US"/>
           </a:p>
@@ -5558,7 +5669,7 @@
           <a:p>
             <a:fld id="{493E6BDE-0295-4C4B-902B-FD401AACEC02}" type="datetime1">
               <a:rPr lang="en-SG" smtClean="0"/>
-              <a:t>9/11/12</a:t>
+              <a:t>13/11/12</a:t>
             </a:fld>
             <a:endParaRPr lang="en-US"/>
           </a:p>
@@ -5683,7 +5794,7 @@
           <a:p>
             <a:fld id="{971D902E-52E4-5F4D-9A84-F04B09DBA050}" type="datetime1">
               <a:rPr lang="en-SG" smtClean="0"/>
-              <a:t>9/11/12</a:t>
+              <a:t>13/11/12</a:t>
             </a:fld>
             <a:endParaRPr lang="en-US"/>
           </a:p>
@@ -5883,7 +5994,7 @@
           <a:p>
             <a:fld id="{971D902E-52E4-5F4D-9A84-F04B09DBA050}" type="datetime1">
               <a:rPr lang="en-SG" smtClean="0"/>
-              <a:t>9/11/12</a:t>
+              <a:t>13/11/12</a:t>
             </a:fld>
             <a:endParaRPr lang="en-US"/>
           </a:p>
@@ -6015,7 +6126,7 @@
           <a:p>
             <a:fld id="{971D902E-52E4-5F4D-9A84-F04B09DBA050}" type="datetime1">
               <a:rPr lang="en-SG" smtClean="0"/>
-              <a:t>9/11/12</a:t>
+              <a:t>13/11/12</a:t>
             </a:fld>
             <a:endParaRPr lang="en-US"/>
           </a:p>
@@ -6206,7 +6317,7 @@
           <a:p>
             <a:fld id="{971D902E-52E4-5F4D-9A84-F04B09DBA050}" type="datetime1">
               <a:rPr lang="en-SG" smtClean="0"/>
-              <a:t>9/11/12</a:t>
+              <a:t>13/11/12</a:t>
             </a:fld>
             <a:endParaRPr lang="en-US"/>
           </a:p>
@@ -6367,7 +6478,7 @@
           <a:p>
             <a:fld id="{971D902E-52E4-5F4D-9A84-F04B09DBA050}" type="datetime1">
               <a:rPr lang="en-SG" smtClean="0"/>
-              <a:t>9/11/12</a:t>
+              <a:t>13/11/12</a:t>
             </a:fld>
             <a:endParaRPr lang="en-US"/>
           </a:p>
@@ -6528,7 +6639,7 @@
           <a:p>
             <a:fld id="{971D902E-52E4-5F4D-9A84-F04B09DBA050}" type="datetime1">
               <a:rPr lang="en-SG" smtClean="0"/>
-              <a:t>9/11/12</a:t>
+              <a:t>13/11/12</a:t>
             </a:fld>
             <a:endParaRPr lang="en-US"/>
           </a:p>
@@ -6664,7 +6775,7 @@
           <a:p>
             <a:fld id="{971D902E-52E4-5F4D-9A84-F04B09DBA050}" type="datetime1">
               <a:rPr lang="en-SG" smtClean="0"/>
-              <a:t>9/11/12</a:t>
+              <a:t>13/11/12</a:t>
             </a:fld>
             <a:endParaRPr lang="en-US"/>
           </a:p>
@@ -6789,7 +6900,7 @@
           <a:p>
             <a:fld id="{971D902E-52E4-5F4D-9A84-F04B09DBA050}" type="datetime1">
               <a:rPr lang="en-SG" smtClean="0"/>
-              <a:t>9/11/12</a:t>
+              <a:t>13/11/12</a:t>
             </a:fld>
             <a:endParaRPr lang="en-US"/>
           </a:p>
@@ -6967,7 +7078,7 @@
           <a:p>
             <a:fld id="{971D902E-52E4-5F4D-9A84-F04B09DBA050}" type="datetime1">
               <a:rPr lang="en-SG" smtClean="0"/>
-              <a:t>9/11/12</a:t>
+              <a:t>13/11/12</a:t>
             </a:fld>
             <a:endParaRPr lang="en-US"/>
           </a:p>
@@ -7131,7 +7242,7 @@
           <a:p>
             <a:fld id="{971D902E-52E4-5F4D-9A84-F04B09DBA050}" type="datetime1">
               <a:rPr lang="en-SG" smtClean="0"/>
-              <a:t>9/11/12</a:t>
+              <a:t>13/11/12</a:t>
             </a:fld>
             <a:endParaRPr lang="en-US"/>
           </a:p>
@@ -7257,7 +7368,7 @@
           <a:p>
             <a:fld id="{563E79EE-1F17-1648-97B2-C07F58618625}" type="datetime1">
               <a:rPr lang="en-SG" smtClean="0"/>
-              <a:t>9/11/12</a:t>
+              <a:t>13/11/12</a:t>
             </a:fld>
             <a:endParaRPr lang="en-US"/>
           </a:p>
@@ -7390,7 +7501,7 @@
           <a:p>
             <a:fld id="{971D902E-52E4-5F4D-9A84-F04B09DBA050}" type="datetime1">
               <a:rPr lang="en-SG" smtClean="0"/>
-              <a:t>9/11/12</a:t>
+              <a:t>13/11/12</a:t>
             </a:fld>
             <a:endParaRPr lang="en-US"/>
           </a:p>
@@ -7429,6 +7540,13 @@
   <p:clrMapOvr>
     <a:masterClrMapping/>
   </p:clrMapOvr>
+  <p:timing>
+    <p:tnLst>
+      <p:par>
+        <p:cTn xmlns:p14="http://schemas.microsoft.com/office/powerpoint/2010/main" id="1" dur="indefinite" restart="never" nodeType="tmRoot"/>
+      </p:par>
+    </p:tnLst>
+  </p:timing>
 </p:sld>
 </file>
 
@@ -7542,7 +7660,7 @@
           <a:p>
             <a:fld id="{971D902E-52E4-5F4D-9A84-F04B09DBA050}" type="datetime1">
               <a:rPr lang="en-SG" smtClean="0"/>
-              <a:t>9/11/12</a:t>
+              <a:t>13/11/12</a:t>
             </a:fld>
             <a:endParaRPr lang="en-US"/>
           </a:p>
@@ -7581,6 +7699,13 @@
   <p:clrMapOvr>
     <a:masterClrMapping/>
   </p:clrMapOvr>
+  <p:timing>
+    <p:tnLst>
+      <p:par>
+        <p:cTn xmlns:p14="http://schemas.microsoft.com/office/powerpoint/2010/main" id="1" dur="indefinite" restart="never" nodeType="tmRoot"/>
+      </p:par>
+    </p:tnLst>
+  </p:timing>
 </p:sld>
 </file>
 
@@ -7714,7 +7839,7 @@
           <a:p>
             <a:fld id="{971D902E-52E4-5F4D-9A84-F04B09DBA050}" type="datetime1">
               <a:rPr lang="en-SG" smtClean="0"/>
-              <a:t>9/11/12</a:t>
+              <a:t>13/11/12</a:t>
             </a:fld>
             <a:endParaRPr lang="en-US"/>
           </a:p>
@@ -7753,6 +7878,13 @@
   <p:clrMapOvr>
     <a:masterClrMapping/>
   </p:clrMapOvr>
+  <p:timing>
+    <p:tnLst>
+      <p:par>
+        <p:cTn xmlns:p14="http://schemas.microsoft.com/office/powerpoint/2010/main" id="1" dur="indefinite" restart="never" nodeType="tmRoot"/>
+      </p:par>
+    </p:tnLst>
+  </p:timing>
 </p:sld>
 </file>
 
@@ -7808,10 +7940,106 @@
         </p:nvSpPr>
         <p:spPr/>
         <p:txBody>
-          <a:bodyPr/>
-          <a:lstStyle/>
-          <a:p>
-            <a:endParaRPr lang="en-US"/>
+          <a:bodyPr>
+            <a:normAutofit lnSpcReduction="10000"/>
+          </a:bodyPr>
+          <a:lstStyle/>
+          <a:p>
+            <a:pPr>
+              <a:buFont typeface="Arial"/>
+              <a:buChar char="•"/>
+            </a:pPr>
+            <a:r>
+              <a:rPr lang="en-US" dirty="0" smtClean="0"/>
+              <a:t>Splittin</a:t>
+            </a:r>
+            <a:r>
+              <a:rPr lang="en-US" dirty="0" smtClean="0"/>
+              <a:t>g the problem into 2 tiers</a:t>
+            </a:r>
+          </a:p>
+          <a:p>
+            <a:pPr>
+              <a:buFont typeface="Arial"/>
+              <a:buChar char="•"/>
+            </a:pPr>
+            <a:r>
+              <a:rPr lang="en-US" dirty="0" smtClean="0"/>
+              <a:t>First tier: Determine whether General or Specific. If general, citation provenance is </a:t>
+            </a:r>
+            <a:r>
+              <a:rPr lang="en-US" i="1" dirty="0" smtClean="0"/>
+              <a:t>set</a:t>
+            </a:r>
+            <a:r>
+              <a:rPr lang="en-US" dirty="0" smtClean="0"/>
+              <a:t> to be Abstract section.</a:t>
+            </a:r>
+          </a:p>
+          <a:p>
+            <a:pPr>
+              <a:buFont typeface="Arial"/>
+              <a:buChar char="•"/>
+            </a:pPr>
+            <a:r>
+              <a:rPr lang="en-US" dirty="0" smtClean="0"/>
+              <a:t>Second tier: If Specific, there must exists a region in the cited paper that the citation is referring to.</a:t>
+            </a:r>
+          </a:p>
+          <a:p>
+            <a:pPr lvl="1">
+              <a:buFont typeface="Arial"/>
+              <a:buChar char="•"/>
+            </a:pPr>
+            <a:r>
+              <a:rPr lang="en-US" dirty="0" smtClean="0"/>
+              <a:t>To implement a ranking system to locate this region</a:t>
+            </a:r>
+          </a:p>
+          <a:p>
+            <a:pPr>
+              <a:buFont typeface="Arial"/>
+              <a:buChar char="•"/>
+            </a:pPr>
+            <a:r>
+              <a:rPr lang="en-US" dirty="0" smtClean="0"/>
+              <a:t>Focus on citation provenance, abstract away the problem of locating in-line citations.</a:t>
+            </a:r>
+          </a:p>
+          <a:p>
+            <a:pPr lvl="1">
+              <a:buFont typeface="Arial"/>
+              <a:buChar char="•"/>
+            </a:pPr>
+            <a:r>
+              <a:rPr lang="en-US" dirty="0" smtClean="0"/>
+              <a:t>Use </a:t>
+            </a:r>
+            <a:r>
+              <a:rPr lang="en-US" dirty="0" err="1" smtClean="0"/>
+              <a:t>ParsCit</a:t>
+            </a:r>
+            <a:r>
+              <a:rPr lang="en-US" dirty="0" smtClean="0"/>
+              <a:t> [</a:t>
+            </a:r>
+            <a:r>
+              <a:rPr lang="en-US" dirty="0" err="1" smtClean="0"/>
+              <a:t>Councill</a:t>
+            </a:r>
+            <a:r>
+              <a:rPr lang="en-US" dirty="0" smtClean="0"/>
+              <a:t> et al, 2008] to extract </a:t>
+            </a:r>
+            <a:r>
+              <a:rPr lang="en-US" dirty="0" err="1" smtClean="0"/>
+              <a:t>citances</a:t>
+            </a:r>
+            <a:r>
+              <a:rPr lang="en-US" dirty="0" smtClean="0"/>
+              <a:t> and citing context</a:t>
+            </a:r>
+            <a:endParaRPr lang="en-US" dirty="0"/>
           </a:p>
         </p:txBody>
       </p:sp>
@@ -7832,7 +8060,7 @@
           <a:p>
             <a:fld id="{971D902E-52E4-5F4D-9A84-F04B09DBA050}" type="datetime1">
               <a:rPr lang="en-SG" smtClean="0"/>
-              <a:t>9/11/12</a:t>
+              <a:t>13/11/12</a:t>
             </a:fld>
             <a:endParaRPr lang="en-US"/>
           </a:p>
@@ -7871,6 +8099,13 @@
   <p:clrMapOvr>
     <a:masterClrMapping/>
   </p:clrMapOvr>
+  <p:timing>
+    <p:tnLst>
+      <p:par>
+        <p:cTn xmlns:p14="http://schemas.microsoft.com/office/powerpoint/2010/main" id="1" dur="indefinite" restart="never" nodeType="tmRoot"/>
+      </p:par>
+    </p:tnLst>
+  </p:timing>
 </p:sld>
 </file>
 
@@ -7961,7 +8196,7 @@
           <a:p>
             <a:fld id="{971D902E-52E4-5F4D-9A84-F04B09DBA050}" type="datetime1">
               <a:rPr lang="en-SG" smtClean="0"/>
-              <a:t>9/11/12</a:t>
+              <a:t>13/11/12</a:t>
             </a:fld>
             <a:endParaRPr lang="en-US"/>
           </a:p>
@@ -8000,6 +8235,13 @@
   <p:clrMapOvr>
     <a:masterClrMapping/>
   </p:clrMapOvr>
+  <p:timing>
+    <p:tnLst>
+      <p:par>
+        <p:cTn xmlns:p14="http://schemas.microsoft.com/office/powerpoint/2010/main" id="1" dur="indefinite" restart="never" nodeType="tmRoot"/>
+      </p:par>
+    </p:tnLst>
+  </p:timing>
 </p:sld>
 </file>
 
@@ -8137,7 +8379,7 @@
           <a:p>
             <a:fld id="{971D902E-52E4-5F4D-9A84-F04B09DBA050}" type="datetime1">
               <a:rPr lang="en-SG" smtClean="0"/>
-              <a:t>9/11/12</a:t>
+              <a:t>13/11/12</a:t>
             </a:fld>
             <a:endParaRPr lang="en-US"/>
           </a:p>
@@ -8176,6 +8418,13 @@
   <p:clrMapOvr>
     <a:masterClrMapping/>
   </p:clrMapOvr>
+  <p:timing>
+    <p:tnLst>
+      <p:par>
+        <p:cTn xmlns:p14="http://schemas.microsoft.com/office/powerpoint/2010/main" id="1" dur="indefinite" restart="never" nodeType="tmRoot"/>
+      </p:par>
+    </p:tnLst>
+  </p:timing>
 </p:sld>
 </file>
 
@@ -8231,7 +8480,9 @@
         </p:nvSpPr>
         <p:spPr/>
         <p:txBody>
-          <a:bodyPr/>
+          <a:bodyPr>
+            <a:normAutofit fontScale="92500" lnSpcReduction="10000"/>
+          </a:bodyPr>
           <a:lstStyle/>
           <a:p>
             <a:pPr>
@@ -8323,6 +8574,36 @@
             <a:r>
               <a:rPr lang="en-US" dirty="0" smtClean="0"/>
               <a:t>Where is the cited information?</a:t>
+            </a:r>
+          </a:p>
+          <a:p>
+            <a:pPr lvl="1">
+              <a:buFont typeface="Arial"/>
+              <a:buChar char="•"/>
+            </a:pPr>
+            <a:r>
+              <a:rPr lang="en-US" dirty="0" smtClean="0"/>
+              <a:t>Fragments (arbitrary length) in cited document</a:t>
+            </a:r>
+          </a:p>
+          <a:p>
+            <a:pPr>
+              <a:buFont typeface="Arial"/>
+              <a:buChar char="•"/>
+            </a:pPr>
+            <a:r>
+              <a:rPr lang="en-US" dirty="0" smtClean="0"/>
+              <a:t>We also need to know which fragments these contexts ‘map’ to</a:t>
+            </a:r>
+          </a:p>
+          <a:p>
+            <a:pPr lvl="1">
+              <a:buFont typeface="Arial"/>
+              <a:buChar char="•"/>
+            </a:pPr>
+            <a:r>
+              <a:rPr lang="en-US" dirty="0" smtClean="0"/>
+              <a:t>Which fragment is the origin / cited information</a:t>
             </a:r>
           </a:p>
           <a:p>
@@ -8358,7 +8639,7 @@
           <a:p>
             <a:fld id="{971D902E-52E4-5F4D-9A84-F04B09DBA050}" type="datetime1">
               <a:rPr lang="en-SG" smtClean="0"/>
-              <a:t>9/11/12</a:t>
+              <a:t>13/11/12</a:t>
             </a:fld>
             <a:endParaRPr lang="en-US"/>
           </a:p>
@@ -8397,6 +8678,13 @@
   <p:clrMapOvr>
     <a:masterClrMapping/>
   </p:clrMapOvr>
+  <p:timing>
+    <p:tnLst>
+      <p:par>
+        <p:cTn xmlns:p14="http://schemas.microsoft.com/office/powerpoint/2010/main" id="1" dur="indefinite" restart="never" nodeType="tmRoot"/>
+      </p:par>
+    </p:tnLst>
+  </p:timing>
 </p:sld>
 </file>
 
@@ -8429,46 +8717,47 @@
         </p:nvSpPr>
         <p:spPr/>
         <p:txBody>
-          <a:bodyPr>
-            <a:normAutofit/>
-          </a:bodyPr>
-          <a:lstStyle/>
-          <a:p>
-            <a:r>
-              <a:rPr lang="en-US" sz="3600" dirty="0" smtClean="0"/>
-              <a:t>Collecting Annotation – 1</a:t>
-            </a:r>
-            <a:r>
-              <a:rPr lang="en-US" sz="3600" baseline="30000" dirty="0" smtClean="0"/>
-              <a:t>st</a:t>
-            </a:r>
-            <a:r>
-              <a:rPr lang="en-US" sz="3600" dirty="0" smtClean="0"/>
-              <a:t> Attempt</a:t>
-            </a:r>
-            <a:endParaRPr lang="en-US" sz="3600" dirty="0"/>
-          </a:p>
-        </p:txBody>
-      </p:sp>
-      <p:sp>
-        <p:nvSpPr>
-          <p:cNvPr id="3" name="Content Placeholder 2"/>
-          <p:cNvSpPr>
-            <a:spLocks noGrp="1"/>
-          </p:cNvSpPr>
+          <a:bodyPr/>
+          <a:lstStyle/>
+          <a:p>
+            <a:r>
+              <a:rPr lang="en-US" dirty="0" smtClean="0"/>
+              <a:t>What data do we need?</a:t>
+            </a:r>
+            <a:endParaRPr lang="en-US" dirty="0"/>
+          </a:p>
+        </p:txBody>
+      </p:sp>
+      <p:pic>
+        <p:nvPicPr>
+          <p:cNvPr id="6" name="Content Placeholder 5" descr="Screen Shot 2012-11-09 at 5.42.40 PM.PNG"/>
+          <p:cNvPicPr>
+            <a:picLocks noGrp="1" noChangeAspect="1"/>
+          </p:cNvPicPr>
           <p:nvPr>
             <p:ph idx="1"/>
           </p:nvPr>
-        </p:nvSpPr>
-        <p:spPr/>
-        <p:txBody>
-          <a:bodyPr/>
-          <a:lstStyle/>
-          <a:p>
-            <a:endParaRPr lang="en-US"/>
-          </a:p>
-        </p:txBody>
-      </p:sp>
+        </p:nvPicPr>
+        <p:blipFill>
+          <a:blip r:embed="rId2">
+            <a:extLst>
+              <a:ext uri="{28A0092B-C50C-407E-A947-70E740481C1C}">
+                <a14:useLocalDpi xmlns:a14="http://schemas.microsoft.com/office/drawing/2010/main" val="0"/>
+              </a:ext>
+            </a:extLst>
+          </a:blip>
+          <a:srcRect l="-4025" r="-4025"/>
+          <a:stretch>
+            <a:fillRect/>
+          </a:stretch>
+        </p:blipFill>
+        <p:spPr>
+          <a:xfrm>
+            <a:off x="256536" y="1360639"/>
+            <a:ext cx="8699038" cy="4765524"/>
+          </a:xfrm>
+        </p:spPr>
+      </p:pic>
       <p:sp>
         <p:nvSpPr>
           <p:cNvPr id="4" name="Date Placeholder 3"/>
@@ -8486,7 +8775,7 @@
           <a:p>
             <a:fld id="{971D902E-52E4-5F4D-9A84-F04B09DBA050}" type="datetime1">
               <a:rPr lang="en-SG" smtClean="0"/>
-              <a:t>9/11/12</a:t>
+              <a:t>13/11/12</a:t>
             </a:fld>
             <a:endParaRPr lang="en-US"/>
           </a:p>
@@ -8518,13 +8807,20 @@
     </p:spTree>
     <p:extLst>
       <p:ext uri="{BB962C8B-B14F-4D97-AF65-F5344CB8AC3E}">
-        <p14:creationId xmlns:p14="http://schemas.microsoft.com/office/powerpoint/2010/main" val="1243241770"/>
+        <p14:creationId xmlns:p14="http://schemas.microsoft.com/office/powerpoint/2010/main" val="810863649"/>
       </p:ext>
     </p:extLst>
   </p:cSld>
   <p:clrMapOvr>
     <a:masterClrMapping/>
   </p:clrMapOvr>
+  <p:timing>
+    <p:tnLst>
+      <p:par>
+        <p:cTn xmlns:p14="http://schemas.microsoft.com/office/powerpoint/2010/main" id="1" dur="indefinite" restart="never" nodeType="tmRoot"/>
+      </p:par>
+    </p:tnLst>
+  </p:timing>
 </p:sld>
 </file>
 
@@ -8564,11 +8860,11 @@
           <a:p>
             <a:r>
               <a:rPr lang="en-US" sz="3600" dirty="0" smtClean="0"/>
-              <a:t>Collecting Annotation – 2</a:t>
+              <a:t>Collecting Annotation – 1</a:t>
             </a:r>
             <a:r>
               <a:rPr lang="en-US" sz="3600" baseline="30000" dirty="0" smtClean="0"/>
-              <a:t>nd</a:t>
+              <a:t>st</a:t>
             </a:r>
             <a:r>
               <a:rPr lang="en-US" sz="3600" dirty="0" smtClean="0"/>
@@ -8580,25 +8876,6 @@
       </p:sp>
       <p:sp>
         <p:nvSpPr>
-          <p:cNvPr id="3" name="Content Placeholder 2"/>
-          <p:cNvSpPr>
-            <a:spLocks noGrp="1"/>
-          </p:cNvSpPr>
-          <p:nvPr>
-            <p:ph idx="1"/>
-          </p:nvPr>
-        </p:nvSpPr>
-        <p:spPr/>
-        <p:txBody>
-          <a:bodyPr/>
-          <a:lstStyle/>
-          <a:p>
-            <a:endParaRPr lang="en-US"/>
-          </a:p>
-        </p:txBody>
-      </p:sp>
-      <p:sp>
-        <p:nvSpPr>
           <p:cNvPr id="4" name="Date Placeholder 3"/>
           <p:cNvSpPr>
             <a:spLocks noGrp="1"/>
@@ -8614,7 +8891,7 @@
           <a:p>
             <a:fld id="{971D902E-52E4-5F4D-9A84-F04B09DBA050}" type="datetime1">
               <a:rPr lang="en-SG" smtClean="0"/>
-              <a:t>9/11/12</a:t>
+              <a:t>13/11/12</a:t>
             </a:fld>
             <a:endParaRPr lang="en-US"/>
           </a:p>
@@ -8643,16 +8920,231 @@
           </a:p>
         </p:txBody>
       </p:sp>
+      <p:sp>
+        <p:nvSpPr>
+          <p:cNvPr id="6" name="Round Single Corner Rectangle 5"/>
+          <p:cNvSpPr/>
+          <p:nvPr/>
+        </p:nvSpPr>
+        <p:spPr>
+          <a:xfrm>
+            <a:off x="867240" y="1436230"/>
+            <a:ext cx="3336199" cy="4429637"/>
+          </a:xfrm>
+          <a:prstGeom prst="round1Rect">
+            <a:avLst/>
+          </a:prstGeom>
+        </p:spPr>
+        <p:style>
+          <a:lnRef idx="1">
+            <a:schemeClr val="accent1"/>
+          </a:lnRef>
+          <a:fillRef idx="3">
+            <a:schemeClr val="accent1"/>
+          </a:fillRef>
+          <a:effectRef idx="2">
+            <a:schemeClr val="accent1"/>
+          </a:effectRef>
+          <a:fontRef idx="minor">
+            <a:schemeClr val="lt1"/>
+          </a:fontRef>
+        </p:style>
+        <p:txBody>
+          <a:bodyPr rtlCol="0" anchor="ctr"/>
+          <a:lstStyle/>
+          <a:p>
+            <a:pPr algn="ctr"/>
+            <a:endParaRPr lang="en-US"/>
+          </a:p>
+        </p:txBody>
+      </p:sp>
+      <p:sp>
+        <p:nvSpPr>
+          <p:cNvPr id="7" name="Round Single Corner Rectangle 6"/>
+          <p:cNvSpPr/>
+          <p:nvPr/>
+        </p:nvSpPr>
+        <p:spPr>
+          <a:xfrm>
+            <a:off x="4914900" y="1436230"/>
+            <a:ext cx="3336199" cy="4429637"/>
+          </a:xfrm>
+          <a:prstGeom prst="round1Rect">
+            <a:avLst/>
+          </a:prstGeom>
+        </p:spPr>
+        <p:style>
+          <a:lnRef idx="1">
+            <a:schemeClr val="accent1"/>
+          </a:lnRef>
+          <a:fillRef idx="3">
+            <a:schemeClr val="accent1"/>
+          </a:fillRef>
+          <a:effectRef idx="2">
+            <a:schemeClr val="accent1"/>
+          </a:effectRef>
+          <a:fontRef idx="minor">
+            <a:schemeClr val="lt1"/>
+          </a:fontRef>
+        </p:style>
+        <p:txBody>
+          <a:bodyPr rtlCol="0" anchor="ctr"/>
+          <a:lstStyle/>
+          <a:p>
+            <a:pPr algn="ctr"/>
+            <a:endParaRPr lang="en-US"/>
+          </a:p>
+        </p:txBody>
+      </p:sp>
+      <p:sp>
+        <p:nvSpPr>
+          <p:cNvPr id="8" name="Rounded Rectangle 7"/>
+          <p:cNvSpPr/>
+          <p:nvPr/>
+        </p:nvSpPr>
+        <p:spPr>
+          <a:xfrm>
+            <a:off x="1300346" y="2993407"/>
+            <a:ext cx="2404127" cy="771029"/>
+          </a:xfrm>
+          <a:prstGeom prst="roundRect">
+            <a:avLst/>
+          </a:prstGeom>
+        </p:spPr>
+        <p:style>
+          <a:lnRef idx="1">
+            <a:schemeClr val="accent5"/>
+          </a:lnRef>
+          <a:fillRef idx="3">
+            <a:schemeClr val="accent5"/>
+          </a:fillRef>
+          <a:effectRef idx="2">
+            <a:schemeClr val="accent5"/>
+          </a:effectRef>
+          <a:fontRef idx="minor">
+            <a:schemeClr val="lt1"/>
+          </a:fontRef>
+        </p:style>
+        <p:txBody>
+          <a:bodyPr rtlCol="0" anchor="ctr"/>
+          <a:lstStyle/>
+          <a:p>
+            <a:pPr algn="ctr"/>
+            <a:r>
+              <a:rPr lang="en-US" dirty="0" smtClean="0"/>
+              <a:t>Citing Context</a:t>
+            </a:r>
+            <a:endParaRPr lang="en-US" dirty="0"/>
+          </a:p>
+        </p:txBody>
+      </p:sp>
+      <p:pic>
+        <p:nvPicPr>
+          <p:cNvPr id="9" name="Picture 8" descr="Screen Shot 2012-11-01 at 7.42.03 PM.PNG"/>
+          <p:cNvPicPr>
+            <a:picLocks noChangeAspect="1"/>
+          </p:cNvPicPr>
+          <p:nvPr/>
+        </p:nvPicPr>
+        <p:blipFill>
+          <a:blip r:embed="rId2">
+            <a:extLst>
+              <a:ext uri="{28A0092B-C50C-407E-A947-70E740481C1C}">
+                <a14:useLocalDpi xmlns:a14="http://schemas.microsoft.com/office/drawing/2010/main" val="0"/>
+              </a:ext>
+            </a:extLst>
+          </a:blip>
+          <a:stretch>
+            <a:fillRect/>
+          </a:stretch>
+        </p:blipFill>
+        <p:spPr>
+          <a:xfrm>
+            <a:off x="5038304" y="2056074"/>
+            <a:ext cx="3103782" cy="3360969"/>
+          </a:xfrm>
+          <a:prstGeom prst="rect">
+            <a:avLst/>
+          </a:prstGeom>
+        </p:spPr>
+      </p:pic>
+      <p:sp>
+        <p:nvSpPr>
+          <p:cNvPr id="10" name="TextBox 9"/>
+          <p:cNvSpPr txBox="1"/>
+          <p:nvPr/>
+        </p:nvSpPr>
+        <p:spPr>
+          <a:xfrm>
+            <a:off x="2116839" y="5971698"/>
+            <a:ext cx="790488" cy="369332"/>
+          </a:xfrm>
+          <a:prstGeom prst="rect">
+            <a:avLst/>
+          </a:prstGeom>
+          <a:noFill/>
+        </p:spPr>
+        <p:txBody>
+          <a:bodyPr wrap="none" rtlCol="0">
+            <a:spAutoFit/>
+          </a:bodyPr>
+          <a:lstStyle/>
+          <a:p>
+            <a:r>
+              <a:rPr lang="en-US" dirty="0" smtClean="0"/>
+              <a:t>Citing</a:t>
+            </a:r>
+            <a:endParaRPr lang="en-US" dirty="0"/>
+          </a:p>
+        </p:txBody>
+      </p:sp>
+      <p:sp>
+        <p:nvSpPr>
+          <p:cNvPr id="11" name="TextBox 10"/>
+          <p:cNvSpPr txBox="1"/>
+          <p:nvPr/>
+        </p:nvSpPr>
+        <p:spPr>
+          <a:xfrm>
+            <a:off x="6225191" y="5973121"/>
+            <a:ext cx="723275" cy="369332"/>
+          </a:xfrm>
+          <a:prstGeom prst="rect">
+            <a:avLst/>
+          </a:prstGeom>
+          <a:noFill/>
+        </p:spPr>
+        <p:txBody>
+          <a:bodyPr wrap="none" rtlCol="0">
+            <a:spAutoFit/>
+          </a:bodyPr>
+          <a:lstStyle/>
+          <a:p>
+            <a:r>
+              <a:rPr lang="en-US" dirty="0" smtClean="0"/>
+              <a:t>Cited</a:t>
+            </a:r>
+            <a:endParaRPr lang="en-US" dirty="0"/>
+          </a:p>
+        </p:txBody>
+      </p:sp>
     </p:spTree>
     <p:extLst>
       <p:ext uri="{BB962C8B-B14F-4D97-AF65-F5344CB8AC3E}">
-        <p14:creationId xmlns:p14="http://schemas.microsoft.com/office/powerpoint/2010/main" val="581104297"/>
+        <p14:creationId xmlns:p14="http://schemas.microsoft.com/office/powerpoint/2010/main" val="1243241770"/>
       </p:ext>
     </p:extLst>
   </p:cSld>
   <p:clrMapOvr>
     <a:masterClrMapping/>
   </p:clrMapOvr>
+  <p:timing>
+    <p:tnLst>
+      <p:par>
+        <p:cTn xmlns:p14="http://schemas.microsoft.com/office/powerpoint/2010/main" id="1" dur="indefinite" restart="never" nodeType="tmRoot"/>
+      </p:par>
+    </p:tnLst>
+  </p:timing>
 </p:sld>
 </file>
 
@@ -8675,43 +9167,142 @@
       </p:grpSpPr>
       <p:sp>
         <p:nvSpPr>
-          <p:cNvPr id="6" name="Title 5"/>
-          <p:cNvSpPr>
-            <a:spLocks noGrp="1"/>
-          </p:cNvSpPr>
-          <p:nvPr>
-            <p:ph type="ctrTitle"/>
-          </p:nvPr>
-        </p:nvSpPr>
-        <p:spPr/>
-        <p:txBody>
-          <a:bodyPr/>
-          <a:lstStyle/>
-          <a:p>
-            <a:r>
-              <a:rPr lang="en-US" dirty="0" smtClean="0"/>
-              <a:t>Approach</a:t>
-            </a:r>
-            <a:endParaRPr lang="en-US" dirty="0"/>
-          </a:p>
-        </p:txBody>
-      </p:sp>
-      <p:sp>
-        <p:nvSpPr>
-          <p:cNvPr id="7" name="Subtitle 6"/>
-          <p:cNvSpPr>
-            <a:spLocks noGrp="1"/>
-          </p:cNvSpPr>
-          <p:nvPr>
-            <p:ph type="subTitle" idx="1"/>
-          </p:nvPr>
-        </p:nvSpPr>
-        <p:spPr/>
-        <p:txBody>
-          <a:bodyPr/>
-          <a:lstStyle/>
-          <a:p>
-            <a:endParaRPr lang="en-US"/>
+          <p:cNvPr id="2" name="Title 1"/>
+          <p:cNvSpPr>
+            <a:spLocks noGrp="1"/>
+          </p:cNvSpPr>
+          <p:nvPr>
+            <p:ph type="title"/>
+          </p:nvPr>
+        </p:nvSpPr>
+        <p:spPr/>
+        <p:txBody>
+          <a:bodyPr>
+            <a:normAutofit/>
+          </a:bodyPr>
+          <a:lstStyle/>
+          <a:p>
+            <a:r>
+              <a:rPr lang="en-US" sz="3600" dirty="0"/>
+              <a:t>Collecting Annotation – 1</a:t>
+            </a:r>
+            <a:r>
+              <a:rPr lang="en-US" sz="3600" baseline="30000" dirty="0"/>
+              <a:t>st</a:t>
+            </a:r>
+            <a:r>
+              <a:rPr lang="en-US" sz="3600" dirty="0"/>
+              <a:t> Attempt</a:t>
+            </a:r>
+          </a:p>
+        </p:txBody>
+      </p:sp>
+      <p:sp>
+        <p:nvSpPr>
+          <p:cNvPr id="3" name="Content Placeholder 2"/>
+          <p:cNvSpPr>
+            <a:spLocks noGrp="1"/>
+          </p:cNvSpPr>
+          <p:nvPr>
+            <p:ph idx="1"/>
+          </p:nvPr>
+        </p:nvSpPr>
+        <p:spPr/>
+        <p:txBody>
+          <a:bodyPr>
+            <a:normAutofit lnSpcReduction="10000"/>
+          </a:bodyPr>
+          <a:lstStyle/>
+          <a:p>
+            <a:pPr>
+              <a:buFont typeface="Arial"/>
+              <a:buChar char="•"/>
+            </a:pPr>
+            <a:r>
+              <a:rPr lang="en-US" dirty="0" smtClean="0"/>
+              <a:t>Supplied plain text files of citing &amp; cited papers</a:t>
+            </a:r>
+          </a:p>
+          <a:p>
+            <a:pPr>
+              <a:buFont typeface="Arial"/>
+              <a:buChar char="•"/>
+            </a:pPr>
+            <a:r>
+              <a:rPr lang="en-US" dirty="0" smtClean="0"/>
+              <a:t>Annotate by line number range. E.g. </a:t>
+            </a:r>
+            <a:r>
+              <a:rPr lang="en-US" u="sng" dirty="0" smtClean="0"/>
+              <a:t>L12-55</a:t>
+            </a:r>
+          </a:p>
+          <a:p>
+            <a:pPr>
+              <a:buFont typeface="Arial"/>
+              <a:buChar char="•"/>
+            </a:pPr>
+            <a:r>
+              <a:rPr lang="en-US" dirty="0" smtClean="0"/>
+              <a:t>Build a web interface annotation framework to help annotators select these lines</a:t>
+            </a:r>
+          </a:p>
+          <a:p>
+            <a:pPr>
+              <a:buFont typeface="Arial"/>
+              <a:buChar char="•"/>
+            </a:pPr>
+            <a:r>
+              <a:rPr lang="en-US" dirty="0" smtClean="0"/>
+              <a:t>2 means:</a:t>
+            </a:r>
+          </a:p>
+          <a:p>
+            <a:pPr lvl="1">
+              <a:buFont typeface="Arial"/>
+              <a:buChar char="•"/>
+            </a:pPr>
+            <a:r>
+              <a:rPr lang="en-US" dirty="0" smtClean="0"/>
+              <a:t>Collect from NUS students (close supervision)</a:t>
+            </a:r>
+          </a:p>
+          <a:p>
+            <a:pPr lvl="1">
+              <a:buFont typeface="Arial"/>
+              <a:buChar char="•"/>
+            </a:pPr>
+            <a:r>
+              <a:rPr lang="en-US" dirty="0" smtClean="0"/>
+              <a:t>Amazon Mechanical Turk (crowdsourcing; large scale)</a:t>
+            </a:r>
+          </a:p>
+          <a:p>
+            <a:pPr>
+              <a:buFont typeface="Arial"/>
+              <a:buChar char="•"/>
+            </a:pPr>
+            <a:r>
+              <a:rPr lang="en-US" dirty="0" smtClean="0"/>
+              <a:t>NUS Institutional Review Board (IRB)</a:t>
+            </a:r>
+          </a:p>
+          <a:p>
+            <a:pPr lvl="1">
+              <a:buFont typeface="Arial"/>
+              <a:buChar char="•"/>
+            </a:pPr>
+            <a:r>
+              <a:rPr lang="en-US" dirty="0" smtClean="0"/>
+              <a:t>Applied and approved</a:t>
+            </a:r>
+          </a:p>
+          <a:p>
+            <a:pPr>
+              <a:buFont typeface="Arial"/>
+              <a:buChar char="•"/>
+            </a:pPr>
+            <a:endParaRPr lang="en-US" u="sng" dirty="0"/>
           </a:p>
         </p:txBody>
       </p:sp>
@@ -8732,7 +9323,7 @@
           <a:p>
             <a:fld id="{971D902E-52E4-5F4D-9A84-F04B09DBA050}" type="datetime1">
               <a:rPr lang="en-SG" smtClean="0"/>
-              <a:t>9/11/12</a:t>
+              <a:t>13/11/12</a:t>
             </a:fld>
             <a:endParaRPr lang="en-US"/>
           </a:p>
@@ -8764,20 +9355,13 @@
     </p:spTree>
     <p:extLst>
       <p:ext uri="{BB962C8B-B14F-4D97-AF65-F5344CB8AC3E}">
-        <p14:creationId xmlns:p14="http://schemas.microsoft.com/office/powerpoint/2010/main" val="1979552539"/>
+        <p14:creationId xmlns:p14="http://schemas.microsoft.com/office/powerpoint/2010/main" val="3242044521"/>
       </p:ext>
     </p:extLst>
   </p:cSld>
   <p:clrMapOvr>
     <a:masterClrMapping/>
   </p:clrMapOvr>
-  <p:timing>
-    <p:tnLst>
-      <p:par>
-        <p:cTn xmlns:p14="http://schemas.microsoft.com/office/powerpoint/2010/main" id="1" dur="indefinite" restart="never" nodeType="tmRoot"/>
-      </p:par>
-    </p:tnLst>
-  </p:timing>
 </p:sld>
 </file>
 
@@ -8884,7 +9468,7 @@
           <a:p>
             <a:fld id="{94B8BBE6-B782-1D40-BFB6-CF71C008F728}" type="datetime1">
               <a:rPr lang="en-SG" smtClean="0"/>
-              <a:t>9/11/12</a:t>
+              <a:t>13/11/12</a:t>
             </a:fld>
             <a:endParaRPr lang="en-US"/>
           </a:p>
@@ -8962,47 +9546,147 @@
         </p:nvSpPr>
         <p:spPr/>
         <p:txBody>
-          <a:bodyPr/>
-          <a:lstStyle/>
-          <a:p>
-            <a:r>
-              <a:rPr lang="en-US" dirty="0" smtClean="0"/>
-              <a:t>Two-tier Approach</a:t>
+          <a:bodyPr>
+            <a:normAutofit/>
+          </a:bodyPr>
+          <a:lstStyle/>
+          <a:p>
+            <a:r>
+              <a:rPr lang="en-US" sz="3600" dirty="0"/>
+              <a:t>Collecting Annotation – 1</a:t>
+            </a:r>
+            <a:r>
+              <a:rPr lang="en-US" sz="3600" baseline="30000" dirty="0"/>
+              <a:t>st</a:t>
+            </a:r>
+            <a:r>
+              <a:rPr lang="en-US" sz="3600" dirty="0"/>
+              <a:t> Attempt</a:t>
+            </a:r>
+          </a:p>
+        </p:txBody>
+      </p:sp>
+      <p:sp>
+        <p:nvSpPr>
+          <p:cNvPr id="3" name="Content Placeholder 2"/>
+          <p:cNvSpPr>
+            <a:spLocks noGrp="1"/>
+          </p:cNvSpPr>
+          <p:nvPr>
+            <p:ph idx="1"/>
+          </p:nvPr>
+        </p:nvSpPr>
+        <p:spPr/>
+        <p:txBody>
+          <a:bodyPr>
+            <a:normAutofit fontScale="92500" lnSpcReduction="10000"/>
+          </a:bodyPr>
+          <a:lstStyle/>
+          <a:p>
+            <a:pPr marL="0" indent="0">
+              <a:buNone/>
+            </a:pPr>
+            <a:r>
+              <a:rPr lang="en-US" dirty="0" smtClean="0"/>
+              <a:t>After a trial round of annotation:</a:t>
+            </a:r>
+          </a:p>
+          <a:p>
+            <a:pPr>
+              <a:buFont typeface="Arial"/>
+              <a:buChar char="•"/>
+            </a:pPr>
+            <a:r>
+              <a:rPr lang="en-US" dirty="0" smtClean="0"/>
+              <a:t>Annotation task is non-trivial</a:t>
+            </a:r>
+          </a:p>
+          <a:p>
+            <a:pPr lvl="1">
+              <a:buFont typeface="Arial"/>
+              <a:buChar char="•"/>
+            </a:pPr>
+            <a:r>
+              <a:rPr lang="en-US" dirty="0" smtClean="0"/>
+              <a:t>Need to understand content; research experience; experience in reading research papers </a:t>
+            </a:r>
+          </a:p>
+          <a:p>
+            <a:pPr>
+              <a:buFont typeface="Arial"/>
+              <a:buChar char="•"/>
+            </a:pPr>
+            <a:r>
+              <a:rPr lang="en-US" dirty="0" smtClean="0"/>
+              <a:t>Annotation scheme is too tricky</a:t>
+            </a:r>
+          </a:p>
+          <a:p>
+            <a:pPr lvl="1">
+              <a:buFont typeface="Arial"/>
+              <a:buChar char="•"/>
+            </a:pPr>
+            <a:r>
+              <a:rPr lang="en-US" dirty="0" smtClean="0"/>
+              <a:t>Annotating by line number is bad idea. Difficult to judge correctness</a:t>
+            </a:r>
+          </a:p>
+          <a:p>
+            <a:pPr lvl="2">
+              <a:buFont typeface="Arial"/>
+              <a:buChar char="•"/>
+            </a:pPr>
+            <a:r>
+              <a:rPr lang="en-US" dirty="0" smtClean="0"/>
+              <a:t>Annotation: </a:t>
+            </a:r>
+            <a:r>
+              <a:rPr lang="en-US" u="sng" dirty="0" smtClean="0"/>
+              <a:t>L12-55</a:t>
+            </a:r>
+          </a:p>
+          <a:p>
+            <a:pPr lvl="2">
+              <a:buFont typeface="Arial"/>
+              <a:buChar char="•"/>
+            </a:pPr>
+            <a:r>
+              <a:rPr lang="en-US" dirty="0" smtClean="0"/>
+              <a:t>Prediction: </a:t>
+            </a:r>
+            <a:r>
+              <a:rPr lang="en-US" u="sng" dirty="0" smtClean="0"/>
+              <a:t>L50-</a:t>
+            </a:r>
+            <a:r>
+              <a:rPr lang="en-US" u="sng" dirty="0" smtClean="0"/>
+              <a:t>78</a:t>
+            </a:r>
+          </a:p>
+          <a:p>
+            <a:pPr lvl="2">
+              <a:buFont typeface="Arial"/>
+              <a:buChar char="•"/>
+            </a:pPr>
+            <a:r>
+              <a:rPr lang="en-US" dirty="0" smtClean="0"/>
+              <a:t>Overlap? Yes. Correct? ????</a:t>
+            </a:r>
+            <a:endParaRPr lang="en-US" dirty="0" smtClean="0"/>
+          </a:p>
+          <a:p>
+            <a:pPr>
+              <a:buFont typeface="Arial"/>
+              <a:buChar char="•"/>
+            </a:pPr>
+            <a:r>
+              <a:rPr lang="en-US" dirty="0" smtClean="0"/>
+              <a:t>Annotations disagree among annotators</a:t>
             </a:r>
             <a:endParaRPr lang="en-US" dirty="0"/>
           </a:p>
         </p:txBody>
       </p:sp>
-      <p:pic>
-        <p:nvPicPr>
-          <p:cNvPr id="6" name="Content Placeholder 5" descr="twotier.PNG"/>
-          <p:cNvPicPr>
-            <a:picLocks noGrp="1" noChangeAspect="1"/>
-          </p:cNvPicPr>
-          <p:nvPr>
-            <p:ph idx="1"/>
-          </p:nvPr>
-        </p:nvPicPr>
-        <p:blipFill>
-          <a:blip r:embed="rId2">
-            <a:extLst>
-              <a:ext uri="{28A0092B-C50C-407E-A947-70E740481C1C}">
-                <a14:useLocalDpi xmlns:a14="http://schemas.microsoft.com/office/drawing/2010/main" val="0"/>
-              </a:ext>
-            </a:extLst>
-          </a:blip>
-          <a:srcRect l="-21130" r="-21130"/>
-          <a:stretch>
-            <a:fillRect/>
-          </a:stretch>
-        </p:blipFill>
-        <p:spPr>
-          <a:xfrm>
-            <a:off x="-405457" y="1245395"/>
-            <a:ext cx="9996094" cy="5476080"/>
-          </a:xfrm>
-        </p:spPr>
-      </p:pic>
       <p:sp>
         <p:nvSpPr>
           <p:cNvPr id="4" name="Date Placeholder 3"/>
@@ -9020,7 +9704,7 @@
           <a:p>
             <a:fld id="{971D902E-52E4-5F4D-9A84-F04B09DBA050}" type="datetime1">
               <a:rPr lang="en-SG" smtClean="0"/>
-              <a:t>9/11/12</a:t>
+              <a:t>13/11/12</a:t>
             </a:fld>
             <a:endParaRPr lang="en-US"/>
           </a:p>
@@ -9052,20 +9736,13 @@
     </p:spTree>
     <p:extLst>
       <p:ext uri="{BB962C8B-B14F-4D97-AF65-F5344CB8AC3E}">
-        <p14:creationId xmlns:p14="http://schemas.microsoft.com/office/powerpoint/2010/main" val="3613946124"/>
+        <p14:creationId xmlns:p14="http://schemas.microsoft.com/office/powerpoint/2010/main" val="2297219869"/>
       </p:ext>
     </p:extLst>
   </p:cSld>
   <p:clrMapOvr>
     <a:masterClrMapping/>
   </p:clrMapOvr>
-  <p:timing>
-    <p:tnLst>
-      <p:par>
-        <p:cTn xmlns:p14="http://schemas.microsoft.com/office/powerpoint/2010/main" id="1" dur="indefinite" restart="never" nodeType="tmRoot"/>
-      </p:par>
-    </p:tnLst>
-  </p:timing>
 </p:sld>
 </file>
 
@@ -9098,45 +9775,24 @@
         </p:nvSpPr>
         <p:spPr/>
         <p:txBody>
-          <a:bodyPr/>
-          <a:lstStyle/>
-          <a:p>
-            <a:r>
-              <a:rPr lang="en-US" i="1" dirty="0" err="1" smtClean="0"/>
-              <a:t>GvS</a:t>
-            </a:r>
-            <a:r>
-              <a:rPr lang="en-US" dirty="0" smtClean="0"/>
-              <a:t> (1</a:t>
-            </a:r>
-            <a:r>
-              <a:rPr lang="en-US" baseline="30000" dirty="0" smtClean="0"/>
-              <a:t>st</a:t>
-            </a:r>
-            <a:r>
-              <a:rPr lang="en-US" dirty="0" smtClean="0"/>
-              <a:t> tier)</a:t>
-            </a:r>
-            <a:endParaRPr lang="en-US" dirty="0"/>
-          </a:p>
-        </p:txBody>
-      </p:sp>
-      <p:sp>
-        <p:nvSpPr>
-          <p:cNvPr id="3" name="Content Placeholder 2"/>
-          <p:cNvSpPr>
-            <a:spLocks noGrp="1"/>
-          </p:cNvSpPr>
-          <p:nvPr>
-            <p:ph idx="1"/>
-          </p:nvPr>
-        </p:nvSpPr>
-        <p:spPr/>
-        <p:txBody>
-          <a:bodyPr/>
-          <a:lstStyle/>
-          <a:p>
-            <a:endParaRPr lang="en-US"/>
+          <a:bodyPr>
+            <a:normAutofit/>
+          </a:bodyPr>
+          <a:lstStyle/>
+          <a:p>
+            <a:r>
+              <a:rPr lang="en-US" sz="3600" dirty="0" smtClean="0"/>
+              <a:t>Collecting Annotation – 2</a:t>
+            </a:r>
+            <a:r>
+              <a:rPr lang="en-US" sz="3600" baseline="30000" dirty="0" smtClean="0"/>
+              <a:t>nd</a:t>
+            </a:r>
+            <a:r>
+              <a:rPr lang="en-US" sz="3600" dirty="0" smtClean="0"/>
+              <a:t> Attempt</a:t>
+            </a:r>
+            <a:endParaRPr lang="en-US" sz="3600" dirty="0"/>
           </a:p>
         </p:txBody>
       </p:sp>
@@ -9157,7 +9813,7 @@
           <a:p>
             <a:fld id="{971D902E-52E4-5F4D-9A84-F04B09DBA050}" type="datetime1">
               <a:rPr lang="en-SG" smtClean="0"/>
-              <a:t>9/11/12</a:t>
+              <a:t>13/11/12</a:t>
             </a:fld>
             <a:endParaRPr lang="en-US"/>
           </a:p>
@@ -9186,10 +9842,620 @@
           </a:p>
         </p:txBody>
       </p:sp>
+      <p:sp>
+        <p:nvSpPr>
+          <p:cNvPr id="6" name="Round Single Corner Rectangle 5"/>
+          <p:cNvSpPr/>
+          <p:nvPr/>
+        </p:nvSpPr>
+        <p:spPr>
+          <a:xfrm>
+            <a:off x="867240" y="1436230"/>
+            <a:ext cx="3336199" cy="4429637"/>
+          </a:xfrm>
+          <a:prstGeom prst="round1Rect">
+            <a:avLst/>
+          </a:prstGeom>
+        </p:spPr>
+        <p:style>
+          <a:lnRef idx="1">
+            <a:schemeClr val="accent1"/>
+          </a:lnRef>
+          <a:fillRef idx="3">
+            <a:schemeClr val="accent1"/>
+          </a:fillRef>
+          <a:effectRef idx="2">
+            <a:schemeClr val="accent1"/>
+          </a:effectRef>
+          <a:fontRef idx="minor">
+            <a:schemeClr val="lt1"/>
+          </a:fontRef>
+        </p:style>
+        <p:txBody>
+          <a:bodyPr rtlCol="0" anchor="ctr"/>
+          <a:lstStyle/>
+          <a:p>
+            <a:pPr algn="ctr"/>
+            <a:endParaRPr lang="en-US"/>
+          </a:p>
+        </p:txBody>
+      </p:sp>
+      <p:sp>
+        <p:nvSpPr>
+          <p:cNvPr id="7" name="Round Single Corner Rectangle 6"/>
+          <p:cNvSpPr/>
+          <p:nvPr/>
+        </p:nvSpPr>
+        <p:spPr>
+          <a:xfrm>
+            <a:off x="4914900" y="1436230"/>
+            <a:ext cx="3336199" cy="4429637"/>
+          </a:xfrm>
+          <a:prstGeom prst="round1Rect">
+            <a:avLst/>
+          </a:prstGeom>
+        </p:spPr>
+        <p:style>
+          <a:lnRef idx="1">
+            <a:schemeClr val="accent1"/>
+          </a:lnRef>
+          <a:fillRef idx="3">
+            <a:schemeClr val="accent1"/>
+          </a:fillRef>
+          <a:effectRef idx="2">
+            <a:schemeClr val="accent1"/>
+          </a:effectRef>
+          <a:fontRef idx="minor">
+            <a:schemeClr val="lt1"/>
+          </a:fontRef>
+        </p:style>
+        <p:txBody>
+          <a:bodyPr rtlCol="0" anchor="ctr"/>
+          <a:lstStyle/>
+          <a:p>
+            <a:pPr algn="ctr"/>
+            <a:r>
+              <a:rPr lang="en-US" dirty="0" smtClean="0"/>
+              <a:t>:</a:t>
+            </a:r>
+            <a:endParaRPr lang="en-US" dirty="0"/>
+          </a:p>
+        </p:txBody>
+      </p:sp>
+      <p:sp>
+        <p:nvSpPr>
+          <p:cNvPr id="8" name="Rounded Rectangle 7"/>
+          <p:cNvSpPr/>
+          <p:nvPr/>
+        </p:nvSpPr>
+        <p:spPr>
+          <a:xfrm>
+            <a:off x="1300346" y="2993407"/>
+            <a:ext cx="2404127" cy="771029"/>
+          </a:xfrm>
+          <a:prstGeom prst="roundRect">
+            <a:avLst/>
+          </a:prstGeom>
+        </p:spPr>
+        <p:style>
+          <a:lnRef idx="1">
+            <a:schemeClr val="accent5"/>
+          </a:lnRef>
+          <a:fillRef idx="3">
+            <a:schemeClr val="accent5"/>
+          </a:fillRef>
+          <a:effectRef idx="2">
+            <a:schemeClr val="accent5"/>
+          </a:effectRef>
+          <a:fontRef idx="minor">
+            <a:schemeClr val="lt1"/>
+          </a:fontRef>
+        </p:style>
+        <p:txBody>
+          <a:bodyPr rtlCol="0" anchor="ctr"/>
+          <a:lstStyle/>
+          <a:p>
+            <a:pPr algn="ctr"/>
+            <a:r>
+              <a:rPr lang="en-US" dirty="0" smtClean="0"/>
+              <a:t>Citing Context</a:t>
+            </a:r>
+            <a:endParaRPr lang="en-US" dirty="0"/>
+          </a:p>
+        </p:txBody>
+      </p:sp>
+      <p:sp>
+        <p:nvSpPr>
+          <p:cNvPr id="10" name="TextBox 9"/>
+          <p:cNvSpPr txBox="1"/>
+          <p:nvPr/>
+        </p:nvSpPr>
+        <p:spPr>
+          <a:xfrm>
+            <a:off x="2116839" y="5971698"/>
+            <a:ext cx="790488" cy="369332"/>
+          </a:xfrm>
+          <a:prstGeom prst="rect">
+            <a:avLst/>
+          </a:prstGeom>
+          <a:noFill/>
+        </p:spPr>
+        <p:txBody>
+          <a:bodyPr wrap="none" rtlCol="0">
+            <a:spAutoFit/>
+          </a:bodyPr>
+          <a:lstStyle/>
+          <a:p>
+            <a:r>
+              <a:rPr lang="en-US" dirty="0" smtClean="0"/>
+              <a:t>Citing</a:t>
+            </a:r>
+            <a:endParaRPr lang="en-US" dirty="0"/>
+          </a:p>
+        </p:txBody>
+      </p:sp>
+      <p:sp>
+        <p:nvSpPr>
+          <p:cNvPr id="11" name="TextBox 10"/>
+          <p:cNvSpPr txBox="1"/>
+          <p:nvPr/>
+        </p:nvSpPr>
+        <p:spPr>
+          <a:xfrm>
+            <a:off x="6225191" y="5973121"/>
+            <a:ext cx="723275" cy="369332"/>
+          </a:xfrm>
+          <a:prstGeom prst="rect">
+            <a:avLst/>
+          </a:prstGeom>
+          <a:noFill/>
+        </p:spPr>
+        <p:txBody>
+          <a:bodyPr wrap="none" rtlCol="0">
+            <a:spAutoFit/>
+          </a:bodyPr>
+          <a:lstStyle/>
+          <a:p>
+            <a:r>
+              <a:rPr lang="en-US" dirty="0" smtClean="0"/>
+              <a:t>Cited</a:t>
+            </a:r>
+            <a:endParaRPr lang="en-US" dirty="0"/>
+          </a:p>
+        </p:txBody>
+      </p:sp>
+      <p:sp>
+        <p:nvSpPr>
+          <p:cNvPr id="3" name="Rounded Rectangle 2"/>
+          <p:cNvSpPr/>
+          <p:nvPr/>
+        </p:nvSpPr>
+        <p:spPr>
+          <a:xfrm>
+            <a:off x="5246743" y="1693240"/>
+            <a:ext cx="2646052" cy="377955"/>
+          </a:xfrm>
+          <a:prstGeom prst="roundRect">
+            <a:avLst/>
+          </a:prstGeom>
+        </p:spPr>
+        <p:style>
+          <a:lnRef idx="1">
+            <a:schemeClr val="accent4"/>
+          </a:lnRef>
+          <a:fillRef idx="3">
+            <a:schemeClr val="accent4"/>
+          </a:fillRef>
+          <a:effectRef idx="2">
+            <a:schemeClr val="accent4"/>
+          </a:effectRef>
+          <a:fontRef idx="minor">
+            <a:schemeClr val="lt1"/>
+          </a:fontRef>
+        </p:style>
+        <p:txBody>
+          <a:bodyPr rtlCol="0" anchor="ctr"/>
+          <a:lstStyle/>
+          <a:p>
+            <a:pPr algn="ctr"/>
+            <a:r>
+              <a:rPr lang="en-US" dirty="0" smtClean="0"/>
+              <a:t>Fragment 1</a:t>
+            </a:r>
+            <a:endParaRPr lang="en-US" dirty="0"/>
+          </a:p>
+        </p:txBody>
+      </p:sp>
+      <p:sp>
+        <p:nvSpPr>
+          <p:cNvPr id="12" name="Rounded Rectangle 11"/>
+          <p:cNvSpPr/>
+          <p:nvPr/>
+        </p:nvSpPr>
+        <p:spPr>
+          <a:xfrm>
+            <a:off x="5246743" y="2328209"/>
+            <a:ext cx="2646052" cy="377955"/>
+          </a:xfrm>
+          <a:prstGeom prst="roundRect">
+            <a:avLst/>
+          </a:prstGeom>
+        </p:spPr>
+        <p:style>
+          <a:lnRef idx="1">
+            <a:schemeClr val="accent4"/>
+          </a:lnRef>
+          <a:fillRef idx="3">
+            <a:schemeClr val="accent4"/>
+          </a:fillRef>
+          <a:effectRef idx="2">
+            <a:schemeClr val="accent4"/>
+          </a:effectRef>
+          <a:fontRef idx="minor">
+            <a:schemeClr val="lt1"/>
+          </a:fontRef>
+        </p:style>
+        <p:txBody>
+          <a:bodyPr rtlCol="0" anchor="ctr"/>
+          <a:lstStyle/>
+          <a:p>
+            <a:pPr algn="ctr"/>
+            <a:r>
+              <a:rPr lang="en-US" dirty="0" smtClean="0"/>
+              <a:t>Fragment 2</a:t>
+            </a:r>
+            <a:endParaRPr lang="en-US" dirty="0"/>
+          </a:p>
+        </p:txBody>
+      </p:sp>
+      <p:sp>
+        <p:nvSpPr>
+          <p:cNvPr id="13" name="Rounded Rectangle 12"/>
+          <p:cNvSpPr/>
+          <p:nvPr/>
+        </p:nvSpPr>
+        <p:spPr>
+          <a:xfrm>
+            <a:off x="5246743" y="2978295"/>
+            <a:ext cx="2646052" cy="377955"/>
+          </a:xfrm>
+          <a:prstGeom prst="roundRect">
+            <a:avLst/>
+          </a:prstGeom>
+        </p:spPr>
+        <p:style>
+          <a:lnRef idx="1">
+            <a:schemeClr val="accent4"/>
+          </a:lnRef>
+          <a:fillRef idx="3">
+            <a:schemeClr val="accent4"/>
+          </a:fillRef>
+          <a:effectRef idx="2">
+            <a:schemeClr val="accent4"/>
+          </a:effectRef>
+          <a:fontRef idx="minor">
+            <a:schemeClr val="lt1"/>
+          </a:fontRef>
+        </p:style>
+        <p:txBody>
+          <a:bodyPr rtlCol="0" anchor="ctr"/>
+          <a:lstStyle/>
+          <a:p>
+            <a:pPr algn="ctr"/>
+            <a:r>
+              <a:rPr lang="en-US" dirty="0" smtClean="0"/>
+              <a:t>Fragment 3</a:t>
+            </a:r>
+            <a:endParaRPr lang="en-US" dirty="0"/>
+          </a:p>
+        </p:txBody>
+      </p:sp>
+      <p:sp>
+        <p:nvSpPr>
+          <p:cNvPr id="14" name="Rounded Rectangle 13"/>
+          <p:cNvSpPr/>
+          <p:nvPr/>
+        </p:nvSpPr>
+        <p:spPr>
+          <a:xfrm>
+            <a:off x="5246743" y="4022665"/>
+            <a:ext cx="2646052" cy="377955"/>
+          </a:xfrm>
+          <a:prstGeom prst="roundRect">
+            <a:avLst/>
+          </a:prstGeom>
+        </p:spPr>
+        <p:style>
+          <a:lnRef idx="1">
+            <a:schemeClr val="accent4"/>
+          </a:lnRef>
+          <a:fillRef idx="3">
+            <a:schemeClr val="accent4"/>
+          </a:fillRef>
+          <a:effectRef idx="2">
+            <a:schemeClr val="accent4"/>
+          </a:effectRef>
+          <a:fontRef idx="minor">
+            <a:schemeClr val="lt1"/>
+          </a:fontRef>
+        </p:style>
+        <p:txBody>
+          <a:bodyPr rtlCol="0" anchor="ctr"/>
+          <a:lstStyle/>
+          <a:p>
+            <a:pPr algn="ctr"/>
+            <a:r>
+              <a:rPr lang="en-US" dirty="0" smtClean="0"/>
+              <a:t>Fragment </a:t>
+            </a:r>
+            <a:r>
+              <a:rPr lang="en-US" i="1" dirty="0" err="1" smtClean="0"/>
+              <a:t>i</a:t>
+            </a:r>
+            <a:endParaRPr lang="en-US" i="1" dirty="0"/>
+          </a:p>
+        </p:txBody>
+      </p:sp>
+      <p:sp>
+        <p:nvSpPr>
+          <p:cNvPr id="15" name="Rounded Rectangle 14"/>
+          <p:cNvSpPr/>
+          <p:nvPr/>
+        </p:nvSpPr>
+        <p:spPr>
+          <a:xfrm>
+            <a:off x="5246743" y="5065820"/>
+            <a:ext cx="2646052" cy="377955"/>
+          </a:xfrm>
+          <a:prstGeom prst="roundRect">
+            <a:avLst/>
+          </a:prstGeom>
+        </p:spPr>
+        <p:style>
+          <a:lnRef idx="1">
+            <a:schemeClr val="accent4"/>
+          </a:lnRef>
+          <a:fillRef idx="3">
+            <a:schemeClr val="accent4"/>
+          </a:fillRef>
+          <a:effectRef idx="2">
+            <a:schemeClr val="accent4"/>
+          </a:effectRef>
+          <a:fontRef idx="minor">
+            <a:schemeClr val="lt1"/>
+          </a:fontRef>
+        </p:style>
+        <p:txBody>
+          <a:bodyPr rtlCol="0" anchor="ctr"/>
+          <a:lstStyle/>
+          <a:p>
+            <a:pPr algn="ctr"/>
+            <a:r>
+              <a:rPr lang="en-US" dirty="0" smtClean="0"/>
+              <a:t>Fragment </a:t>
+            </a:r>
+            <a:r>
+              <a:rPr lang="en-US" i="1" dirty="0" smtClean="0"/>
+              <a:t>m</a:t>
+            </a:r>
+            <a:endParaRPr lang="en-US" i="1" dirty="0"/>
+          </a:p>
+        </p:txBody>
+      </p:sp>
+      <p:sp>
+        <p:nvSpPr>
+          <p:cNvPr id="16" name="TextBox 15"/>
+          <p:cNvSpPr txBox="1"/>
+          <p:nvPr/>
+        </p:nvSpPr>
+        <p:spPr>
+          <a:xfrm>
+            <a:off x="6363395" y="4565704"/>
+            <a:ext cx="249475" cy="369332"/>
+          </a:xfrm>
+          <a:prstGeom prst="rect">
+            <a:avLst/>
+          </a:prstGeom>
+          <a:noFill/>
+        </p:spPr>
+        <p:txBody>
+          <a:bodyPr wrap="none" rtlCol="0">
+            <a:spAutoFit/>
+          </a:bodyPr>
+          <a:lstStyle/>
+          <a:p>
+            <a:r>
+              <a:rPr lang="en-US" dirty="0" smtClean="0"/>
+              <a:t>:</a:t>
+            </a:r>
+            <a:endParaRPr lang="en-US" dirty="0"/>
+          </a:p>
+        </p:txBody>
+      </p:sp>
+      <p:cxnSp>
+        <p:nvCxnSpPr>
+          <p:cNvPr id="18" name="Straight Arrow Connector 17"/>
+          <p:cNvCxnSpPr>
+            <a:stCxn id="8" idx="3"/>
+            <a:endCxn id="3" idx="1"/>
+          </p:cNvCxnSpPr>
+          <p:nvPr/>
+        </p:nvCxnSpPr>
+        <p:spPr>
+          <a:xfrm flipV="1">
+            <a:off x="3704473" y="1882218"/>
+            <a:ext cx="1542270" cy="1496704"/>
+          </a:xfrm>
+          <a:prstGeom prst="straightConnector1">
+            <a:avLst/>
+          </a:prstGeom>
+          <a:ln>
+            <a:tailEnd type="arrow"/>
+          </a:ln>
+        </p:spPr>
+        <p:style>
+          <a:lnRef idx="3">
+            <a:schemeClr val="dk1"/>
+          </a:lnRef>
+          <a:fillRef idx="0">
+            <a:schemeClr val="dk1"/>
+          </a:fillRef>
+          <a:effectRef idx="2">
+            <a:schemeClr val="dk1"/>
+          </a:effectRef>
+          <a:fontRef idx="minor">
+            <a:schemeClr val="tx1"/>
+          </a:fontRef>
+        </p:style>
+      </p:cxnSp>
+      <p:cxnSp>
+        <p:nvCxnSpPr>
+          <p:cNvPr id="20" name="Straight Arrow Connector 19"/>
+          <p:cNvCxnSpPr>
+            <a:stCxn id="8" idx="3"/>
+            <a:endCxn id="12" idx="1"/>
+          </p:cNvCxnSpPr>
+          <p:nvPr/>
+        </p:nvCxnSpPr>
+        <p:spPr>
+          <a:xfrm flipV="1">
+            <a:off x="3704473" y="2517187"/>
+            <a:ext cx="1542270" cy="861735"/>
+          </a:xfrm>
+          <a:prstGeom prst="straightConnector1">
+            <a:avLst/>
+          </a:prstGeom>
+          <a:ln>
+            <a:tailEnd type="arrow"/>
+          </a:ln>
+        </p:spPr>
+        <p:style>
+          <a:lnRef idx="3">
+            <a:schemeClr val="dk1"/>
+          </a:lnRef>
+          <a:fillRef idx="0">
+            <a:schemeClr val="dk1"/>
+          </a:fillRef>
+          <a:effectRef idx="2">
+            <a:schemeClr val="dk1"/>
+          </a:effectRef>
+          <a:fontRef idx="minor">
+            <a:schemeClr val="tx1"/>
+          </a:fontRef>
+        </p:style>
+      </p:cxnSp>
+      <p:cxnSp>
+        <p:nvCxnSpPr>
+          <p:cNvPr id="22" name="Straight Arrow Connector 21"/>
+          <p:cNvCxnSpPr>
+            <a:stCxn id="8" idx="3"/>
+            <a:endCxn id="13" idx="1"/>
+          </p:cNvCxnSpPr>
+          <p:nvPr/>
+        </p:nvCxnSpPr>
+        <p:spPr>
+          <a:xfrm flipV="1">
+            <a:off x="3704473" y="3167273"/>
+            <a:ext cx="1542270" cy="211649"/>
+          </a:xfrm>
+          <a:prstGeom prst="straightConnector1">
+            <a:avLst/>
+          </a:prstGeom>
+          <a:ln>
+            <a:tailEnd type="arrow"/>
+          </a:ln>
+        </p:spPr>
+        <p:style>
+          <a:lnRef idx="3">
+            <a:schemeClr val="dk1"/>
+          </a:lnRef>
+          <a:fillRef idx="0">
+            <a:schemeClr val="dk1"/>
+          </a:fillRef>
+          <a:effectRef idx="2">
+            <a:schemeClr val="dk1"/>
+          </a:effectRef>
+          <a:fontRef idx="minor">
+            <a:schemeClr val="tx1"/>
+          </a:fontRef>
+        </p:style>
+      </p:cxnSp>
+      <p:cxnSp>
+        <p:nvCxnSpPr>
+          <p:cNvPr id="24" name="Straight Arrow Connector 23"/>
+          <p:cNvCxnSpPr>
+            <a:stCxn id="8" idx="3"/>
+            <a:endCxn id="14" idx="1"/>
+          </p:cNvCxnSpPr>
+          <p:nvPr/>
+        </p:nvCxnSpPr>
+        <p:spPr>
+          <a:xfrm>
+            <a:off x="3704473" y="3378922"/>
+            <a:ext cx="1542270" cy="832721"/>
+          </a:xfrm>
+          <a:prstGeom prst="straightConnector1">
+            <a:avLst/>
+          </a:prstGeom>
+          <a:ln>
+            <a:tailEnd type="arrow"/>
+          </a:ln>
+        </p:spPr>
+        <p:style>
+          <a:lnRef idx="3">
+            <a:schemeClr val="dk1"/>
+          </a:lnRef>
+          <a:fillRef idx="0">
+            <a:schemeClr val="dk1"/>
+          </a:fillRef>
+          <a:effectRef idx="2">
+            <a:schemeClr val="dk1"/>
+          </a:effectRef>
+          <a:fontRef idx="minor">
+            <a:schemeClr val="tx1"/>
+          </a:fontRef>
+        </p:style>
+      </p:cxnSp>
+      <p:cxnSp>
+        <p:nvCxnSpPr>
+          <p:cNvPr id="26" name="Straight Arrow Connector 25"/>
+          <p:cNvCxnSpPr>
+            <a:stCxn id="8" idx="3"/>
+            <a:endCxn id="15" idx="1"/>
+          </p:cNvCxnSpPr>
+          <p:nvPr/>
+        </p:nvCxnSpPr>
+        <p:spPr>
+          <a:xfrm>
+            <a:off x="3704473" y="3378922"/>
+            <a:ext cx="1542270" cy="1875876"/>
+          </a:xfrm>
+          <a:prstGeom prst="straightConnector1">
+            <a:avLst/>
+          </a:prstGeom>
+          <a:ln>
+            <a:tailEnd type="arrow"/>
+          </a:ln>
+        </p:spPr>
+        <p:style>
+          <a:lnRef idx="3">
+            <a:schemeClr val="dk1"/>
+          </a:lnRef>
+          <a:fillRef idx="0">
+            <a:schemeClr val="dk1"/>
+          </a:fillRef>
+          <a:effectRef idx="2">
+            <a:schemeClr val="dk1"/>
+          </a:effectRef>
+          <a:fontRef idx="minor">
+            <a:schemeClr val="tx1"/>
+          </a:fontRef>
+        </p:style>
+      </p:cxnSp>
     </p:spTree>
     <p:extLst>
       <p:ext uri="{BB962C8B-B14F-4D97-AF65-F5344CB8AC3E}">
-        <p14:creationId xmlns:p14="http://schemas.microsoft.com/office/powerpoint/2010/main" val="2652308471"/>
+        <p14:creationId xmlns:p14="http://schemas.microsoft.com/office/powerpoint/2010/main" val="1848361077"/>
       </p:ext>
     </p:extLst>
   </p:cSld>
@@ -9235,45 +10501,117 @@
         </p:nvSpPr>
         <p:spPr/>
         <p:txBody>
-          <a:bodyPr/>
-          <a:lstStyle/>
-          <a:p>
-            <a:r>
-              <a:rPr lang="en-US" i="1" dirty="0" err="1" smtClean="0"/>
-              <a:t>LocateProv</a:t>
-            </a:r>
-            <a:r>
-              <a:rPr lang="en-US" dirty="0" smtClean="0"/>
-              <a:t> (2</a:t>
-            </a:r>
-            <a:r>
-              <a:rPr lang="en-US" baseline="30000" dirty="0" smtClean="0"/>
+          <a:bodyPr>
+            <a:normAutofit/>
+          </a:bodyPr>
+          <a:lstStyle/>
+          <a:p>
+            <a:r>
+              <a:rPr lang="en-US" sz="3600" dirty="0" smtClean="0"/>
+              <a:t>Collecting Annotation – 2</a:t>
+            </a:r>
+            <a:r>
+              <a:rPr lang="en-US" sz="3600" baseline="30000" dirty="0" smtClean="0"/>
               <a:t>nd</a:t>
             </a:r>
             <a:r>
-              <a:rPr lang="en-US" dirty="0" smtClean="0"/>
-              <a:t> tier)</a:t>
+              <a:rPr lang="en-US" sz="3600" dirty="0" smtClean="0"/>
+              <a:t> Attempt</a:t>
+            </a:r>
+            <a:endParaRPr lang="en-US" sz="3600" dirty="0"/>
+          </a:p>
+        </p:txBody>
+      </p:sp>
+      <p:sp>
+        <p:nvSpPr>
+          <p:cNvPr id="3" name="Content Placeholder 2"/>
+          <p:cNvSpPr>
+            <a:spLocks noGrp="1"/>
+          </p:cNvSpPr>
+          <p:nvPr>
+            <p:ph idx="1"/>
+          </p:nvPr>
+        </p:nvSpPr>
+        <p:spPr/>
+        <p:txBody>
+          <a:bodyPr/>
+          <a:lstStyle/>
+          <a:p>
+            <a:pPr>
+              <a:buFont typeface="Arial"/>
+              <a:buChar char="•"/>
+            </a:pPr>
+            <a:r>
+              <a:rPr lang="en-US" dirty="0" smtClean="0"/>
+              <a:t>Annotate by fragments. Use </a:t>
+            </a:r>
+            <a:r>
+              <a:rPr lang="en-US" dirty="0" err="1" smtClean="0"/>
+              <a:t>ParsCit</a:t>
+            </a:r>
+            <a:r>
+              <a:rPr lang="en-US" dirty="0" smtClean="0"/>
+              <a:t> [</a:t>
+            </a:r>
+            <a:r>
+              <a:rPr lang="en-US" dirty="0" err="1" smtClean="0"/>
+              <a:t>Councill</a:t>
+            </a:r>
+            <a:r>
+              <a:rPr lang="en-US" dirty="0" smtClean="0"/>
+              <a:t> et al, 2008] for fragment cited paper</a:t>
+            </a:r>
+          </a:p>
+          <a:p>
+            <a:pPr>
+              <a:buFont typeface="Arial"/>
+              <a:buChar char="•"/>
+            </a:pPr>
+            <a:r>
+              <a:rPr lang="en-US" dirty="0" smtClean="0"/>
+              <a:t>For each citation, for each context, for each fragment, annotate with labels:</a:t>
+            </a:r>
+          </a:p>
+          <a:p>
+            <a:pPr lvl="1">
+              <a:buFont typeface="Arial"/>
+              <a:buChar char="•"/>
+            </a:pPr>
+            <a:r>
+              <a:rPr lang="en-US" dirty="0" smtClean="0"/>
+              <a:t>General (g)</a:t>
+            </a:r>
+          </a:p>
+          <a:p>
+            <a:pPr lvl="1">
+              <a:buFont typeface="Arial"/>
+              <a:buChar char="•"/>
+            </a:pPr>
+            <a:r>
+              <a:rPr lang="en-US" dirty="0" smtClean="0"/>
+              <a:t>Specific-Yes (y)</a:t>
+            </a:r>
+          </a:p>
+          <a:p>
+            <a:pPr lvl="1">
+              <a:buFont typeface="Arial"/>
+              <a:buChar char="•"/>
+            </a:pPr>
+            <a:r>
+              <a:rPr lang="en-US" dirty="0" smtClean="0"/>
+              <a:t>Specific-No (n)</a:t>
+            </a:r>
+          </a:p>
+          <a:p>
+            <a:pPr>
+              <a:buFont typeface="Arial"/>
+              <a:buChar char="•"/>
+            </a:pPr>
+            <a:r>
+              <a:rPr lang="en-US" dirty="0" smtClean="0"/>
+              <a:t>Manually annotated</a:t>
             </a:r>
             <a:endParaRPr lang="en-US" dirty="0"/>
-          </a:p>
-        </p:txBody>
-      </p:sp>
-      <p:sp>
-        <p:nvSpPr>
-          <p:cNvPr id="3" name="Content Placeholder 2"/>
-          <p:cNvSpPr>
-            <a:spLocks noGrp="1"/>
-          </p:cNvSpPr>
-          <p:nvPr>
-            <p:ph idx="1"/>
-          </p:nvPr>
-        </p:nvSpPr>
-        <p:spPr/>
-        <p:txBody>
-          <a:bodyPr/>
-          <a:lstStyle/>
-          <a:p>
-            <a:endParaRPr lang="en-US"/>
           </a:p>
         </p:txBody>
       </p:sp>
@@ -9294,7 +10632,7 @@
           <a:p>
             <a:fld id="{971D902E-52E4-5F4D-9A84-F04B09DBA050}" type="datetime1">
               <a:rPr lang="en-SG" smtClean="0"/>
-              <a:t>9/11/12</a:t>
+              <a:t>13/11/12</a:t>
             </a:fld>
             <a:endParaRPr lang="en-US"/>
           </a:p>
@@ -9326,7 +10664,7 @@
     </p:spTree>
     <p:extLst>
       <p:ext uri="{BB962C8B-B14F-4D97-AF65-F5344CB8AC3E}">
-        <p14:creationId xmlns:p14="http://schemas.microsoft.com/office/powerpoint/2010/main" val="169489563"/>
+        <p14:creationId xmlns:p14="http://schemas.microsoft.com/office/powerpoint/2010/main" val="581104297"/>
       </p:ext>
     </p:extLst>
   </p:cSld>
@@ -9362,22 +10700,22 @@
       </p:grpSpPr>
       <p:sp>
         <p:nvSpPr>
-          <p:cNvPr id="6" name="Title 5"/>
-          <p:cNvSpPr>
-            <a:spLocks noGrp="1"/>
-          </p:cNvSpPr>
-          <p:nvPr>
-            <p:ph type="ctrTitle"/>
-          </p:nvPr>
-        </p:nvSpPr>
-        <p:spPr/>
-        <p:txBody>
-          <a:bodyPr/>
-          <a:lstStyle/>
-          <a:p>
-            <a:r>
-              <a:rPr lang="en-US" dirty="0" smtClean="0"/>
-              <a:t>Evaluation</a:t>
+          <p:cNvPr id="2" name="Title 1"/>
+          <p:cNvSpPr>
+            <a:spLocks noGrp="1"/>
+          </p:cNvSpPr>
+          <p:nvPr>
+            <p:ph type="title"/>
+          </p:nvPr>
+        </p:nvSpPr>
+        <p:spPr/>
+        <p:txBody>
+          <a:bodyPr/>
+          <a:lstStyle/>
+          <a:p>
+            <a:r>
+              <a:rPr lang="en-US" dirty="0" smtClean="0"/>
+              <a:t>Example</a:t>
             </a:r>
             <a:endParaRPr lang="en-US" dirty="0"/>
           </a:p>
@@ -9385,20 +10723,193 @@
       </p:sp>
       <p:sp>
         <p:nvSpPr>
-          <p:cNvPr id="7" name="Subtitle 6"/>
-          <p:cNvSpPr>
-            <a:spLocks noGrp="1"/>
-          </p:cNvSpPr>
-          <p:nvPr>
-            <p:ph type="subTitle" idx="1"/>
-          </p:nvPr>
-        </p:nvSpPr>
-        <p:spPr/>
-        <p:txBody>
-          <a:bodyPr/>
-          <a:lstStyle/>
-          <a:p>
-            <a:endParaRPr lang="en-US"/>
+          <p:cNvPr id="6" name="Text Placeholder 5"/>
+          <p:cNvSpPr>
+            <a:spLocks noGrp="1"/>
+          </p:cNvSpPr>
+          <p:nvPr>
+            <p:ph type="body" idx="1"/>
+          </p:nvPr>
+        </p:nvSpPr>
+        <p:spPr/>
+        <p:txBody>
+          <a:bodyPr/>
+          <a:lstStyle/>
+          <a:p>
+            <a:r>
+              <a:rPr lang="en-US" dirty="0" smtClean="0"/>
+              <a:t>Citing Context</a:t>
+            </a:r>
+            <a:endParaRPr lang="en-US" dirty="0"/>
+          </a:p>
+        </p:txBody>
+      </p:sp>
+      <p:sp>
+        <p:nvSpPr>
+          <p:cNvPr id="7" name="Content Placeholder 6"/>
+          <p:cNvSpPr>
+            <a:spLocks noGrp="1"/>
+          </p:cNvSpPr>
+          <p:nvPr>
+            <p:ph sz="half" idx="2"/>
+          </p:nvPr>
+        </p:nvSpPr>
+        <p:spPr/>
+        <p:txBody>
+          <a:bodyPr>
+            <a:noAutofit/>
+          </a:bodyPr>
+          <a:lstStyle/>
+          <a:p>
+            <a:pPr marL="0" indent="0">
+              <a:buNone/>
+            </a:pPr>
+            <a:r>
+              <a:rPr lang="en-US" sz="1100" dirty="0" err="1"/>
+              <a:t>ario</a:t>
+            </a:r>
+            <a:r>
+              <a:rPr lang="en-US" sz="1100" dirty="0"/>
+              <a:t> considers as attribute information prefixes of words in combination with attributes whose values are obtained from the Internet. These Internet based attributes are targeted to extract evidence of the possible semantic class of the question. The next subsection will explain how the Internet is used to extract attributes for our question classification problem. In subsection 3.2 we present a brief description of Support Vector Machines, the learning algorithm used on our experiments. </a:t>
+            </a:r>
+            <a:r>
+              <a:rPr lang="en-US" sz="1100" b="1" u="sng" dirty="0">
+                <a:solidFill>
+                  <a:srgbClr val="FFFF00"/>
+                </a:solidFill>
+              </a:rPr>
+              <a:t>3.1 Using Internet As </a:t>
+            </a:r>
+            <a:r>
+              <a:rPr lang="en-US" sz="1100" b="1" u="sng" dirty="0" err="1">
+                <a:solidFill>
+                  <a:srgbClr val="FFFF00"/>
+                </a:solidFill>
+              </a:rPr>
+              <a:t>Kilgarriff</a:t>
+            </a:r>
+            <a:r>
+              <a:rPr lang="en-US" sz="1100" b="1" u="sng" dirty="0">
+                <a:solidFill>
+                  <a:srgbClr val="FFFF00"/>
+                </a:solidFill>
+              </a:rPr>
+              <a:t> and </a:t>
+            </a:r>
+            <a:r>
+              <a:rPr lang="en-US" sz="1100" b="1" u="sng" dirty="0" err="1">
+                <a:solidFill>
+                  <a:srgbClr val="FFFF00"/>
+                </a:solidFill>
+              </a:rPr>
+              <a:t>Grefenstette</a:t>
+            </a:r>
+            <a:r>
+              <a:rPr lang="en-US" sz="1100" b="1" u="sng" dirty="0">
+                <a:solidFill>
+                  <a:srgbClr val="FFFF00"/>
+                </a:solidFill>
+              </a:rPr>
+              <a:t> wrote, the Internet is a fabulous linguists’ playground (</a:t>
+            </a:r>
+            <a:r>
+              <a:rPr lang="en-US" sz="1100" b="1" u="sng" dirty="0" err="1">
+                <a:solidFill>
+                  <a:srgbClr val="FFFF00"/>
+                </a:solidFill>
+              </a:rPr>
+              <a:t>Kilgarriff</a:t>
+            </a:r>
+            <a:r>
+              <a:rPr lang="en-US" sz="1100" b="1" u="sng" dirty="0">
+                <a:solidFill>
+                  <a:srgbClr val="FFFF00"/>
+                </a:solidFill>
+              </a:rPr>
+              <a:t> and </a:t>
+            </a:r>
+            <a:r>
+              <a:rPr lang="en-US" sz="1100" b="1" u="sng" dirty="0" err="1">
+                <a:solidFill>
+                  <a:srgbClr val="FFFF00"/>
+                </a:solidFill>
+              </a:rPr>
+              <a:t>Grefenstette</a:t>
+            </a:r>
+            <a:r>
+              <a:rPr lang="en-US" sz="1100" b="1" u="sng" dirty="0">
+                <a:solidFill>
+                  <a:srgbClr val="FFFF00"/>
+                </a:solidFill>
+              </a:rPr>
+              <a:t>, 2003).</a:t>
+            </a:r>
+            <a:r>
+              <a:rPr lang="en-US" sz="1100" dirty="0"/>
+              <a:t> It has become the greatest information source available worldwide, and although English is the dominant language represented on the Internet it is very likely that one can find information in almost any desired language. Considering this, and the fact that the texts are written in natural language, we believe that new methods that take advantage of this large corpus must be devised. In this work we propose using the Internet in order to acquire information that can be used as attributes in our classification problem. This attribute information can be extracted automatically from the web and</a:t>
+            </a:r>
+          </a:p>
+        </p:txBody>
+      </p:sp>
+      <p:sp>
+        <p:nvSpPr>
+          <p:cNvPr id="8" name="Text Placeholder 7"/>
+          <p:cNvSpPr>
+            <a:spLocks noGrp="1"/>
+          </p:cNvSpPr>
+          <p:nvPr>
+            <p:ph type="body" sz="quarter" idx="3"/>
+          </p:nvPr>
+        </p:nvSpPr>
+        <p:spPr/>
+        <p:txBody>
+          <a:bodyPr/>
+          <a:lstStyle/>
+          <a:p>
+            <a:r>
+              <a:rPr lang="en-US" dirty="0" smtClean="0"/>
+              <a:t>Fragment</a:t>
+            </a:r>
+            <a:endParaRPr lang="en-US" dirty="0"/>
+          </a:p>
+        </p:txBody>
+      </p:sp>
+      <p:sp>
+        <p:nvSpPr>
+          <p:cNvPr id="9" name="Content Placeholder 8"/>
+          <p:cNvSpPr>
+            <a:spLocks noGrp="1"/>
+          </p:cNvSpPr>
+          <p:nvPr>
+            <p:ph sz="quarter" idx="4"/>
+          </p:nvPr>
+        </p:nvSpPr>
+        <p:spPr/>
+        <p:txBody>
+          <a:bodyPr>
+            <a:normAutofit/>
+          </a:bodyPr>
+          <a:lstStyle/>
+          <a:p>
+            <a:pPr marL="0" indent="0">
+              <a:buNone/>
+            </a:pPr>
+            <a:r>
+              <a:rPr lang="en-US" sz="1800" dirty="0"/>
+              <a:t>The Web, teeming as it is with language data, of all manner of varieties and languages, in vast quantity and freely available, is a </a:t>
+            </a:r>
+            <a:r>
+              <a:rPr lang="en-US" sz="1800" b="1" u="sng" dirty="0">
+                <a:solidFill>
+                  <a:srgbClr val="FFFF00"/>
+                </a:solidFill>
+              </a:rPr>
+              <a:t>fabulous linguists’ playground. </a:t>
+            </a:r>
+            <a:r>
+              <a:rPr lang="en-US" sz="1800" dirty="0"/>
+              <a:t>This special issue of Computational Linguistics explores ways in which this dream is being explored.</a:t>
+            </a:r>
           </a:p>
         </p:txBody>
       </p:sp>
@@ -9419,7 +10930,7 @@
           <a:p>
             <a:fld id="{971D902E-52E4-5F4D-9A84-F04B09DBA050}" type="datetime1">
               <a:rPr lang="en-SG" smtClean="0"/>
-              <a:t>9/11/12</a:t>
+              <a:t>13/11/12</a:t>
             </a:fld>
             <a:endParaRPr lang="en-US"/>
           </a:p>
@@ -9451,13 +10962,20 @@
     </p:spTree>
     <p:extLst>
       <p:ext uri="{BB962C8B-B14F-4D97-AF65-F5344CB8AC3E}">
-        <p14:creationId xmlns:p14="http://schemas.microsoft.com/office/powerpoint/2010/main" val="4209635749"/>
+        <p14:creationId xmlns:p14="http://schemas.microsoft.com/office/powerpoint/2010/main" val="2168796219"/>
       </p:ext>
     </p:extLst>
   </p:cSld>
   <p:clrMapOvr>
     <a:masterClrMapping/>
   </p:clrMapOvr>
+  <p:timing>
+    <p:tnLst>
+      <p:par>
+        <p:cTn xmlns:p14="http://schemas.microsoft.com/office/powerpoint/2010/main" id="1" dur="indefinite" restart="never" nodeType="tmRoot"/>
+      </p:par>
+    </p:tnLst>
+  </p:timing>
 </p:sld>
 </file>
 
@@ -9495,38 +11013,211 @@
           <a:p>
             <a:r>
               <a:rPr lang="en-US" dirty="0" smtClean="0"/>
-              <a:t>Evaluating </a:t>
-            </a:r>
-            <a:r>
-              <a:rPr lang="en-US" i="1" dirty="0" err="1" smtClean="0"/>
-              <a:t>GvS</a:t>
-            </a:r>
-            <a:endParaRPr lang="en-US" i="1" dirty="0"/>
-          </a:p>
-        </p:txBody>
-      </p:sp>
-      <p:sp>
-        <p:nvSpPr>
-          <p:cNvPr id="3" name="Content Placeholder 2"/>
-          <p:cNvSpPr>
-            <a:spLocks noGrp="1"/>
-          </p:cNvSpPr>
-          <p:nvPr>
-            <p:ph idx="1"/>
-          </p:nvPr>
-        </p:nvSpPr>
-        <p:spPr/>
-        <p:txBody>
-          <a:bodyPr/>
-          <a:lstStyle/>
-          <a:p>
-            <a:endParaRPr lang="en-US"/>
-          </a:p>
-        </p:txBody>
-      </p:sp>
-      <p:sp>
-        <p:nvSpPr>
-          <p:cNvPr id="4" name="Date Placeholder 3"/>
+              <a:t>Example</a:t>
+            </a:r>
+            <a:endParaRPr lang="en-US" dirty="0"/>
+          </a:p>
+        </p:txBody>
+      </p:sp>
+      <p:sp>
+        <p:nvSpPr>
+          <p:cNvPr id="3" name="Text Placeholder 2"/>
+          <p:cNvSpPr>
+            <a:spLocks noGrp="1"/>
+          </p:cNvSpPr>
+          <p:nvPr>
+            <p:ph type="body" idx="1"/>
+          </p:nvPr>
+        </p:nvSpPr>
+        <p:spPr/>
+        <p:txBody>
+          <a:bodyPr/>
+          <a:lstStyle/>
+          <a:p>
+            <a:r>
+              <a:rPr lang="en-US" dirty="0" smtClean="0"/>
+              <a:t>Citing Context</a:t>
+            </a:r>
+            <a:endParaRPr lang="en-US" dirty="0"/>
+          </a:p>
+        </p:txBody>
+      </p:sp>
+      <p:sp>
+        <p:nvSpPr>
+          <p:cNvPr id="4" name="Content Placeholder 3"/>
+          <p:cNvSpPr>
+            <a:spLocks noGrp="1"/>
+          </p:cNvSpPr>
+          <p:nvPr>
+            <p:ph sz="half" idx="2"/>
+          </p:nvPr>
+        </p:nvSpPr>
+        <p:spPr/>
+        <p:txBody>
+          <a:bodyPr>
+            <a:noAutofit/>
+          </a:bodyPr>
+          <a:lstStyle/>
+          <a:p>
+            <a:pPr marL="0" indent="0">
+              <a:buNone/>
+            </a:pPr>
+            <a:r>
+              <a:rPr lang="en-US" sz="1100" dirty="0" err="1"/>
+              <a:t>nformation</a:t>
+            </a:r>
+            <a:r>
+              <a:rPr lang="en-US" sz="1100" dirty="0"/>
+              <a:t>, as oppose to using prefixes of size 4. For Italian language the best results were obtained from using prefixes of size 4. And for the three languages the Internet-based attributes had rather low accuracies, the lowest being for Italian. When we analyzed the results computed for Italian, using our Internet-based attributes, we realized that in many cases we could not get any results to the queries. One plausible explanation for this lack of information, is that the number of Italian documents available on Internet is much smaller than for English and Spanish. </a:t>
+            </a:r>
+            <a:r>
+              <a:rPr lang="en-US" sz="1100" b="1" u="sng" dirty="0">
+                <a:solidFill>
+                  <a:srgbClr val="FFFF00"/>
+                </a:solidFill>
+              </a:rPr>
+              <a:t>Estimates reported in (</a:t>
+            </a:r>
+            <a:r>
+              <a:rPr lang="en-US" sz="1100" b="1" u="sng" dirty="0" err="1">
+                <a:solidFill>
+                  <a:srgbClr val="FFFF00"/>
+                </a:solidFill>
+              </a:rPr>
+              <a:t>Kilgarriff</a:t>
+            </a:r>
+            <a:r>
+              <a:rPr lang="en-US" sz="1100" b="1" u="sng" dirty="0">
+                <a:solidFill>
+                  <a:srgbClr val="FFFF00"/>
+                </a:solidFill>
+              </a:rPr>
+              <a:t> and </a:t>
+            </a:r>
+            <a:r>
+              <a:rPr lang="en-US" sz="1100" b="1" u="sng" dirty="0" err="1">
+                <a:solidFill>
+                  <a:srgbClr val="FFFF00"/>
+                </a:solidFill>
+              </a:rPr>
+              <a:t>Grefenstette</a:t>
+            </a:r>
+            <a:r>
+              <a:rPr lang="en-US" sz="1100" b="1" u="sng" dirty="0">
+                <a:solidFill>
+                  <a:srgbClr val="FFFF00"/>
+                </a:solidFill>
+              </a:rPr>
+              <a:t>, 2003) show that for Italian the web size in words is 1,845,026,000; while for English and Spanish the web sizes are 76,598,718,000 and 2,658,631,000 respectively.</a:t>
+            </a:r>
+            <a:r>
+              <a:rPr lang="en-US" sz="1100" dirty="0"/>
+              <a:t> Thus our method was not able to extract as much information as for the other two languages. 4.3 Combining Internet-based Attributes with Lexical Features Results presented in the previous subsection show how by using just lexical information we can train SVM and achieve high accuracies in the three languages. But our goal is to discover the usefulness of using Internet in order to extract attributes for question classification. We perform</a:t>
+            </a:r>
+          </a:p>
+        </p:txBody>
+      </p:sp>
+      <p:sp>
+        <p:nvSpPr>
+          <p:cNvPr id="5" name="Text Placeholder 4"/>
+          <p:cNvSpPr>
+            <a:spLocks noGrp="1"/>
+          </p:cNvSpPr>
+          <p:nvPr>
+            <p:ph type="body" sz="quarter" idx="3"/>
+          </p:nvPr>
+        </p:nvSpPr>
+        <p:spPr/>
+        <p:txBody>
+          <a:bodyPr/>
+          <a:lstStyle/>
+          <a:p>
+            <a:r>
+              <a:rPr lang="en-US" dirty="0" smtClean="0"/>
+              <a:t>Fragment</a:t>
+            </a:r>
+            <a:endParaRPr lang="en-US" dirty="0"/>
+          </a:p>
+        </p:txBody>
+      </p:sp>
+      <p:sp>
+        <p:nvSpPr>
+          <p:cNvPr id="6" name="Content Placeholder 5"/>
+          <p:cNvSpPr>
+            <a:spLocks noGrp="1"/>
+          </p:cNvSpPr>
+          <p:nvPr>
+            <p:ph sz="quarter" idx="4"/>
+          </p:nvPr>
+        </p:nvSpPr>
+        <p:spPr/>
+        <p:txBody>
+          <a:bodyPr>
+            <a:normAutofit fontScale="62500" lnSpcReduction="20000"/>
+          </a:bodyPr>
+          <a:lstStyle/>
+          <a:p>
+            <a:pPr marL="0" indent="0">
+              <a:buNone/>
+            </a:pPr>
+            <a:r>
+              <a:rPr lang="en-US" dirty="0"/>
+              <a:t>Estimates of Web size in words, as indexed by AltaVista, for various languages. Language Web Size Language Web Size Albanian 10,332,000 Catalan 203,592,000 Breton 12,705,000 Slovakian 216,595,000 Welsh 14,993,000 Polish 322,283,000 Lithuanian 35,426,000 Finnish 326,379,000 Latvian 39,679,000 Danish 346,945,000 Icelandic 53,941,000 Hungarian 457,522,000 Basque 55,340,000 Czech 520,181,000 Latin 55,943,000 Norwegian 609,934,000 Esperanto 57,154,000 Swedish 1,003,075,000 </a:t>
+            </a:r>
+            <a:r>
+              <a:rPr lang="en-US" dirty="0" err="1"/>
+              <a:t>Roumanian</a:t>
+            </a:r>
+            <a:r>
+              <a:rPr lang="en-US" dirty="0"/>
+              <a:t> 86,392,000 Dutch 1,063,012,000 Irish 88,283,000 Portuguese 1,333,664,000 Estonian 98,066,000 Italian </a:t>
+            </a:r>
+            <a:r>
+              <a:rPr lang="en-US" b="1" u="sng" dirty="0">
+                <a:solidFill>
+                  <a:srgbClr val="FFFF00"/>
+                </a:solidFill>
+              </a:rPr>
+              <a:t>1,845,026,000</a:t>
+            </a:r>
+            <a:r>
+              <a:rPr lang="en-US" dirty="0">
+                <a:solidFill>
+                  <a:srgbClr val="FFFF00"/>
+                </a:solidFill>
+              </a:rPr>
+              <a:t> </a:t>
+            </a:r>
+            <a:r>
+              <a:rPr lang="en-US" dirty="0"/>
+              <a:t>Slovenian 119,153,000 Spanish </a:t>
+            </a:r>
+            <a:r>
+              <a:rPr lang="en-US" b="1" u="sng" dirty="0">
+                <a:solidFill>
+                  <a:srgbClr val="FFFF00"/>
+                </a:solidFill>
+              </a:rPr>
+              <a:t>2,658,631,000</a:t>
+            </a:r>
+            <a:r>
+              <a:rPr lang="en-US" dirty="0"/>
+              <a:t> Croatian 136,073,000 French 3,836,874,000 Malay 157,241,000 German 7,035,850,000 Turkish 187,356,000 English </a:t>
+            </a:r>
+            <a:r>
+              <a:rPr lang="en-US" b="1" u="sng" dirty="0">
+                <a:solidFill>
+                  <a:srgbClr val="FFFF00"/>
+                </a:solidFill>
+              </a:rPr>
+              <a:t>76,598,718,000</a:t>
+            </a:r>
+          </a:p>
+        </p:txBody>
+      </p:sp>
+      <p:sp>
+        <p:nvSpPr>
+          <p:cNvPr id="7" name="Date Placeholder 6"/>
           <p:cNvSpPr>
             <a:spLocks noGrp="1"/>
           </p:cNvSpPr>
@@ -9539,9 +11230,9 @@
           <a:bodyPr/>
           <a:lstStyle/>
           <a:p>
-            <a:fld id="{971D902E-52E4-5F4D-9A84-F04B09DBA050}" type="datetime1">
+            <a:fld id="{C0ED4E70-D94B-9D49-902A-5B23FAE68F2B}" type="datetime1">
               <a:rPr lang="en-SG" smtClean="0"/>
-              <a:t>9/11/12</a:t>
+              <a:t>13/11/12</a:t>
             </a:fld>
             <a:endParaRPr lang="en-US"/>
           </a:p>
@@ -9549,7 +11240,7 @@
       </p:sp>
       <p:sp>
         <p:nvSpPr>
-          <p:cNvPr id="5" name="Slide Number Placeholder 4"/>
+          <p:cNvPr id="8" name="Slide Number Placeholder 7"/>
           <p:cNvSpPr>
             <a:spLocks noGrp="1"/>
           </p:cNvSpPr>
@@ -9573,13 +11264,20 @@
     </p:spTree>
     <p:extLst>
       <p:ext uri="{BB962C8B-B14F-4D97-AF65-F5344CB8AC3E}">
-        <p14:creationId xmlns:p14="http://schemas.microsoft.com/office/powerpoint/2010/main" val="2002842636"/>
+        <p14:creationId xmlns:p14="http://schemas.microsoft.com/office/powerpoint/2010/main" val="1602396925"/>
       </p:ext>
     </p:extLst>
   </p:cSld>
   <p:clrMapOvr>
     <a:masterClrMapping/>
   </p:clrMapOvr>
+  <p:timing>
+    <p:tnLst>
+      <p:par>
+        <p:cTn xmlns:p14="http://schemas.microsoft.com/office/powerpoint/2010/main" id="1" dur="indefinite" restart="never" nodeType="tmRoot"/>
+      </p:par>
+    </p:tnLst>
+  </p:timing>
 </p:sld>
 </file>
 
@@ -9612,37 +11310,24 @@
         </p:nvSpPr>
         <p:spPr/>
         <p:txBody>
-          <a:bodyPr/>
-          <a:lstStyle/>
-          <a:p>
-            <a:r>
-              <a:rPr lang="en-US" dirty="0" smtClean="0"/>
-              <a:t>Evaluating </a:t>
-            </a:r>
-            <a:r>
-              <a:rPr lang="en-US" i="1" dirty="0" err="1" smtClean="0"/>
-              <a:t>LocateProv</a:t>
-            </a:r>
-            <a:endParaRPr lang="en-US" i="1" dirty="0"/>
-          </a:p>
-        </p:txBody>
-      </p:sp>
-      <p:sp>
-        <p:nvSpPr>
-          <p:cNvPr id="3" name="Content Placeholder 2"/>
-          <p:cNvSpPr>
-            <a:spLocks noGrp="1"/>
-          </p:cNvSpPr>
-          <p:nvPr>
-            <p:ph idx="1"/>
-          </p:nvPr>
-        </p:nvSpPr>
-        <p:spPr/>
-        <p:txBody>
-          <a:bodyPr/>
-          <a:lstStyle/>
-          <a:p>
-            <a:endParaRPr lang="en-US"/>
+          <a:bodyPr>
+            <a:normAutofit/>
+          </a:bodyPr>
+          <a:lstStyle/>
+          <a:p>
+            <a:r>
+              <a:rPr lang="en-US" sz="3600" dirty="0" smtClean="0"/>
+              <a:t>Collecting Annotation – 2</a:t>
+            </a:r>
+            <a:r>
+              <a:rPr lang="en-US" sz="3600" baseline="30000" dirty="0" smtClean="0"/>
+              <a:t>nd</a:t>
+            </a:r>
+            <a:r>
+              <a:rPr lang="en-US" sz="3600" dirty="0" smtClean="0"/>
+              <a:t> Attempt</a:t>
+            </a:r>
+            <a:endParaRPr lang="en-US" sz="3600" dirty="0"/>
           </a:p>
         </p:txBody>
       </p:sp>
@@ -9663,7 +11348,7 @@
           <a:p>
             <a:fld id="{971D902E-52E4-5F4D-9A84-F04B09DBA050}" type="datetime1">
               <a:rPr lang="en-SG" smtClean="0"/>
-              <a:t>9/11/12</a:t>
+              <a:t>13/11/12</a:t>
             </a:fld>
             <a:endParaRPr lang="en-US"/>
           </a:p>
@@ -9692,16 +11377,150 @@
           </a:p>
         </p:txBody>
       </p:sp>
+      <p:graphicFrame>
+        <p:nvGraphicFramePr>
+          <p:cNvPr id="7" name="Content Placeholder 6"/>
+          <p:cNvGraphicFramePr>
+            <a:graphicFrameLocks noGrp="1"/>
+          </p:cNvGraphicFramePr>
+          <p:nvPr>
+            <p:ph idx="1"/>
+            <p:extLst>
+              <p:ext uri="{D42A27DB-BD31-4B8C-83A1-F6EECF244321}">
+                <p14:modId xmlns:p14="http://schemas.microsoft.com/office/powerpoint/2010/main" val="1233890124"/>
+              </p:ext>
+            </p:extLst>
+          </p:nvPr>
+        </p:nvGraphicFramePr>
+        <p:xfrm>
+          <a:off x="685800" y="1868488"/>
+          <a:ext cx="7770814" cy="3018823"/>
+        </p:xfrm>
+        <a:graphic>
+          <a:graphicData uri="http://schemas.openxmlformats.org/drawingml/2006/table">
+            <a:tbl>
+              <a:tblPr firstRow="1" bandRow="1">
+                <a:tableStyleId>{1FECB4D8-DB02-4DC6-A0A2-4F2EBAE1DC90}</a:tableStyleId>
+              </a:tblPr>
+              <a:tblGrid>
+                <a:gridCol w="3885407"/>
+                <a:gridCol w="3885407"/>
+              </a:tblGrid>
+              <a:tr h="810199">
+                <a:tc>
+                  <a:txBody>
+                    <a:bodyPr/>
+                    <a:lstStyle/>
+                    <a:p>
+                      <a:r>
+                        <a:rPr lang="en-US" dirty="0" smtClean="0"/>
+                        <a:t>Item</a:t>
+                      </a:r>
+                      <a:endParaRPr lang="en-US" dirty="0"/>
+                    </a:p>
+                  </a:txBody>
+                  <a:tcPr/>
+                </a:tc>
+                <a:tc>
+                  <a:txBody>
+                    <a:bodyPr/>
+                    <a:lstStyle/>
+                    <a:p>
+                      <a:r>
+                        <a:rPr lang="en-US" dirty="0" smtClean="0"/>
+                        <a:t>Statistics</a:t>
+                      </a:r>
+                      <a:endParaRPr lang="en-US" dirty="0"/>
+                    </a:p>
+                  </a:txBody>
+                  <a:tcPr/>
+                </a:tc>
+              </a:tr>
+              <a:tr h="810199">
+                <a:tc>
+                  <a:txBody>
+                    <a:bodyPr/>
+                    <a:lstStyle/>
+                    <a:p>
+                      <a:r>
+                        <a:rPr lang="en-US" dirty="0" smtClean="0"/>
+                        <a:t>No. of Cite Links</a:t>
+                      </a:r>
+                      <a:endParaRPr lang="en-US" dirty="0"/>
+                    </a:p>
+                  </a:txBody>
+                  <a:tcPr/>
+                </a:tc>
+                <a:tc>
+                  <a:txBody>
+                    <a:bodyPr/>
+                    <a:lstStyle/>
+                    <a:p>
+                      <a:r>
+                        <a:rPr lang="en-US" dirty="0" smtClean="0"/>
+                        <a:t>275 (7.6% Specific)</a:t>
+                      </a:r>
+                      <a:endParaRPr lang="en-US" dirty="0"/>
+                    </a:p>
+                  </a:txBody>
+                  <a:tcPr/>
+                </a:tc>
+              </a:tr>
+              <a:tr h="1398425">
+                <a:tc>
+                  <a:txBody>
+                    <a:bodyPr/>
+                    <a:lstStyle/>
+                    <a:p>
+                      <a:r>
+                        <a:rPr lang="en-US" dirty="0" smtClean="0"/>
+                        <a:t>No. of Fragments</a:t>
+                      </a:r>
+                      <a:endParaRPr lang="en-US" dirty="0"/>
+                    </a:p>
+                  </a:txBody>
+                  <a:tcPr/>
+                </a:tc>
+                <a:tc>
+                  <a:txBody>
+                    <a:bodyPr/>
+                    <a:lstStyle/>
+                    <a:p>
+                      <a:r>
+                        <a:rPr lang="en-US" dirty="0" smtClean="0"/>
+                        <a:t>30943 (0.09%</a:t>
+                      </a:r>
+                      <a:r>
+                        <a:rPr lang="en-US" baseline="0" dirty="0" smtClean="0"/>
+                        <a:t> Specific-Yes, 12.9% Specific-No)</a:t>
+                      </a:r>
+                      <a:endParaRPr lang="en-US" dirty="0"/>
+                    </a:p>
+                  </a:txBody>
+                  <a:tcPr/>
+                </a:tc>
+              </a:tr>
+            </a:tbl>
+          </a:graphicData>
+        </a:graphic>
+      </p:graphicFrame>
     </p:spTree>
     <p:extLst>
       <p:ext uri="{BB962C8B-B14F-4D97-AF65-F5344CB8AC3E}">
-        <p14:creationId xmlns:p14="http://schemas.microsoft.com/office/powerpoint/2010/main" val="2543818494"/>
+        <p14:creationId xmlns:p14="http://schemas.microsoft.com/office/powerpoint/2010/main" val="3974430140"/>
       </p:ext>
     </p:extLst>
   </p:cSld>
   <p:clrMapOvr>
     <a:masterClrMapping/>
   </p:clrMapOvr>
+  <p:timing>
+    <p:tnLst>
+      <p:par>
+        <p:cTn xmlns:p14="http://schemas.microsoft.com/office/powerpoint/2010/main" id="1" dur="indefinite" restart="never" nodeType="tmRoot"/>
+      </p:par>
+    </p:tnLst>
+  </p:timing>
 </p:sld>
 </file>
 
@@ -9734,33 +11553,24 @@
         </p:nvSpPr>
         <p:spPr/>
         <p:txBody>
-          <a:bodyPr/>
-          <a:lstStyle/>
-          <a:p>
-            <a:r>
-              <a:rPr lang="en-US" dirty="0" smtClean="0"/>
-              <a:t>Discussion</a:t>
-            </a:r>
-            <a:endParaRPr lang="en-US" dirty="0"/>
-          </a:p>
-        </p:txBody>
-      </p:sp>
-      <p:sp>
-        <p:nvSpPr>
-          <p:cNvPr id="3" name="Content Placeholder 2"/>
-          <p:cNvSpPr>
-            <a:spLocks noGrp="1"/>
-          </p:cNvSpPr>
-          <p:nvPr>
-            <p:ph idx="1"/>
-          </p:nvPr>
-        </p:nvSpPr>
-        <p:spPr/>
-        <p:txBody>
-          <a:bodyPr/>
-          <a:lstStyle/>
-          <a:p>
-            <a:endParaRPr lang="en-US"/>
+          <a:bodyPr>
+            <a:normAutofit/>
+          </a:bodyPr>
+          <a:lstStyle/>
+          <a:p>
+            <a:r>
+              <a:rPr lang="en-US" sz="3600" dirty="0" smtClean="0"/>
+              <a:t>Collecting Annotation – 2</a:t>
+            </a:r>
+            <a:r>
+              <a:rPr lang="en-US" sz="3600" baseline="30000" dirty="0" smtClean="0"/>
+              <a:t>nd</a:t>
+            </a:r>
+            <a:r>
+              <a:rPr lang="en-US" sz="3600" dirty="0" smtClean="0"/>
+              <a:t> Attempt</a:t>
+            </a:r>
+            <a:endParaRPr lang="en-US" sz="3600" dirty="0"/>
           </a:p>
         </p:txBody>
       </p:sp>
@@ -9781,7 +11591,7 @@
           <a:p>
             <a:fld id="{971D902E-52E4-5F4D-9A84-F04B09DBA050}" type="datetime1">
               <a:rPr lang="en-SG" smtClean="0"/>
-              <a:t>9/11/12</a:t>
+              <a:t>13/11/12</a:t>
             </a:fld>
             <a:endParaRPr lang="en-US"/>
           </a:p>
@@ -9810,16 +11620,104 @@
           </a:p>
         </p:txBody>
       </p:sp>
+      <p:sp>
+        <p:nvSpPr>
+          <p:cNvPr id="3" name="Content Placeholder 2"/>
+          <p:cNvSpPr>
+            <a:spLocks noGrp="1"/>
+          </p:cNvSpPr>
+          <p:nvPr>
+            <p:ph idx="1"/>
+          </p:nvPr>
+        </p:nvSpPr>
+        <p:spPr/>
+        <p:txBody>
+          <a:bodyPr/>
+          <a:lstStyle/>
+          <a:p>
+            <a:pPr marL="0" indent="0">
+              <a:buNone/>
+            </a:pPr>
+            <a:r>
+              <a:rPr lang="en-US" dirty="0" smtClean="0"/>
+              <a:t>Specific citations can be categorized into 4 sub-classes:</a:t>
+            </a:r>
+          </a:p>
+          <a:p>
+            <a:pPr marL="457200" indent="-457200">
+              <a:buFont typeface="+mj-lt"/>
+              <a:buAutoNum type="arabicPeriod"/>
+            </a:pPr>
+            <a:r>
+              <a:rPr lang="en-US" dirty="0" smtClean="0"/>
+              <a:t>To refer to digits/numerical figures</a:t>
+            </a:r>
+          </a:p>
+          <a:p>
+            <a:pPr marL="457200" indent="-457200">
+              <a:buFont typeface="+mj-lt"/>
+              <a:buAutoNum type="arabicPeriod"/>
+            </a:pPr>
+            <a:r>
+              <a:rPr lang="en-US" dirty="0" smtClean="0"/>
+              <a:t>To refer to term definitions</a:t>
+            </a:r>
+          </a:p>
+          <a:p>
+            <a:pPr marL="457200" indent="-457200">
+              <a:buFont typeface="+mj-lt"/>
+              <a:buAutoNum type="arabicPeriod"/>
+            </a:pPr>
+            <a:r>
+              <a:rPr lang="en-US" dirty="0" smtClean="0"/>
+              <a:t>To refer to algorithm/theorem</a:t>
+            </a:r>
+          </a:p>
+          <a:p>
+            <a:pPr marL="457200" indent="-457200">
+              <a:buFont typeface="+mj-lt"/>
+              <a:buAutoNum type="arabicPeriod"/>
+            </a:pPr>
+            <a:r>
+              <a:rPr lang="en-US" dirty="0" smtClean="0"/>
+              <a:t>To quote</a:t>
+            </a:r>
+          </a:p>
+          <a:p>
+            <a:pPr marL="457200" indent="-457200">
+              <a:buFont typeface="+mj-lt"/>
+              <a:buAutoNum type="arabicPeriod"/>
+            </a:pPr>
+            <a:endParaRPr lang="en-US" dirty="0"/>
+          </a:p>
+          <a:p>
+            <a:pPr marL="0" indent="0">
+              <a:buNone/>
+            </a:pPr>
+            <a:r>
+              <a:rPr lang="en-US" dirty="0" smtClean="0"/>
+              <a:t>(For this corpus only)</a:t>
+            </a:r>
+          </a:p>
+        </p:txBody>
+      </p:sp>
     </p:spTree>
     <p:extLst>
       <p:ext uri="{BB962C8B-B14F-4D97-AF65-F5344CB8AC3E}">
-        <p14:creationId xmlns:p14="http://schemas.microsoft.com/office/powerpoint/2010/main" val="4290943997"/>
+        <p14:creationId xmlns:p14="http://schemas.microsoft.com/office/powerpoint/2010/main" val="3862338378"/>
       </p:ext>
     </p:extLst>
   </p:cSld>
   <p:clrMapOvr>
     <a:masterClrMapping/>
   </p:clrMapOvr>
+  <p:timing>
+    <p:tnLst>
+      <p:par>
+        <p:cTn xmlns:p14="http://schemas.microsoft.com/office/powerpoint/2010/main" id="1" dur="indefinite" restart="never" nodeType="tmRoot"/>
+      </p:par>
+    </p:tnLst>
+  </p:timing>
 </p:sld>
 </file>
 
@@ -9842,22 +11740,22 @@
       </p:grpSpPr>
       <p:sp>
         <p:nvSpPr>
-          <p:cNvPr id="2" name="Title 1"/>
-          <p:cNvSpPr>
-            <a:spLocks noGrp="1"/>
-          </p:cNvSpPr>
-          <p:nvPr>
-            <p:ph type="title"/>
-          </p:nvPr>
-        </p:nvSpPr>
-        <p:spPr/>
-        <p:txBody>
-          <a:bodyPr/>
-          <a:lstStyle/>
-          <a:p>
-            <a:r>
-              <a:rPr lang="en-US" dirty="0" smtClean="0"/>
-              <a:t>Conclusion</a:t>
+          <p:cNvPr id="6" name="Title 5"/>
+          <p:cNvSpPr>
+            <a:spLocks noGrp="1"/>
+          </p:cNvSpPr>
+          <p:nvPr>
+            <p:ph type="ctrTitle"/>
+          </p:nvPr>
+        </p:nvSpPr>
+        <p:spPr/>
+        <p:txBody>
+          <a:bodyPr/>
+          <a:lstStyle/>
+          <a:p>
+            <a:r>
+              <a:rPr lang="en-US" dirty="0" smtClean="0"/>
+              <a:t>Approach</a:t>
             </a:r>
             <a:endParaRPr lang="en-US" dirty="0"/>
           </a:p>
@@ -9865,12 +11763,12 @@
       </p:sp>
       <p:sp>
         <p:nvSpPr>
-          <p:cNvPr id="3" name="Content Placeholder 2"/>
-          <p:cNvSpPr>
-            <a:spLocks noGrp="1"/>
-          </p:cNvSpPr>
-          <p:nvPr>
-            <p:ph idx="1"/>
+          <p:cNvPr id="7" name="Subtitle 6"/>
+          <p:cNvSpPr>
+            <a:spLocks noGrp="1"/>
+          </p:cNvSpPr>
+          <p:nvPr>
+            <p:ph type="subTitle" idx="1"/>
           </p:nvPr>
         </p:nvSpPr>
         <p:spPr/>
@@ -9899,7 +11797,7 @@
           <a:p>
             <a:fld id="{971D902E-52E4-5F4D-9A84-F04B09DBA050}" type="datetime1">
               <a:rPr lang="en-SG" smtClean="0"/>
-              <a:t>9/11/12</a:t>
+              <a:t>13/11/12</a:t>
             </a:fld>
             <a:endParaRPr lang="en-US"/>
           </a:p>
@@ -9931,13 +11829,20 @@
     </p:spTree>
     <p:extLst>
       <p:ext uri="{BB962C8B-B14F-4D97-AF65-F5344CB8AC3E}">
-        <p14:creationId xmlns:p14="http://schemas.microsoft.com/office/powerpoint/2010/main" val="3154137916"/>
+        <p14:creationId xmlns:p14="http://schemas.microsoft.com/office/powerpoint/2010/main" val="1979552539"/>
       </p:ext>
     </p:extLst>
   </p:cSld>
   <p:clrMapOvr>
     <a:masterClrMapping/>
   </p:clrMapOvr>
+  <p:timing>
+    <p:tnLst>
+      <p:par>
+        <p:cTn xmlns:p14="http://schemas.microsoft.com/office/powerpoint/2010/main" id="1" dur="indefinite" restart="never" nodeType="tmRoot"/>
+      </p:par>
+    </p:tnLst>
+  </p:timing>
 </p:sld>
 </file>
 
@@ -9960,46 +11865,57 @@
       </p:grpSpPr>
       <p:sp>
         <p:nvSpPr>
-          <p:cNvPr id="6" name="Title 5"/>
-          <p:cNvSpPr>
-            <a:spLocks noGrp="1"/>
-          </p:cNvSpPr>
-          <p:nvPr>
-            <p:ph type="ctrTitle"/>
-          </p:nvPr>
-        </p:nvSpPr>
-        <p:spPr/>
-        <p:txBody>
-          <a:bodyPr/>
-          <a:lstStyle/>
-          <a:p>
-            <a:r>
-              <a:rPr lang="en-US" dirty="0" smtClean="0"/>
-              <a:t>Thank You</a:t>
+          <p:cNvPr id="2" name="Title 1"/>
+          <p:cNvSpPr>
+            <a:spLocks noGrp="1"/>
+          </p:cNvSpPr>
+          <p:nvPr>
+            <p:ph type="title"/>
+          </p:nvPr>
+        </p:nvSpPr>
+        <p:spPr/>
+        <p:txBody>
+          <a:bodyPr/>
+          <a:lstStyle/>
+          <a:p>
+            <a:r>
+              <a:rPr lang="en-US" dirty="0" smtClean="0"/>
+              <a:t>Two-tier Approach</a:t>
             </a:r>
             <a:endParaRPr lang="en-US" dirty="0"/>
           </a:p>
         </p:txBody>
       </p:sp>
-      <p:sp>
-        <p:nvSpPr>
-          <p:cNvPr id="7" name="Subtitle 6"/>
-          <p:cNvSpPr>
-            <a:spLocks noGrp="1"/>
-          </p:cNvSpPr>
-          <p:nvPr>
-            <p:ph type="subTitle" idx="1"/>
-          </p:nvPr>
-        </p:nvSpPr>
-        <p:spPr/>
-        <p:txBody>
-          <a:bodyPr/>
-          <a:lstStyle/>
-          <a:p>
-            <a:endParaRPr lang="en-US"/>
-          </a:p>
-        </p:txBody>
-      </p:sp>
+      <p:pic>
+        <p:nvPicPr>
+          <p:cNvPr id="6" name="Content Placeholder 5" descr="twotier.PNG"/>
+          <p:cNvPicPr>
+            <a:picLocks noGrp="1" noChangeAspect="1"/>
+          </p:cNvPicPr>
+          <p:nvPr>
+            <p:ph idx="1"/>
+          </p:nvPr>
+        </p:nvPicPr>
+        <p:blipFill>
+          <a:blip r:embed="rId2">
+            <a:extLst>
+              <a:ext uri="{28A0092B-C50C-407E-A947-70E740481C1C}">
+                <a14:useLocalDpi xmlns:a14="http://schemas.microsoft.com/office/drawing/2010/main" val="0"/>
+              </a:ext>
+            </a:extLst>
+          </a:blip>
+          <a:srcRect l="-21130" r="-21130"/>
+          <a:stretch>
+            <a:fillRect/>
+          </a:stretch>
+        </p:blipFill>
+        <p:spPr>
+          <a:xfrm>
+            <a:off x="-405457" y="1245395"/>
+            <a:ext cx="9996094" cy="5476080"/>
+          </a:xfrm>
+        </p:spPr>
+      </p:pic>
       <p:sp>
         <p:nvSpPr>
           <p:cNvPr id="4" name="Date Placeholder 3"/>
@@ -10017,7 +11933,7 @@
           <a:p>
             <a:fld id="{971D902E-52E4-5F4D-9A84-F04B09DBA050}" type="datetime1">
               <a:rPr lang="en-SG" smtClean="0"/>
-              <a:t>9/11/12</a:t>
+              <a:t>13/11/12</a:t>
             </a:fld>
             <a:endParaRPr lang="en-US"/>
           </a:p>
@@ -10049,13 +11965,267 @@
     </p:spTree>
     <p:extLst>
       <p:ext uri="{BB962C8B-B14F-4D97-AF65-F5344CB8AC3E}">
-        <p14:creationId xmlns:p14="http://schemas.microsoft.com/office/powerpoint/2010/main" val="834116940"/>
+        <p14:creationId xmlns:p14="http://schemas.microsoft.com/office/powerpoint/2010/main" val="3613946124"/>
       </p:ext>
     </p:extLst>
   </p:cSld>
   <p:clrMapOvr>
     <a:masterClrMapping/>
   </p:clrMapOvr>
+  <p:timing>
+    <p:tnLst>
+      <p:par>
+        <p:cTn xmlns:p14="http://schemas.microsoft.com/office/powerpoint/2010/main" id="1" dur="indefinite" restart="never" nodeType="tmRoot"/>
+      </p:par>
+    </p:tnLst>
+  </p:timing>
+</p:sld>
+</file>
+
+<file path=ppt/slides/slide39.xml><?xml version="1.0" encoding="utf-8"?>
+<p:sld xmlns:a="http://schemas.openxmlformats.org/drawingml/2006/main" xmlns:r="http://schemas.openxmlformats.org/officeDocument/2006/relationships" xmlns:p="http://schemas.openxmlformats.org/presentationml/2006/main">
+  <p:cSld>
+    <p:spTree>
+      <p:nvGrpSpPr>
+        <p:cNvPr id="1" name=""/>
+        <p:cNvGrpSpPr/>
+        <p:nvPr/>
+      </p:nvGrpSpPr>
+      <p:grpSpPr>
+        <a:xfrm>
+          <a:off x="0" y="0"/>
+          <a:ext cx="0" cy="0"/>
+          <a:chOff x="0" y="0"/>
+          <a:chExt cx="0" cy="0"/>
+        </a:xfrm>
+      </p:grpSpPr>
+      <p:sp>
+        <p:nvSpPr>
+          <p:cNvPr id="2" name="Title 1"/>
+          <p:cNvSpPr>
+            <a:spLocks noGrp="1"/>
+          </p:cNvSpPr>
+          <p:nvPr>
+            <p:ph type="title"/>
+          </p:nvPr>
+        </p:nvSpPr>
+        <p:spPr/>
+        <p:txBody>
+          <a:bodyPr>
+            <a:normAutofit/>
+          </a:bodyPr>
+          <a:lstStyle/>
+          <a:p>
+            <a:r>
+              <a:rPr lang="en-US" i="1" dirty="0" err="1"/>
+              <a:t>GvS</a:t>
+            </a:r>
+            <a:r>
+              <a:rPr lang="en-US" dirty="0"/>
+              <a:t> (1</a:t>
+            </a:r>
+            <a:r>
+              <a:rPr lang="en-US" baseline="30000" dirty="0"/>
+              <a:t>st</a:t>
+            </a:r>
+            <a:r>
+              <a:rPr lang="en-US" dirty="0"/>
+              <a:t> tier)</a:t>
+            </a:r>
+            <a:endParaRPr lang="en-US" dirty="0"/>
+          </a:p>
+        </p:txBody>
+      </p:sp>
+      <p:sp>
+        <p:nvSpPr>
+          <p:cNvPr id="4" name="Date Placeholder 3"/>
+          <p:cNvSpPr>
+            <a:spLocks noGrp="1"/>
+          </p:cNvSpPr>
+          <p:nvPr>
+            <p:ph type="dt" sz="half" idx="10"/>
+          </p:nvPr>
+        </p:nvSpPr>
+        <p:spPr/>
+        <p:txBody>
+          <a:bodyPr/>
+          <a:lstStyle/>
+          <a:p>
+            <a:fld id="{971D902E-52E4-5F4D-9A84-F04B09DBA050}" type="datetime1">
+              <a:rPr lang="en-SG" smtClean="0"/>
+              <a:t>13/11/12</a:t>
+            </a:fld>
+            <a:endParaRPr lang="en-US"/>
+          </a:p>
+        </p:txBody>
+      </p:sp>
+      <p:sp>
+        <p:nvSpPr>
+          <p:cNvPr id="5" name="Slide Number Placeholder 4"/>
+          <p:cNvSpPr>
+            <a:spLocks noGrp="1"/>
+          </p:cNvSpPr>
+          <p:nvPr>
+            <p:ph type="sldNum" sz="quarter" idx="12"/>
+          </p:nvPr>
+        </p:nvSpPr>
+        <p:spPr/>
+        <p:txBody>
+          <a:bodyPr/>
+          <a:lstStyle/>
+          <a:p>
+            <a:fld id="{9C1F5A0A-F6FC-4FFD-9B49-0DA8697211D9}" type="slidenum">
+              <a:rPr lang="en-US" smtClean="0"/>
+              <a:t>39</a:t>
+            </a:fld>
+            <a:endParaRPr lang="en-US"/>
+          </a:p>
+        </p:txBody>
+      </p:sp>
+      <p:graphicFrame>
+        <p:nvGraphicFramePr>
+          <p:cNvPr id="7" name="Content Placeholder 6"/>
+          <p:cNvGraphicFramePr>
+            <a:graphicFrameLocks noGrp="1"/>
+          </p:cNvGraphicFramePr>
+          <p:nvPr>
+            <p:ph idx="1"/>
+            <p:extLst>
+              <p:ext uri="{D42A27DB-BD31-4B8C-83A1-F6EECF244321}">
+                <p14:modId xmlns:p14="http://schemas.microsoft.com/office/powerpoint/2010/main" val="1744876588"/>
+              </p:ext>
+            </p:extLst>
+          </p:nvPr>
+        </p:nvGraphicFramePr>
+        <p:xfrm>
+          <a:off x="685800" y="1868488"/>
+          <a:ext cx="7770814" cy="3018823"/>
+        </p:xfrm>
+        <a:graphic>
+          <a:graphicData uri="http://schemas.openxmlformats.org/drawingml/2006/table">
+            <a:tbl>
+              <a:tblPr firstRow="1" bandRow="1">
+                <a:tableStyleId>{1FECB4D8-DB02-4DC6-A0A2-4F2EBAE1DC90}</a:tableStyleId>
+              </a:tblPr>
+              <a:tblGrid>
+                <a:gridCol w="3885407"/>
+                <a:gridCol w="3885407"/>
+              </a:tblGrid>
+              <a:tr h="810199">
+                <a:tc>
+                  <a:txBody>
+                    <a:bodyPr/>
+                    <a:lstStyle/>
+                    <a:p>
+                      <a:r>
+                        <a:rPr lang="en-US" dirty="0" smtClean="0"/>
+                        <a:t>Item</a:t>
+                      </a:r>
+                      <a:endParaRPr lang="en-US" dirty="0"/>
+                    </a:p>
+                  </a:txBody>
+                  <a:tcPr/>
+                </a:tc>
+                <a:tc>
+                  <a:txBody>
+                    <a:bodyPr/>
+                    <a:lstStyle/>
+                    <a:p>
+                      <a:r>
+                        <a:rPr lang="en-US" dirty="0" smtClean="0"/>
+                        <a:t>Statistics</a:t>
+                      </a:r>
+                      <a:endParaRPr lang="en-US" dirty="0"/>
+                    </a:p>
+                  </a:txBody>
+                  <a:tcPr/>
+                </a:tc>
+              </a:tr>
+              <a:tr h="810199">
+                <a:tc>
+                  <a:txBody>
+                    <a:bodyPr/>
+                    <a:lstStyle/>
+                    <a:p>
+                      <a:r>
+                        <a:rPr lang="en-US" dirty="0" smtClean="0"/>
+                        <a:t>No. of Cite Links</a:t>
+                      </a:r>
+                      <a:endParaRPr lang="en-US" dirty="0"/>
+                    </a:p>
+                  </a:txBody>
+                  <a:tcPr/>
+                </a:tc>
+                <a:tc>
+                  <a:txBody>
+                    <a:bodyPr/>
+                    <a:lstStyle/>
+                    <a:p>
+                      <a:r>
+                        <a:rPr lang="en-US" dirty="0" smtClean="0"/>
+                        <a:t>275 (7.6% Specific)</a:t>
+                      </a:r>
+                      <a:endParaRPr lang="en-US" dirty="0"/>
+                    </a:p>
+                  </a:txBody>
+                  <a:tcPr/>
+                </a:tc>
+              </a:tr>
+              <a:tr h="1398425">
+                <a:tc>
+                  <a:txBody>
+                    <a:bodyPr/>
+                    <a:lstStyle/>
+                    <a:p>
+                      <a:r>
+                        <a:rPr lang="en-US" dirty="0" smtClean="0"/>
+                        <a:t>No. of Fragments</a:t>
+                      </a:r>
+                      <a:endParaRPr lang="en-US" dirty="0"/>
+                    </a:p>
+                  </a:txBody>
+                  <a:tcPr/>
+                </a:tc>
+                <a:tc>
+                  <a:txBody>
+                    <a:bodyPr/>
+                    <a:lstStyle/>
+                    <a:p>
+                      <a:r>
+                        <a:rPr lang="en-US" dirty="0" smtClean="0"/>
+                        <a:t>30943 (0.09%</a:t>
+                      </a:r>
+                      <a:r>
+                        <a:rPr lang="en-US" baseline="0" dirty="0" smtClean="0"/>
+                        <a:t> Specific-Yes, 12.9% Specific-No)</a:t>
+                      </a:r>
+                      <a:endParaRPr lang="en-US" dirty="0"/>
+                    </a:p>
+                  </a:txBody>
+                  <a:tcPr/>
+                </a:tc>
+              </a:tr>
+            </a:tbl>
+          </a:graphicData>
+        </a:graphic>
+      </p:graphicFrame>
+    </p:spTree>
+    <p:extLst>
+      <p:ext uri="{BB962C8B-B14F-4D97-AF65-F5344CB8AC3E}">
+        <p14:creationId xmlns:p14="http://schemas.microsoft.com/office/powerpoint/2010/main" val="3093967093"/>
+      </p:ext>
+    </p:extLst>
+  </p:cSld>
+  <p:clrMapOvr>
+    <a:masterClrMapping/>
+  </p:clrMapOvr>
+  <p:timing>
+    <p:tnLst>
+      <p:par>
+        <p:cTn xmlns:p14="http://schemas.microsoft.com/office/powerpoint/2010/main" id="1" dur="indefinite" restart="never" nodeType="tmRoot"/>
+      </p:par>
+    </p:tnLst>
+  </p:timing>
 </p:sld>
 </file>
 
@@ -10159,7 +12329,7 @@
           <a:p>
             <a:fld id="{3C917033-8575-0740-9C34-1A336DB11ACD}" type="datetime1">
               <a:rPr lang="en-SG" smtClean="0"/>
-              <a:t>9/11/12</a:t>
+              <a:t>13/11/12</a:t>
             </a:fld>
             <a:endParaRPr lang="en-US"/>
           </a:p>
@@ -10228,6 +12398,1941 @@
       </p:par>
     </p:tnLst>
   </p:timing>
+</p:sld>
+</file>
+
+<file path=ppt/slides/slide40.xml><?xml version="1.0" encoding="utf-8"?>
+<p:sld xmlns:a="http://schemas.openxmlformats.org/drawingml/2006/main" xmlns:r="http://schemas.openxmlformats.org/officeDocument/2006/relationships" xmlns:p="http://schemas.openxmlformats.org/presentationml/2006/main">
+  <p:cSld>
+    <p:spTree>
+      <p:nvGrpSpPr>
+        <p:cNvPr id="1" name=""/>
+        <p:cNvGrpSpPr/>
+        <p:nvPr/>
+      </p:nvGrpSpPr>
+      <p:grpSpPr>
+        <a:xfrm>
+          <a:off x="0" y="0"/>
+          <a:ext cx="0" cy="0"/>
+          <a:chOff x="0" y="0"/>
+          <a:chExt cx="0" cy="0"/>
+        </a:xfrm>
+      </p:grpSpPr>
+      <p:sp>
+        <p:nvSpPr>
+          <p:cNvPr id="2" name="Title 1"/>
+          <p:cNvSpPr>
+            <a:spLocks noGrp="1"/>
+          </p:cNvSpPr>
+          <p:nvPr>
+            <p:ph type="title"/>
+          </p:nvPr>
+        </p:nvSpPr>
+        <p:spPr/>
+        <p:txBody>
+          <a:bodyPr/>
+          <a:lstStyle/>
+          <a:p>
+            <a:r>
+              <a:rPr lang="en-US" i="1" dirty="0" err="1" smtClean="0"/>
+              <a:t>GvS</a:t>
+            </a:r>
+            <a:r>
+              <a:rPr lang="en-US" dirty="0" smtClean="0"/>
+              <a:t> (1</a:t>
+            </a:r>
+            <a:r>
+              <a:rPr lang="en-US" baseline="30000" dirty="0" smtClean="0"/>
+              <a:t>st</a:t>
+            </a:r>
+            <a:r>
+              <a:rPr lang="en-US" dirty="0" smtClean="0"/>
+              <a:t> tier)</a:t>
+            </a:r>
+            <a:endParaRPr lang="en-US" dirty="0"/>
+          </a:p>
+        </p:txBody>
+      </p:sp>
+      <p:sp>
+        <p:nvSpPr>
+          <p:cNvPr id="3" name="Content Placeholder 2"/>
+          <p:cNvSpPr>
+            <a:spLocks noGrp="1"/>
+          </p:cNvSpPr>
+          <p:nvPr>
+            <p:ph idx="1"/>
+          </p:nvPr>
+        </p:nvSpPr>
+        <p:spPr/>
+        <p:txBody>
+          <a:bodyPr/>
+          <a:lstStyle/>
+          <a:p>
+            <a:pPr>
+              <a:buFont typeface="Arial"/>
+              <a:buChar char="•"/>
+            </a:pPr>
+            <a:r>
+              <a:rPr lang="en-US" dirty="0" smtClean="0"/>
+              <a:t>From annotations, this task is heavily skewed towards General citations</a:t>
+            </a:r>
+          </a:p>
+          <a:p>
+            <a:pPr>
+              <a:buFont typeface="Arial"/>
+              <a:buChar char="•"/>
+            </a:pPr>
+            <a:r>
+              <a:rPr lang="en-US" u="sng" dirty="0" smtClean="0"/>
+              <a:t>Filter</a:t>
+            </a:r>
+            <a:r>
+              <a:rPr lang="en-US" dirty="0" smtClean="0"/>
+              <a:t> out General citations, </a:t>
+            </a:r>
+            <a:r>
+              <a:rPr lang="en-US" u="sng" dirty="0" smtClean="0"/>
+              <a:t>keep</a:t>
+            </a:r>
+            <a:r>
+              <a:rPr lang="en-US" dirty="0" smtClean="0"/>
+              <a:t> Specific citations</a:t>
+            </a:r>
+          </a:p>
+          <a:p>
+            <a:pPr>
+              <a:buFont typeface="Arial"/>
+              <a:buChar char="•"/>
+            </a:pPr>
+            <a:r>
+              <a:rPr lang="en-US" dirty="0" smtClean="0"/>
+              <a:t>2-class citation classification task</a:t>
+            </a:r>
+          </a:p>
+          <a:p>
+            <a:pPr>
+              <a:buFont typeface="Arial"/>
+              <a:buChar char="•"/>
+            </a:pPr>
+            <a:r>
+              <a:rPr lang="en-US" dirty="0" smtClean="0"/>
+              <a:t>Extract information from citing paper / </a:t>
+            </a:r>
+            <a:r>
+              <a:rPr lang="en-US" dirty="0" err="1" smtClean="0"/>
+              <a:t>citances</a:t>
+            </a:r>
+            <a:r>
+              <a:rPr lang="en-US" dirty="0" smtClean="0"/>
+              <a:t> and citing context</a:t>
+            </a:r>
+            <a:endParaRPr lang="en-US" dirty="0"/>
+          </a:p>
+        </p:txBody>
+      </p:sp>
+      <p:sp>
+        <p:nvSpPr>
+          <p:cNvPr id="4" name="Date Placeholder 3"/>
+          <p:cNvSpPr>
+            <a:spLocks noGrp="1"/>
+          </p:cNvSpPr>
+          <p:nvPr>
+            <p:ph type="dt" sz="half" idx="10"/>
+          </p:nvPr>
+        </p:nvSpPr>
+        <p:spPr/>
+        <p:txBody>
+          <a:bodyPr/>
+          <a:lstStyle/>
+          <a:p>
+            <a:fld id="{971D902E-52E4-5F4D-9A84-F04B09DBA050}" type="datetime1">
+              <a:rPr lang="en-SG" smtClean="0"/>
+              <a:t>13/11/12</a:t>
+            </a:fld>
+            <a:endParaRPr lang="en-US"/>
+          </a:p>
+        </p:txBody>
+      </p:sp>
+      <p:sp>
+        <p:nvSpPr>
+          <p:cNvPr id="5" name="Slide Number Placeholder 4"/>
+          <p:cNvSpPr>
+            <a:spLocks noGrp="1"/>
+          </p:cNvSpPr>
+          <p:nvPr>
+            <p:ph type="sldNum" sz="quarter" idx="12"/>
+          </p:nvPr>
+        </p:nvSpPr>
+        <p:spPr/>
+        <p:txBody>
+          <a:bodyPr/>
+          <a:lstStyle/>
+          <a:p>
+            <a:fld id="{9C1F5A0A-F6FC-4FFD-9B49-0DA8697211D9}" type="slidenum">
+              <a:rPr lang="en-US" smtClean="0"/>
+              <a:t>40</a:t>
+            </a:fld>
+            <a:endParaRPr lang="en-US"/>
+          </a:p>
+        </p:txBody>
+      </p:sp>
+    </p:spTree>
+    <p:extLst>
+      <p:ext uri="{BB962C8B-B14F-4D97-AF65-F5344CB8AC3E}">
+        <p14:creationId xmlns:p14="http://schemas.microsoft.com/office/powerpoint/2010/main" val="2652308471"/>
+      </p:ext>
+    </p:extLst>
+  </p:cSld>
+  <p:clrMapOvr>
+    <a:masterClrMapping/>
+  </p:clrMapOvr>
+  <p:timing>
+    <p:tnLst>
+      <p:par>
+        <p:cTn xmlns:p14="http://schemas.microsoft.com/office/powerpoint/2010/main" id="1" dur="indefinite" restart="never" nodeType="tmRoot"/>
+      </p:par>
+    </p:tnLst>
+  </p:timing>
+</p:sld>
+</file>
+
+<file path=ppt/slides/slide41.xml><?xml version="1.0" encoding="utf-8"?>
+<p:sld xmlns:a="http://schemas.openxmlformats.org/drawingml/2006/main" xmlns:r="http://schemas.openxmlformats.org/officeDocument/2006/relationships" xmlns:p="http://schemas.openxmlformats.org/presentationml/2006/main">
+  <p:cSld>
+    <p:spTree>
+      <p:nvGrpSpPr>
+        <p:cNvPr id="1" name=""/>
+        <p:cNvGrpSpPr/>
+        <p:nvPr/>
+      </p:nvGrpSpPr>
+      <p:grpSpPr>
+        <a:xfrm>
+          <a:off x="0" y="0"/>
+          <a:ext cx="0" cy="0"/>
+          <a:chOff x="0" y="0"/>
+          <a:chExt cx="0" cy="0"/>
+        </a:xfrm>
+      </p:grpSpPr>
+      <p:sp>
+        <p:nvSpPr>
+          <p:cNvPr id="2" name="Title 1"/>
+          <p:cNvSpPr>
+            <a:spLocks noGrp="1"/>
+          </p:cNvSpPr>
+          <p:nvPr>
+            <p:ph type="title"/>
+          </p:nvPr>
+        </p:nvSpPr>
+        <p:spPr/>
+        <p:txBody>
+          <a:bodyPr/>
+          <a:lstStyle/>
+          <a:p>
+            <a:r>
+              <a:rPr lang="en-US" i="1" dirty="0" err="1" smtClean="0"/>
+              <a:t>GvS</a:t>
+            </a:r>
+            <a:r>
+              <a:rPr lang="en-US" dirty="0" smtClean="0"/>
+              <a:t> Features</a:t>
+            </a:r>
+            <a:endParaRPr lang="en-US" i="1" dirty="0"/>
+          </a:p>
+        </p:txBody>
+      </p:sp>
+      <p:sp>
+        <p:nvSpPr>
+          <p:cNvPr id="3" name="Content Placeholder 2"/>
+          <p:cNvSpPr>
+            <a:spLocks noGrp="1"/>
+          </p:cNvSpPr>
+          <p:nvPr>
+            <p:ph idx="1"/>
+          </p:nvPr>
+        </p:nvSpPr>
+        <p:spPr/>
+        <p:txBody>
+          <a:bodyPr>
+            <a:normAutofit lnSpcReduction="10000"/>
+          </a:bodyPr>
+          <a:lstStyle/>
+          <a:p>
+            <a:pPr>
+              <a:buFont typeface="Arial"/>
+              <a:buChar char="•"/>
+            </a:pPr>
+            <a:r>
+              <a:rPr lang="en-US" dirty="0" smtClean="0"/>
+              <a:t>Physical Features [Dong &amp; Schaffer, 2011]</a:t>
+            </a:r>
+          </a:p>
+          <a:p>
+            <a:pPr lvl="1">
+              <a:buFont typeface="Arial"/>
+              <a:buChar char="•"/>
+            </a:pPr>
+            <a:r>
+              <a:rPr lang="en-US" dirty="0" smtClean="0"/>
+              <a:t>Location – section where citing sentence is from</a:t>
+            </a:r>
+          </a:p>
+          <a:p>
+            <a:pPr lvl="1">
+              <a:buFont typeface="Arial"/>
+              <a:buChar char="•"/>
+            </a:pPr>
+            <a:r>
+              <a:rPr lang="en-US" dirty="0" smtClean="0"/>
+              <a:t>Popularity - # of citation marks in citing sentence</a:t>
+            </a:r>
+          </a:p>
+          <a:p>
+            <a:pPr lvl="1">
+              <a:buFont typeface="Arial"/>
+              <a:buChar char="•"/>
+            </a:pPr>
+            <a:r>
+              <a:rPr lang="en-US" dirty="0" smtClean="0"/>
+              <a:t>Density - # of unique citation marks in citing sentence and neighbor sentences</a:t>
+            </a:r>
+          </a:p>
+          <a:p>
+            <a:pPr lvl="1">
+              <a:buFont typeface="Arial"/>
+              <a:buChar char="•"/>
+            </a:pPr>
+            <a:r>
+              <a:rPr lang="en-US" dirty="0" err="1" smtClean="0"/>
+              <a:t>AvgDens</a:t>
+            </a:r>
+            <a:r>
+              <a:rPr lang="en-US" dirty="0" smtClean="0"/>
+              <a:t> – average of Density among citing and neighbor sentences</a:t>
+            </a:r>
+          </a:p>
+          <a:p>
+            <a:pPr marL="6350" indent="0">
+              <a:buNone/>
+            </a:pPr>
+            <a:r>
+              <a:rPr lang="en-US" dirty="0" smtClean="0"/>
+              <a:t>Intuition: From our observations, citations in Evaluation section usually cite results from the same section in the cited paper. Thus </a:t>
+            </a:r>
+            <a:r>
+              <a:rPr lang="en-US" i="1" dirty="0" smtClean="0"/>
+              <a:t>location</a:t>
+            </a:r>
+            <a:r>
+              <a:rPr lang="en-US" dirty="0" smtClean="0"/>
+              <a:t> would suggest the type of citation. Also, General citations tend to have high # of citation marks within the sentences</a:t>
+            </a:r>
+            <a:endParaRPr lang="en-US" dirty="0"/>
+          </a:p>
+        </p:txBody>
+      </p:sp>
+      <p:sp>
+        <p:nvSpPr>
+          <p:cNvPr id="4" name="Date Placeholder 3"/>
+          <p:cNvSpPr>
+            <a:spLocks noGrp="1"/>
+          </p:cNvSpPr>
+          <p:nvPr>
+            <p:ph type="dt" sz="half" idx="10"/>
+          </p:nvPr>
+        </p:nvSpPr>
+        <p:spPr/>
+        <p:txBody>
+          <a:bodyPr/>
+          <a:lstStyle/>
+          <a:p>
+            <a:fld id="{971D902E-52E4-5F4D-9A84-F04B09DBA050}" type="datetime1">
+              <a:rPr lang="en-SG" smtClean="0"/>
+              <a:t>13/11/12</a:t>
+            </a:fld>
+            <a:endParaRPr lang="en-US"/>
+          </a:p>
+        </p:txBody>
+      </p:sp>
+      <p:sp>
+        <p:nvSpPr>
+          <p:cNvPr id="5" name="Slide Number Placeholder 4"/>
+          <p:cNvSpPr>
+            <a:spLocks noGrp="1"/>
+          </p:cNvSpPr>
+          <p:nvPr>
+            <p:ph type="sldNum" sz="quarter" idx="12"/>
+          </p:nvPr>
+        </p:nvSpPr>
+        <p:spPr/>
+        <p:txBody>
+          <a:bodyPr/>
+          <a:lstStyle/>
+          <a:p>
+            <a:fld id="{9C1F5A0A-F6FC-4FFD-9B49-0DA8697211D9}" type="slidenum">
+              <a:rPr lang="en-US" smtClean="0"/>
+              <a:t>41</a:t>
+            </a:fld>
+            <a:endParaRPr lang="en-US"/>
+          </a:p>
+        </p:txBody>
+      </p:sp>
+    </p:spTree>
+    <p:extLst>
+      <p:ext uri="{BB962C8B-B14F-4D97-AF65-F5344CB8AC3E}">
+        <p14:creationId xmlns:p14="http://schemas.microsoft.com/office/powerpoint/2010/main" val="611492333"/>
+      </p:ext>
+    </p:extLst>
+  </p:cSld>
+  <p:clrMapOvr>
+    <a:masterClrMapping/>
+  </p:clrMapOvr>
+</p:sld>
+</file>
+
+<file path=ppt/slides/slide42.xml><?xml version="1.0" encoding="utf-8"?>
+<p:sld xmlns:a="http://schemas.openxmlformats.org/drawingml/2006/main" xmlns:r="http://schemas.openxmlformats.org/officeDocument/2006/relationships" xmlns:p="http://schemas.openxmlformats.org/presentationml/2006/main">
+  <p:cSld>
+    <p:spTree>
+      <p:nvGrpSpPr>
+        <p:cNvPr id="1" name=""/>
+        <p:cNvGrpSpPr/>
+        <p:nvPr/>
+      </p:nvGrpSpPr>
+      <p:grpSpPr>
+        <a:xfrm>
+          <a:off x="0" y="0"/>
+          <a:ext cx="0" cy="0"/>
+          <a:chOff x="0" y="0"/>
+          <a:chExt cx="0" cy="0"/>
+        </a:xfrm>
+      </p:grpSpPr>
+      <p:sp>
+        <p:nvSpPr>
+          <p:cNvPr id="2" name="Title 1"/>
+          <p:cNvSpPr>
+            <a:spLocks noGrp="1"/>
+          </p:cNvSpPr>
+          <p:nvPr>
+            <p:ph type="title"/>
+          </p:nvPr>
+        </p:nvSpPr>
+        <p:spPr/>
+        <p:txBody>
+          <a:bodyPr/>
+          <a:lstStyle/>
+          <a:p>
+            <a:r>
+              <a:rPr lang="en-US" i="1" dirty="0" err="1" smtClean="0"/>
+              <a:t>GvS</a:t>
+            </a:r>
+            <a:r>
+              <a:rPr lang="en-US" dirty="0" smtClean="0"/>
+              <a:t> Features</a:t>
+            </a:r>
+            <a:endParaRPr lang="en-US" i="1" dirty="0"/>
+          </a:p>
+        </p:txBody>
+      </p:sp>
+      <p:sp>
+        <p:nvSpPr>
+          <p:cNvPr id="3" name="Content Placeholder 2"/>
+          <p:cNvSpPr>
+            <a:spLocks noGrp="1"/>
+          </p:cNvSpPr>
+          <p:nvPr>
+            <p:ph idx="1"/>
+          </p:nvPr>
+        </p:nvSpPr>
+        <p:spPr/>
+        <p:txBody>
+          <a:bodyPr/>
+          <a:lstStyle/>
+          <a:p>
+            <a:pPr>
+              <a:buFont typeface="Arial"/>
+              <a:buChar char="•"/>
+            </a:pPr>
+            <a:r>
+              <a:rPr lang="en-US" dirty="0" smtClean="0"/>
+              <a:t>Number Density</a:t>
+            </a:r>
+          </a:p>
+          <a:p>
+            <a:pPr lvl="1">
+              <a:buFont typeface="Arial"/>
+              <a:buChar char="•"/>
+            </a:pPr>
+            <a:r>
+              <a:rPr lang="en-US" dirty="0" smtClean="0"/>
+              <a:t>Density of numerical figures in citing context</a:t>
+            </a:r>
+          </a:p>
+          <a:p>
+            <a:pPr lvl="1">
+              <a:buFont typeface="Arial"/>
+              <a:buChar char="•"/>
+            </a:pPr>
+            <a:r>
+              <a:rPr lang="en-US" dirty="0" smtClean="0"/>
+              <a:t>Intuition: Specific citations tend to refer to numerical figures</a:t>
+            </a:r>
+          </a:p>
+          <a:p>
+            <a:pPr>
+              <a:buFont typeface="Arial"/>
+              <a:buChar char="•"/>
+            </a:pPr>
+            <a:r>
+              <a:rPr lang="en-US" dirty="0" smtClean="0"/>
+              <a:t>Published Year Difference</a:t>
+            </a:r>
+          </a:p>
+          <a:p>
+            <a:pPr lvl="1">
+              <a:buFont typeface="Arial"/>
+              <a:buChar char="•"/>
+            </a:pPr>
+            <a:r>
+              <a:rPr lang="en-US" dirty="0" smtClean="0"/>
+              <a:t>Large publishing time gap; Long term citations are usually for General purposes</a:t>
+            </a:r>
+          </a:p>
+          <a:p>
+            <a:pPr>
+              <a:buFont typeface="Arial"/>
+              <a:buChar char="•"/>
+            </a:pPr>
+            <a:r>
+              <a:rPr lang="en-US" dirty="0" smtClean="0"/>
+              <a:t>Citing Context’s Average </a:t>
+            </a:r>
+            <a:r>
+              <a:rPr lang="en-US" dirty="0" err="1" smtClean="0"/>
+              <a:t>TFxIDF</a:t>
+            </a:r>
+            <a:r>
+              <a:rPr lang="en-US" dirty="0" smtClean="0"/>
+              <a:t> weight</a:t>
+            </a:r>
+          </a:p>
+          <a:p>
+            <a:pPr lvl="1">
+              <a:buFont typeface="Arial"/>
+              <a:buChar char="•"/>
+            </a:pPr>
+            <a:r>
+              <a:rPr lang="en-US" dirty="0" smtClean="0"/>
+              <a:t>Average number of </a:t>
+            </a:r>
+            <a:r>
+              <a:rPr lang="en-US" i="1" dirty="0" smtClean="0"/>
+              <a:t>valuable</a:t>
+            </a:r>
+            <a:r>
+              <a:rPr lang="en-US" dirty="0" smtClean="0"/>
+              <a:t> words determined by </a:t>
+            </a:r>
+            <a:r>
+              <a:rPr lang="en-US" dirty="0" err="1" smtClean="0"/>
+              <a:t>TFxIDF</a:t>
+            </a:r>
+            <a:r>
+              <a:rPr lang="en-US" dirty="0" smtClean="0"/>
+              <a:t>. Higher values suggest important, signature words pertinent to a specific claim. Thus, suggests a Specific citation</a:t>
+            </a:r>
+            <a:endParaRPr lang="en-US" dirty="0"/>
+          </a:p>
+        </p:txBody>
+      </p:sp>
+      <p:sp>
+        <p:nvSpPr>
+          <p:cNvPr id="4" name="Date Placeholder 3"/>
+          <p:cNvSpPr>
+            <a:spLocks noGrp="1"/>
+          </p:cNvSpPr>
+          <p:nvPr>
+            <p:ph type="dt" sz="half" idx="10"/>
+          </p:nvPr>
+        </p:nvSpPr>
+        <p:spPr/>
+        <p:txBody>
+          <a:bodyPr/>
+          <a:lstStyle/>
+          <a:p>
+            <a:fld id="{971D902E-52E4-5F4D-9A84-F04B09DBA050}" type="datetime1">
+              <a:rPr lang="en-SG" smtClean="0"/>
+              <a:t>13/11/12</a:t>
+            </a:fld>
+            <a:endParaRPr lang="en-US"/>
+          </a:p>
+        </p:txBody>
+      </p:sp>
+      <p:sp>
+        <p:nvSpPr>
+          <p:cNvPr id="5" name="Slide Number Placeholder 4"/>
+          <p:cNvSpPr>
+            <a:spLocks noGrp="1"/>
+          </p:cNvSpPr>
+          <p:nvPr>
+            <p:ph type="sldNum" sz="quarter" idx="12"/>
+          </p:nvPr>
+        </p:nvSpPr>
+        <p:spPr/>
+        <p:txBody>
+          <a:bodyPr/>
+          <a:lstStyle/>
+          <a:p>
+            <a:fld id="{9C1F5A0A-F6FC-4FFD-9B49-0DA8697211D9}" type="slidenum">
+              <a:rPr lang="en-US" smtClean="0"/>
+              <a:t>42</a:t>
+            </a:fld>
+            <a:endParaRPr lang="en-US"/>
+          </a:p>
+        </p:txBody>
+      </p:sp>
+    </p:spTree>
+    <p:extLst>
+      <p:ext uri="{BB962C8B-B14F-4D97-AF65-F5344CB8AC3E}">
+        <p14:creationId xmlns:p14="http://schemas.microsoft.com/office/powerpoint/2010/main" val="2702375685"/>
+      </p:ext>
+    </p:extLst>
+  </p:cSld>
+  <p:clrMapOvr>
+    <a:masterClrMapping/>
+  </p:clrMapOvr>
+</p:sld>
+</file>
+
+<file path=ppt/slides/slide43.xml><?xml version="1.0" encoding="utf-8"?>
+<p:sld xmlns:a="http://schemas.openxmlformats.org/drawingml/2006/main" xmlns:r="http://schemas.openxmlformats.org/officeDocument/2006/relationships" xmlns:p="http://schemas.openxmlformats.org/presentationml/2006/main">
+  <p:cSld>
+    <p:spTree>
+      <p:nvGrpSpPr>
+        <p:cNvPr id="1" name=""/>
+        <p:cNvGrpSpPr/>
+        <p:nvPr/>
+      </p:nvGrpSpPr>
+      <p:grpSpPr>
+        <a:xfrm>
+          <a:off x="0" y="0"/>
+          <a:ext cx="0" cy="0"/>
+          <a:chOff x="0" y="0"/>
+          <a:chExt cx="0" cy="0"/>
+        </a:xfrm>
+      </p:grpSpPr>
+      <p:sp>
+        <p:nvSpPr>
+          <p:cNvPr id="2" name="Title 1"/>
+          <p:cNvSpPr>
+            <a:spLocks noGrp="1"/>
+          </p:cNvSpPr>
+          <p:nvPr>
+            <p:ph type="title"/>
+          </p:nvPr>
+        </p:nvSpPr>
+        <p:spPr/>
+        <p:txBody>
+          <a:bodyPr/>
+          <a:lstStyle/>
+          <a:p>
+            <a:r>
+              <a:rPr lang="en-US" i="1" dirty="0" err="1" smtClean="0"/>
+              <a:t>GvS</a:t>
+            </a:r>
+            <a:r>
+              <a:rPr lang="en-US" dirty="0" smtClean="0"/>
+              <a:t> Features</a:t>
+            </a:r>
+            <a:endParaRPr lang="en-US" i="1" dirty="0"/>
+          </a:p>
+        </p:txBody>
+      </p:sp>
+      <p:sp>
+        <p:nvSpPr>
+          <p:cNvPr id="3" name="Content Placeholder 2"/>
+          <p:cNvSpPr>
+            <a:spLocks noGrp="1"/>
+          </p:cNvSpPr>
+          <p:nvPr>
+            <p:ph idx="1"/>
+          </p:nvPr>
+        </p:nvSpPr>
+        <p:spPr/>
+        <p:txBody>
+          <a:bodyPr/>
+          <a:lstStyle/>
+          <a:p>
+            <a:pPr>
+              <a:buFont typeface="Arial"/>
+              <a:buChar char="•"/>
+            </a:pPr>
+            <a:r>
+              <a:rPr lang="en-US" dirty="0" smtClean="0"/>
+              <a:t>Cue Words [Dong &amp; Schaffer, 2011]</a:t>
+            </a:r>
+          </a:p>
+          <a:p>
+            <a:pPr lvl="1">
+              <a:buFont typeface="Arial"/>
+              <a:buChar char="•"/>
+            </a:pPr>
+            <a:r>
+              <a:rPr lang="en-US" dirty="0" smtClean="0"/>
+              <a:t>Count of specific cue words that appear in citing and neighbor sentences</a:t>
+            </a:r>
+          </a:p>
+          <a:p>
+            <a:pPr lvl="1">
+              <a:buFont typeface="Arial"/>
+              <a:buChar char="•"/>
+            </a:pPr>
+            <a:r>
+              <a:rPr lang="en-US" dirty="0" smtClean="0"/>
+              <a:t>Cue-General and </a:t>
+            </a:r>
+            <a:r>
+              <a:rPr lang="en-US" dirty="0" err="1" smtClean="0"/>
+              <a:t>CueSpecific</a:t>
+            </a:r>
+            <a:endParaRPr lang="en-US" dirty="0"/>
+          </a:p>
+        </p:txBody>
+      </p:sp>
+      <p:sp>
+        <p:nvSpPr>
+          <p:cNvPr id="4" name="Date Placeholder 3"/>
+          <p:cNvSpPr>
+            <a:spLocks noGrp="1"/>
+          </p:cNvSpPr>
+          <p:nvPr>
+            <p:ph type="dt" sz="half" idx="10"/>
+          </p:nvPr>
+        </p:nvSpPr>
+        <p:spPr/>
+        <p:txBody>
+          <a:bodyPr/>
+          <a:lstStyle/>
+          <a:p>
+            <a:fld id="{971D902E-52E4-5F4D-9A84-F04B09DBA050}" type="datetime1">
+              <a:rPr lang="en-SG" smtClean="0"/>
+              <a:t>13/11/12</a:t>
+            </a:fld>
+            <a:endParaRPr lang="en-US"/>
+          </a:p>
+        </p:txBody>
+      </p:sp>
+      <p:sp>
+        <p:nvSpPr>
+          <p:cNvPr id="5" name="Slide Number Placeholder 4"/>
+          <p:cNvSpPr>
+            <a:spLocks noGrp="1"/>
+          </p:cNvSpPr>
+          <p:nvPr>
+            <p:ph type="sldNum" sz="quarter" idx="12"/>
+          </p:nvPr>
+        </p:nvSpPr>
+        <p:spPr/>
+        <p:txBody>
+          <a:bodyPr/>
+          <a:lstStyle/>
+          <a:p>
+            <a:fld id="{9C1F5A0A-F6FC-4FFD-9B49-0DA8697211D9}" type="slidenum">
+              <a:rPr lang="en-US" smtClean="0"/>
+              <a:t>43</a:t>
+            </a:fld>
+            <a:endParaRPr lang="en-US"/>
+          </a:p>
+        </p:txBody>
+      </p:sp>
+    </p:spTree>
+    <p:extLst>
+      <p:ext uri="{BB962C8B-B14F-4D97-AF65-F5344CB8AC3E}">
+        <p14:creationId xmlns:p14="http://schemas.microsoft.com/office/powerpoint/2010/main" val="983339748"/>
+      </p:ext>
+    </p:extLst>
+  </p:cSld>
+  <p:clrMapOvr>
+    <a:masterClrMapping/>
+  </p:clrMapOvr>
+</p:sld>
+</file>
+
+<file path=ppt/slides/slide44.xml><?xml version="1.0" encoding="utf-8"?>
+<p:sld xmlns:a="http://schemas.openxmlformats.org/drawingml/2006/main" xmlns:r="http://schemas.openxmlformats.org/officeDocument/2006/relationships" xmlns:p="http://schemas.openxmlformats.org/presentationml/2006/main">
+  <p:cSld>
+    <p:spTree>
+      <p:nvGrpSpPr>
+        <p:cNvPr id="1" name=""/>
+        <p:cNvGrpSpPr/>
+        <p:nvPr/>
+      </p:nvGrpSpPr>
+      <p:grpSpPr>
+        <a:xfrm>
+          <a:off x="0" y="0"/>
+          <a:ext cx="0" cy="0"/>
+          <a:chOff x="0" y="0"/>
+          <a:chExt cx="0" cy="0"/>
+        </a:xfrm>
+      </p:grpSpPr>
+      <p:sp>
+        <p:nvSpPr>
+          <p:cNvPr id="2" name="Title 1"/>
+          <p:cNvSpPr>
+            <a:spLocks noGrp="1"/>
+          </p:cNvSpPr>
+          <p:nvPr>
+            <p:ph type="title"/>
+          </p:nvPr>
+        </p:nvSpPr>
+        <p:spPr/>
+        <p:txBody>
+          <a:bodyPr/>
+          <a:lstStyle/>
+          <a:p>
+            <a:endParaRPr lang="en-US"/>
+          </a:p>
+        </p:txBody>
+      </p:sp>
+      <p:sp>
+        <p:nvSpPr>
+          <p:cNvPr id="3" name="Content Placeholder 2"/>
+          <p:cNvSpPr>
+            <a:spLocks noGrp="1"/>
+          </p:cNvSpPr>
+          <p:nvPr>
+            <p:ph idx="1"/>
+          </p:nvPr>
+        </p:nvSpPr>
+        <p:spPr/>
+        <p:txBody>
+          <a:bodyPr/>
+          <a:lstStyle/>
+          <a:p>
+            <a:pPr>
+              <a:buFont typeface="Arial"/>
+              <a:buChar char="•"/>
+            </a:pPr>
+            <a:r>
+              <a:rPr lang="en-US" dirty="0" smtClean="0"/>
+              <a:t>Cue-General</a:t>
+            </a:r>
+          </a:p>
+          <a:p>
+            <a:pPr lvl="1">
+              <a:buFont typeface="Arial"/>
+              <a:buChar char="•"/>
+            </a:pPr>
+            <a:r>
+              <a:rPr lang="en-US" dirty="0"/>
+              <a:t>proposed, propose, presented, present, suggested, suggests, described, describe, discuss, discussed, gave, introduction, introduced, shown, showed, sketched, sketch, talked, adopted, adopt, based, originated, originate, built, researchers, comparative, comparison, following, previously, </a:t>
+            </a:r>
+            <a:r>
+              <a:rPr lang="en-US" dirty="0" smtClean="0"/>
+              <a:t>previous</a:t>
+            </a:r>
+          </a:p>
+          <a:p>
+            <a:pPr>
+              <a:buFont typeface="Arial"/>
+              <a:buChar char="•"/>
+            </a:pPr>
+            <a:r>
+              <a:rPr lang="en-US" dirty="0" smtClean="0"/>
+              <a:t>Cue-Specific</a:t>
+            </a:r>
+          </a:p>
+          <a:p>
+            <a:pPr lvl="1">
+              <a:buFont typeface="Arial"/>
+              <a:buChar char="•"/>
+            </a:pPr>
+            <a:r>
+              <a:rPr lang="en-US" dirty="0"/>
+              <a:t>obtains, obtained, score, scored, high, F-score, Precision, precision, Recall, recall, estimated, estimates, reported, reports, probability, probabilities, peaked, experimental, experimented, rate, </a:t>
+            </a:r>
+            <a:r>
+              <a:rPr lang="en-US" dirty="0" smtClean="0"/>
+              <a:t>error</a:t>
+            </a:r>
+            <a:endParaRPr lang="en-US" dirty="0"/>
+          </a:p>
+        </p:txBody>
+      </p:sp>
+      <p:sp>
+        <p:nvSpPr>
+          <p:cNvPr id="4" name="Date Placeholder 3"/>
+          <p:cNvSpPr>
+            <a:spLocks noGrp="1"/>
+          </p:cNvSpPr>
+          <p:nvPr>
+            <p:ph type="dt" sz="half" idx="10"/>
+          </p:nvPr>
+        </p:nvSpPr>
+        <p:spPr/>
+        <p:txBody>
+          <a:bodyPr/>
+          <a:lstStyle/>
+          <a:p>
+            <a:fld id="{971D902E-52E4-5F4D-9A84-F04B09DBA050}" type="datetime1">
+              <a:rPr lang="en-SG" smtClean="0"/>
+              <a:t>13/11/12</a:t>
+            </a:fld>
+            <a:endParaRPr lang="en-US"/>
+          </a:p>
+        </p:txBody>
+      </p:sp>
+      <p:sp>
+        <p:nvSpPr>
+          <p:cNvPr id="5" name="Slide Number Placeholder 4"/>
+          <p:cNvSpPr>
+            <a:spLocks noGrp="1"/>
+          </p:cNvSpPr>
+          <p:nvPr>
+            <p:ph type="sldNum" sz="quarter" idx="12"/>
+          </p:nvPr>
+        </p:nvSpPr>
+        <p:spPr/>
+        <p:txBody>
+          <a:bodyPr/>
+          <a:lstStyle/>
+          <a:p>
+            <a:fld id="{9C1F5A0A-F6FC-4FFD-9B49-0DA8697211D9}" type="slidenum">
+              <a:rPr lang="en-US" smtClean="0"/>
+              <a:t>44</a:t>
+            </a:fld>
+            <a:endParaRPr lang="en-US"/>
+          </a:p>
+        </p:txBody>
+      </p:sp>
+    </p:spTree>
+    <p:extLst>
+      <p:ext uri="{BB962C8B-B14F-4D97-AF65-F5344CB8AC3E}">
+        <p14:creationId xmlns:p14="http://schemas.microsoft.com/office/powerpoint/2010/main" val="2043339588"/>
+      </p:ext>
+    </p:extLst>
+  </p:cSld>
+  <p:clrMapOvr>
+    <a:masterClrMapping/>
+  </p:clrMapOvr>
+</p:sld>
+</file>
+
+<file path=ppt/slides/slide45.xml><?xml version="1.0" encoding="utf-8"?>
+<p:sld xmlns:a="http://schemas.openxmlformats.org/drawingml/2006/main" xmlns:r="http://schemas.openxmlformats.org/officeDocument/2006/relationships" xmlns:p="http://schemas.openxmlformats.org/presentationml/2006/main">
+  <p:cSld>
+    <p:spTree>
+      <p:nvGrpSpPr>
+        <p:cNvPr id="1" name=""/>
+        <p:cNvGrpSpPr/>
+        <p:nvPr/>
+      </p:nvGrpSpPr>
+      <p:grpSpPr>
+        <a:xfrm>
+          <a:off x="0" y="0"/>
+          <a:ext cx="0" cy="0"/>
+          <a:chOff x="0" y="0"/>
+          <a:chExt cx="0" cy="0"/>
+        </a:xfrm>
+      </p:grpSpPr>
+      <p:sp>
+        <p:nvSpPr>
+          <p:cNvPr id="2" name="Title 1"/>
+          <p:cNvSpPr>
+            <a:spLocks noGrp="1"/>
+          </p:cNvSpPr>
+          <p:nvPr>
+            <p:ph type="title"/>
+          </p:nvPr>
+        </p:nvSpPr>
+        <p:spPr/>
+        <p:txBody>
+          <a:bodyPr/>
+          <a:lstStyle/>
+          <a:p>
+            <a:r>
+              <a:rPr lang="en-US" dirty="0" smtClean="0"/>
+              <a:t>Building </a:t>
+            </a:r>
+            <a:r>
+              <a:rPr lang="en-US" i="1" dirty="0" err="1" smtClean="0"/>
+              <a:t>GvS</a:t>
+            </a:r>
+            <a:r>
+              <a:rPr lang="en-US" dirty="0"/>
+              <a:t> </a:t>
+            </a:r>
+            <a:r>
+              <a:rPr lang="en-US" dirty="0" smtClean="0"/>
+              <a:t>Model</a:t>
+            </a:r>
+            <a:endParaRPr lang="en-US" dirty="0"/>
+          </a:p>
+        </p:txBody>
+      </p:sp>
+      <p:sp>
+        <p:nvSpPr>
+          <p:cNvPr id="3" name="Content Placeholder 2"/>
+          <p:cNvSpPr>
+            <a:spLocks noGrp="1"/>
+          </p:cNvSpPr>
+          <p:nvPr>
+            <p:ph idx="1"/>
+          </p:nvPr>
+        </p:nvSpPr>
+        <p:spPr/>
+        <p:txBody>
+          <a:bodyPr/>
+          <a:lstStyle/>
+          <a:p>
+            <a:pPr>
+              <a:buFont typeface="Arial"/>
+              <a:buChar char="•"/>
+            </a:pPr>
+            <a:r>
+              <a:rPr lang="en-US" dirty="0" smtClean="0"/>
+              <a:t>Recall: Task is heavily skewed towards General citations</a:t>
+            </a:r>
+          </a:p>
+          <a:p>
+            <a:pPr>
+              <a:buFont typeface="Arial"/>
+              <a:buChar char="•"/>
+            </a:pPr>
+            <a:r>
+              <a:rPr lang="en-US" dirty="0" smtClean="0"/>
+              <a:t>A model built on this skewed data would be biased</a:t>
+            </a:r>
+          </a:p>
+          <a:p>
+            <a:pPr>
+              <a:buFont typeface="Arial"/>
+              <a:buChar char="•"/>
+            </a:pPr>
+            <a:r>
+              <a:rPr lang="en-US" dirty="0" smtClean="0"/>
+              <a:t>To address this problem, build model on artificially sample </a:t>
+            </a:r>
+            <a:r>
+              <a:rPr lang="en-US" i="1" dirty="0" err="1" smtClean="0"/>
+              <a:t>unskewed</a:t>
+            </a:r>
+            <a:r>
+              <a:rPr lang="en-US" dirty="0" smtClean="0"/>
+              <a:t> data.</a:t>
+            </a:r>
+          </a:p>
+          <a:p>
+            <a:pPr lvl="1">
+              <a:buFont typeface="Arial"/>
+              <a:buChar char="•"/>
+            </a:pPr>
+            <a:r>
+              <a:rPr lang="en-US" dirty="0" smtClean="0"/>
+              <a:t>1:1 General </a:t>
+            </a:r>
+            <a:r>
+              <a:rPr lang="en-US" dirty="0" err="1" smtClean="0"/>
+              <a:t>vs</a:t>
+            </a:r>
+            <a:r>
+              <a:rPr lang="en-US" dirty="0" smtClean="0"/>
+              <a:t> Specific instances</a:t>
+            </a:r>
+          </a:p>
+          <a:p>
+            <a:pPr lvl="1">
+              <a:buFont typeface="Arial"/>
+              <a:buChar char="•"/>
+            </a:pPr>
+            <a:r>
+              <a:rPr lang="en-US" dirty="0" smtClean="0"/>
+              <a:t>Gather all Specific + </a:t>
+            </a:r>
+            <a:r>
+              <a:rPr lang="en-US" u="sng" dirty="0" smtClean="0"/>
+              <a:t>randomly</a:t>
+            </a:r>
+            <a:r>
+              <a:rPr lang="en-US" dirty="0" smtClean="0"/>
+              <a:t> select same # of General</a:t>
+            </a:r>
+          </a:p>
+          <a:p>
+            <a:pPr>
+              <a:buFont typeface="Arial"/>
+              <a:buChar char="•"/>
+            </a:pPr>
+            <a:r>
+              <a:rPr lang="en-US" dirty="0" smtClean="0"/>
+              <a:t>Appear unrealistic to use this ratio</a:t>
+            </a:r>
+          </a:p>
+          <a:p>
+            <a:pPr lvl="1">
+              <a:buFont typeface="Arial"/>
+              <a:buChar char="•"/>
+            </a:pPr>
+            <a:r>
+              <a:rPr lang="en-US" dirty="0" smtClean="0"/>
+              <a:t>We are building a model with balanced data to measure its ability to differentiate between the 2 types of citation</a:t>
+            </a:r>
+            <a:endParaRPr lang="en-US" dirty="0"/>
+          </a:p>
+        </p:txBody>
+      </p:sp>
+      <p:sp>
+        <p:nvSpPr>
+          <p:cNvPr id="4" name="Date Placeholder 3"/>
+          <p:cNvSpPr>
+            <a:spLocks noGrp="1"/>
+          </p:cNvSpPr>
+          <p:nvPr>
+            <p:ph type="dt" sz="half" idx="10"/>
+          </p:nvPr>
+        </p:nvSpPr>
+        <p:spPr/>
+        <p:txBody>
+          <a:bodyPr/>
+          <a:lstStyle/>
+          <a:p>
+            <a:fld id="{971D902E-52E4-5F4D-9A84-F04B09DBA050}" type="datetime1">
+              <a:rPr lang="en-SG" smtClean="0"/>
+              <a:t>13/11/12</a:t>
+            </a:fld>
+            <a:endParaRPr lang="en-US"/>
+          </a:p>
+        </p:txBody>
+      </p:sp>
+      <p:sp>
+        <p:nvSpPr>
+          <p:cNvPr id="5" name="Slide Number Placeholder 4"/>
+          <p:cNvSpPr>
+            <a:spLocks noGrp="1"/>
+          </p:cNvSpPr>
+          <p:nvPr>
+            <p:ph type="sldNum" sz="quarter" idx="12"/>
+          </p:nvPr>
+        </p:nvSpPr>
+        <p:spPr/>
+        <p:txBody>
+          <a:bodyPr/>
+          <a:lstStyle/>
+          <a:p>
+            <a:fld id="{9C1F5A0A-F6FC-4FFD-9B49-0DA8697211D9}" type="slidenum">
+              <a:rPr lang="en-US" smtClean="0"/>
+              <a:t>45</a:t>
+            </a:fld>
+            <a:endParaRPr lang="en-US"/>
+          </a:p>
+        </p:txBody>
+      </p:sp>
+    </p:spTree>
+    <p:extLst>
+      <p:ext uri="{BB962C8B-B14F-4D97-AF65-F5344CB8AC3E}">
+        <p14:creationId xmlns:p14="http://schemas.microsoft.com/office/powerpoint/2010/main" val="704842359"/>
+      </p:ext>
+    </p:extLst>
+  </p:cSld>
+  <p:clrMapOvr>
+    <a:masterClrMapping/>
+  </p:clrMapOvr>
+</p:sld>
+</file>
+
+<file path=ppt/slides/slide46.xml><?xml version="1.0" encoding="utf-8"?>
+<p:sld xmlns:a="http://schemas.openxmlformats.org/drawingml/2006/main" xmlns:r="http://schemas.openxmlformats.org/officeDocument/2006/relationships" xmlns:p="http://schemas.openxmlformats.org/presentationml/2006/main">
+  <p:cSld>
+    <p:spTree>
+      <p:nvGrpSpPr>
+        <p:cNvPr id="1" name=""/>
+        <p:cNvGrpSpPr/>
+        <p:nvPr/>
+      </p:nvGrpSpPr>
+      <p:grpSpPr>
+        <a:xfrm>
+          <a:off x="0" y="0"/>
+          <a:ext cx="0" cy="0"/>
+          <a:chOff x="0" y="0"/>
+          <a:chExt cx="0" cy="0"/>
+        </a:xfrm>
+      </p:grpSpPr>
+      <p:sp>
+        <p:nvSpPr>
+          <p:cNvPr id="2" name="Title 1"/>
+          <p:cNvSpPr>
+            <a:spLocks noGrp="1"/>
+          </p:cNvSpPr>
+          <p:nvPr>
+            <p:ph type="title"/>
+          </p:nvPr>
+        </p:nvSpPr>
+        <p:spPr/>
+        <p:txBody>
+          <a:bodyPr/>
+          <a:lstStyle/>
+          <a:p>
+            <a:r>
+              <a:rPr lang="en-US" dirty="0" smtClean="0"/>
+              <a:t>Two-tier Approach</a:t>
+            </a:r>
+            <a:endParaRPr lang="en-US" dirty="0"/>
+          </a:p>
+        </p:txBody>
+      </p:sp>
+      <p:pic>
+        <p:nvPicPr>
+          <p:cNvPr id="6" name="Content Placeholder 5" descr="twotier.PNG"/>
+          <p:cNvPicPr>
+            <a:picLocks noGrp="1" noChangeAspect="1"/>
+          </p:cNvPicPr>
+          <p:nvPr>
+            <p:ph idx="1"/>
+          </p:nvPr>
+        </p:nvPicPr>
+        <p:blipFill>
+          <a:blip r:embed="rId2">
+            <a:extLst>
+              <a:ext uri="{28A0092B-C50C-407E-A947-70E740481C1C}">
+                <a14:useLocalDpi xmlns:a14="http://schemas.microsoft.com/office/drawing/2010/main" val="0"/>
+              </a:ext>
+            </a:extLst>
+          </a:blip>
+          <a:srcRect l="-21130" r="-21130"/>
+          <a:stretch>
+            <a:fillRect/>
+          </a:stretch>
+        </p:blipFill>
+        <p:spPr>
+          <a:xfrm>
+            <a:off x="-405457" y="1245395"/>
+            <a:ext cx="9996094" cy="5476080"/>
+          </a:xfrm>
+        </p:spPr>
+      </p:pic>
+      <p:sp>
+        <p:nvSpPr>
+          <p:cNvPr id="4" name="Date Placeholder 3"/>
+          <p:cNvSpPr>
+            <a:spLocks noGrp="1"/>
+          </p:cNvSpPr>
+          <p:nvPr>
+            <p:ph type="dt" sz="half" idx="10"/>
+          </p:nvPr>
+        </p:nvSpPr>
+        <p:spPr/>
+        <p:txBody>
+          <a:bodyPr/>
+          <a:lstStyle/>
+          <a:p>
+            <a:fld id="{971D902E-52E4-5F4D-9A84-F04B09DBA050}" type="datetime1">
+              <a:rPr lang="en-SG" smtClean="0"/>
+              <a:t>13/11/12</a:t>
+            </a:fld>
+            <a:endParaRPr lang="en-US"/>
+          </a:p>
+        </p:txBody>
+      </p:sp>
+      <p:sp>
+        <p:nvSpPr>
+          <p:cNvPr id="5" name="Slide Number Placeholder 4"/>
+          <p:cNvSpPr>
+            <a:spLocks noGrp="1"/>
+          </p:cNvSpPr>
+          <p:nvPr>
+            <p:ph type="sldNum" sz="quarter" idx="12"/>
+          </p:nvPr>
+        </p:nvSpPr>
+        <p:spPr/>
+        <p:txBody>
+          <a:bodyPr/>
+          <a:lstStyle/>
+          <a:p>
+            <a:fld id="{9C1F5A0A-F6FC-4FFD-9B49-0DA8697211D9}" type="slidenum">
+              <a:rPr lang="en-US" smtClean="0"/>
+              <a:t>46</a:t>
+            </a:fld>
+            <a:endParaRPr lang="en-US"/>
+          </a:p>
+        </p:txBody>
+      </p:sp>
+    </p:spTree>
+    <p:extLst>
+      <p:ext uri="{BB962C8B-B14F-4D97-AF65-F5344CB8AC3E}">
+        <p14:creationId xmlns:p14="http://schemas.microsoft.com/office/powerpoint/2010/main" val="94199636"/>
+      </p:ext>
+    </p:extLst>
+  </p:cSld>
+  <p:clrMapOvr>
+    <a:masterClrMapping/>
+  </p:clrMapOvr>
+  <p:timing>
+    <p:tnLst>
+      <p:par>
+        <p:cTn xmlns:p14="http://schemas.microsoft.com/office/powerpoint/2010/main" id="1" dur="indefinite" restart="never" nodeType="tmRoot"/>
+      </p:par>
+    </p:tnLst>
+  </p:timing>
+</p:sld>
+</file>
+
+<file path=ppt/slides/slide47.xml><?xml version="1.0" encoding="utf-8"?>
+<p:sld xmlns:a="http://schemas.openxmlformats.org/drawingml/2006/main" xmlns:r="http://schemas.openxmlformats.org/officeDocument/2006/relationships" xmlns:p="http://schemas.openxmlformats.org/presentationml/2006/main">
+  <p:cSld>
+    <p:spTree>
+      <p:nvGrpSpPr>
+        <p:cNvPr id="1" name=""/>
+        <p:cNvGrpSpPr/>
+        <p:nvPr/>
+      </p:nvGrpSpPr>
+      <p:grpSpPr>
+        <a:xfrm>
+          <a:off x="0" y="0"/>
+          <a:ext cx="0" cy="0"/>
+          <a:chOff x="0" y="0"/>
+          <a:chExt cx="0" cy="0"/>
+        </a:xfrm>
+      </p:grpSpPr>
+      <p:sp>
+        <p:nvSpPr>
+          <p:cNvPr id="2" name="Title 1"/>
+          <p:cNvSpPr>
+            <a:spLocks noGrp="1"/>
+          </p:cNvSpPr>
+          <p:nvPr>
+            <p:ph type="title"/>
+          </p:nvPr>
+        </p:nvSpPr>
+        <p:spPr/>
+        <p:txBody>
+          <a:bodyPr>
+            <a:normAutofit/>
+          </a:bodyPr>
+          <a:lstStyle/>
+          <a:p>
+            <a:r>
+              <a:rPr lang="en-US" i="1" dirty="0" err="1" smtClean="0"/>
+              <a:t>LocateProv</a:t>
+            </a:r>
+            <a:r>
+              <a:rPr lang="en-US" dirty="0" smtClean="0"/>
+              <a:t> (2</a:t>
+            </a:r>
+            <a:r>
+              <a:rPr lang="en-US" baseline="30000" dirty="0" smtClean="0"/>
+              <a:t>nd</a:t>
+            </a:r>
+            <a:r>
+              <a:rPr lang="en-US" dirty="0" smtClean="0"/>
+              <a:t> tier</a:t>
+            </a:r>
+            <a:r>
+              <a:rPr lang="en-US" dirty="0"/>
+              <a:t>)</a:t>
+            </a:r>
+            <a:endParaRPr lang="en-US" dirty="0"/>
+          </a:p>
+        </p:txBody>
+      </p:sp>
+      <p:sp>
+        <p:nvSpPr>
+          <p:cNvPr id="4" name="Date Placeholder 3"/>
+          <p:cNvSpPr>
+            <a:spLocks noGrp="1"/>
+          </p:cNvSpPr>
+          <p:nvPr>
+            <p:ph type="dt" sz="half" idx="10"/>
+          </p:nvPr>
+        </p:nvSpPr>
+        <p:spPr/>
+        <p:txBody>
+          <a:bodyPr/>
+          <a:lstStyle/>
+          <a:p>
+            <a:fld id="{971D902E-52E4-5F4D-9A84-F04B09DBA050}" type="datetime1">
+              <a:rPr lang="en-SG" smtClean="0"/>
+              <a:t>13/11/12</a:t>
+            </a:fld>
+            <a:endParaRPr lang="en-US"/>
+          </a:p>
+        </p:txBody>
+      </p:sp>
+      <p:sp>
+        <p:nvSpPr>
+          <p:cNvPr id="5" name="Slide Number Placeholder 4"/>
+          <p:cNvSpPr>
+            <a:spLocks noGrp="1"/>
+          </p:cNvSpPr>
+          <p:nvPr>
+            <p:ph type="sldNum" sz="quarter" idx="12"/>
+          </p:nvPr>
+        </p:nvSpPr>
+        <p:spPr/>
+        <p:txBody>
+          <a:bodyPr/>
+          <a:lstStyle/>
+          <a:p>
+            <a:fld id="{9C1F5A0A-F6FC-4FFD-9B49-0DA8697211D9}" type="slidenum">
+              <a:rPr lang="en-US" smtClean="0"/>
+              <a:t>47</a:t>
+            </a:fld>
+            <a:endParaRPr lang="en-US"/>
+          </a:p>
+        </p:txBody>
+      </p:sp>
+      <p:graphicFrame>
+        <p:nvGraphicFramePr>
+          <p:cNvPr id="7" name="Content Placeholder 6"/>
+          <p:cNvGraphicFramePr>
+            <a:graphicFrameLocks noGrp="1"/>
+          </p:cNvGraphicFramePr>
+          <p:nvPr>
+            <p:ph idx="1"/>
+            <p:extLst>
+              <p:ext uri="{D42A27DB-BD31-4B8C-83A1-F6EECF244321}">
+                <p14:modId xmlns:p14="http://schemas.microsoft.com/office/powerpoint/2010/main" val="2971422718"/>
+              </p:ext>
+            </p:extLst>
+          </p:nvPr>
+        </p:nvGraphicFramePr>
+        <p:xfrm>
+          <a:off x="685800" y="1868488"/>
+          <a:ext cx="7770814" cy="3018823"/>
+        </p:xfrm>
+        <a:graphic>
+          <a:graphicData uri="http://schemas.openxmlformats.org/drawingml/2006/table">
+            <a:tbl>
+              <a:tblPr firstRow="1" bandRow="1">
+                <a:tableStyleId>{1FECB4D8-DB02-4DC6-A0A2-4F2EBAE1DC90}</a:tableStyleId>
+              </a:tblPr>
+              <a:tblGrid>
+                <a:gridCol w="3885407"/>
+                <a:gridCol w="3885407"/>
+              </a:tblGrid>
+              <a:tr h="810199">
+                <a:tc>
+                  <a:txBody>
+                    <a:bodyPr/>
+                    <a:lstStyle/>
+                    <a:p>
+                      <a:r>
+                        <a:rPr lang="en-US" dirty="0" smtClean="0"/>
+                        <a:t>Item</a:t>
+                      </a:r>
+                      <a:endParaRPr lang="en-US" dirty="0"/>
+                    </a:p>
+                  </a:txBody>
+                  <a:tcPr/>
+                </a:tc>
+                <a:tc>
+                  <a:txBody>
+                    <a:bodyPr/>
+                    <a:lstStyle/>
+                    <a:p>
+                      <a:r>
+                        <a:rPr lang="en-US" dirty="0" smtClean="0"/>
+                        <a:t>Statistics</a:t>
+                      </a:r>
+                      <a:endParaRPr lang="en-US" dirty="0"/>
+                    </a:p>
+                  </a:txBody>
+                  <a:tcPr/>
+                </a:tc>
+              </a:tr>
+              <a:tr h="810199">
+                <a:tc>
+                  <a:txBody>
+                    <a:bodyPr/>
+                    <a:lstStyle/>
+                    <a:p>
+                      <a:r>
+                        <a:rPr lang="en-US" dirty="0" smtClean="0"/>
+                        <a:t>No. of Cite Links</a:t>
+                      </a:r>
+                      <a:endParaRPr lang="en-US" dirty="0"/>
+                    </a:p>
+                  </a:txBody>
+                  <a:tcPr/>
+                </a:tc>
+                <a:tc>
+                  <a:txBody>
+                    <a:bodyPr/>
+                    <a:lstStyle/>
+                    <a:p>
+                      <a:r>
+                        <a:rPr lang="en-US" dirty="0" smtClean="0"/>
+                        <a:t>275 (7.6% Specific)</a:t>
+                      </a:r>
+                      <a:endParaRPr lang="en-US" dirty="0"/>
+                    </a:p>
+                  </a:txBody>
+                  <a:tcPr/>
+                </a:tc>
+              </a:tr>
+              <a:tr h="1398425">
+                <a:tc>
+                  <a:txBody>
+                    <a:bodyPr/>
+                    <a:lstStyle/>
+                    <a:p>
+                      <a:r>
+                        <a:rPr lang="en-US" dirty="0" smtClean="0"/>
+                        <a:t>No. of Fragments</a:t>
+                      </a:r>
+                      <a:endParaRPr lang="en-US" dirty="0"/>
+                    </a:p>
+                  </a:txBody>
+                  <a:tcPr/>
+                </a:tc>
+                <a:tc>
+                  <a:txBody>
+                    <a:bodyPr/>
+                    <a:lstStyle/>
+                    <a:p>
+                      <a:r>
+                        <a:rPr lang="en-US" dirty="0" smtClean="0"/>
+                        <a:t>30943 (0.09%</a:t>
+                      </a:r>
+                      <a:r>
+                        <a:rPr lang="en-US" baseline="0" dirty="0" smtClean="0"/>
+                        <a:t> Specific-Yes, 12.9% Specific-No)</a:t>
+                      </a:r>
+                      <a:endParaRPr lang="en-US" dirty="0"/>
+                    </a:p>
+                  </a:txBody>
+                  <a:tcPr/>
+                </a:tc>
+              </a:tr>
+            </a:tbl>
+          </a:graphicData>
+        </a:graphic>
+      </p:graphicFrame>
+    </p:spTree>
+    <p:extLst>
+      <p:ext uri="{BB962C8B-B14F-4D97-AF65-F5344CB8AC3E}">
+        <p14:creationId xmlns:p14="http://schemas.microsoft.com/office/powerpoint/2010/main" val="2189572589"/>
+      </p:ext>
+    </p:extLst>
+  </p:cSld>
+  <p:clrMapOvr>
+    <a:masterClrMapping/>
+  </p:clrMapOvr>
+  <p:timing>
+    <p:tnLst>
+      <p:par>
+        <p:cTn xmlns:p14="http://schemas.microsoft.com/office/powerpoint/2010/main" id="1" dur="indefinite" restart="never" nodeType="tmRoot"/>
+      </p:par>
+    </p:tnLst>
+  </p:timing>
+</p:sld>
+</file>
+
+<file path=ppt/slides/slide48.xml><?xml version="1.0" encoding="utf-8"?>
+<p:sld xmlns:a="http://schemas.openxmlformats.org/drawingml/2006/main" xmlns:r="http://schemas.openxmlformats.org/officeDocument/2006/relationships" xmlns:p="http://schemas.openxmlformats.org/presentationml/2006/main">
+  <p:cSld>
+    <p:spTree>
+      <p:nvGrpSpPr>
+        <p:cNvPr id="1" name=""/>
+        <p:cNvGrpSpPr/>
+        <p:nvPr/>
+      </p:nvGrpSpPr>
+      <p:grpSpPr>
+        <a:xfrm>
+          <a:off x="0" y="0"/>
+          <a:ext cx="0" cy="0"/>
+          <a:chOff x="0" y="0"/>
+          <a:chExt cx="0" cy="0"/>
+        </a:xfrm>
+      </p:grpSpPr>
+      <p:sp>
+        <p:nvSpPr>
+          <p:cNvPr id="2" name="Title 1"/>
+          <p:cNvSpPr>
+            <a:spLocks noGrp="1"/>
+          </p:cNvSpPr>
+          <p:nvPr>
+            <p:ph type="title"/>
+          </p:nvPr>
+        </p:nvSpPr>
+        <p:spPr/>
+        <p:txBody>
+          <a:bodyPr/>
+          <a:lstStyle/>
+          <a:p>
+            <a:r>
+              <a:rPr lang="en-US" i="1" dirty="0" err="1" smtClean="0"/>
+              <a:t>LocateProv</a:t>
+            </a:r>
+            <a:r>
+              <a:rPr lang="en-US" dirty="0" smtClean="0"/>
+              <a:t> (2</a:t>
+            </a:r>
+            <a:r>
+              <a:rPr lang="en-US" baseline="30000" dirty="0" smtClean="0"/>
+              <a:t>nd</a:t>
+            </a:r>
+            <a:r>
+              <a:rPr lang="en-US" dirty="0" smtClean="0"/>
+              <a:t> tier)</a:t>
+            </a:r>
+            <a:endParaRPr lang="en-US" dirty="0"/>
+          </a:p>
+        </p:txBody>
+      </p:sp>
+      <p:sp>
+        <p:nvSpPr>
+          <p:cNvPr id="3" name="Content Placeholder 2"/>
+          <p:cNvSpPr>
+            <a:spLocks noGrp="1"/>
+          </p:cNvSpPr>
+          <p:nvPr>
+            <p:ph idx="1"/>
+          </p:nvPr>
+        </p:nvSpPr>
+        <p:spPr/>
+        <p:txBody>
+          <a:bodyPr/>
+          <a:lstStyle/>
+          <a:p>
+            <a:pPr>
+              <a:buFont typeface="Arial"/>
+              <a:buChar char="•"/>
+            </a:pPr>
+            <a:r>
+              <a:rPr lang="en-US" dirty="0" err="1" smtClean="0"/>
+              <a:t>Approx</a:t>
+            </a:r>
+            <a:r>
+              <a:rPr lang="en-US" dirty="0" smtClean="0"/>
+              <a:t> 1:1000 (</a:t>
+            </a:r>
+            <a:r>
+              <a:rPr lang="en-US" dirty="0" err="1" smtClean="0"/>
+              <a:t>y:g+n</a:t>
+            </a:r>
+            <a:r>
+              <a:rPr lang="en-US" dirty="0" smtClean="0"/>
+              <a:t>)</a:t>
+            </a:r>
+          </a:p>
+          <a:p>
+            <a:pPr>
+              <a:buFont typeface="Arial"/>
+              <a:buChar char="•"/>
+            </a:pPr>
+            <a:r>
+              <a:rPr lang="en-US" dirty="0" smtClean="0"/>
+              <a:t>Extremely skewed </a:t>
+            </a:r>
+            <a:r>
+              <a:rPr lang="en-US" u="sng" dirty="0" smtClean="0"/>
+              <a:t>against</a:t>
+            </a:r>
+            <a:r>
+              <a:rPr lang="en-US" dirty="0" smtClean="0"/>
+              <a:t> Specific-Yes</a:t>
+            </a:r>
+          </a:p>
+          <a:p>
+            <a:pPr>
+              <a:buFont typeface="Arial"/>
+              <a:buChar char="•"/>
+            </a:pPr>
+            <a:r>
+              <a:rPr lang="en-US" dirty="0" smtClean="0"/>
+              <a:t>Better odds looking alone at Specific citations, ratio about 1:100 (</a:t>
+            </a:r>
+            <a:r>
+              <a:rPr lang="en-US" dirty="0" err="1" smtClean="0"/>
+              <a:t>y:n</a:t>
+            </a:r>
+            <a:r>
+              <a:rPr lang="en-US" dirty="0" smtClean="0"/>
+              <a:t>)</a:t>
+            </a:r>
+          </a:p>
+          <a:p>
+            <a:pPr>
+              <a:buFont typeface="Arial"/>
+              <a:buChar char="•"/>
+            </a:pPr>
+            <a:r>
+              <a:rPr lang="en-US" dirty="0" smtClean="0"/>
+              <a:t>Thus, input to </a:t>
+            </a:r>
+            <a:r>
+              <a:rPr lang="en-US" i="1" dirty="0" err="1" smtClean="0"/>
+              <a:t>LocateProv</a:t>
+            </a:r>
+            <a:r>
+              <a:rPr lang="en-US" dirty="0" smtClean="0"/>
+              <a:t> are Specific citations only</a:t>
+            </a:r>
+          </a:p>
+          <a:p>
+            <a:pPr>
+              <a:buFont typeface="Arial"/>
+              <a:buChar char="•"/>
+            </a:pPr>
+            <a:r>
+              <a:rPr lang="en-US" dirty="0" smtClean="0"/>
+              <a:t>Binary classification on fragments</a:t>
+            </a:r>
+          </a:p>
+          <a:p>
+            <a:pPr>
+              <a:buFont typeface="Arial"/>
+              <a:buChar char="•"/>
+            </a:pPr>
+            <a:r>
+              <a:rPr lang="en-US" dirty="0" smtClean="0"/>
+              <a:t>To predict Specific-Yes or Specific-No</a:t>
+            </a:r>
+            <a:endParaRPr lang="en-US" dirty="0"/>
+          </a:p>
+        </p:txBody>
+      </p:sp>
+      <p:sp>
+        <p:nvSpPr>
+          <p:cNvPr id="4" name="Date Placeholder 3"/>
+          <p:cNvSpPr>
+            <a:spLocks noGrp="1"/>
+          </p:cNvSpPr>
+          <p:nvPr>
+            <p:ph type="dt" sz="half" idx="10"/>
+          </p:nvPr>
+        </p:nvSpPr>
+        <p:spPr/>
+        <p:txBody>
+          <a:bodyPr/>
+          <a:lstStyle/>
+          <a:p>
+            <a:fld id="{971D902E-52E4-5F4D-9A84-F04B09DBA050}" type="datetime1">
+              <a:rPr lang="en-SG" smtClean="0"/>
+              <a:t>13/11/12</a:t>
+            </a:fld>
+            <a:endParaRPr lang="en-US"/>
+          </a:p>
+        </p:txBody>
+      </p:sp>
+      <p:sp>
+        <p:nvSpPr>
+          <p:cNvPr id="5" name="Slide Number Placeholder 4"/>
+          <p:cNvSpPr>
+            <a:spLocks noGrp="1"/>
+          </p:cNvSpPr>
+          <p:nvPr>
+            <p:ph type="sldNum" sz="quarter" idx="12"/>
+          </p:nvPr>
+        </p:nvSpPr>
+        <p:spPr/>
+        <p:txBody>
+          <a:bodyPr/>
+          <a:lstStyle/>
+          <a:p>
+            <a:fld id="{9C1F5A0A-F6FC-4FFD-9B49-0DA8697211D9}" type="slidenum">
+              <a:rPr lang="en-US" smtClean="0"/>
+              <a:t>48</a:t>
+            </a:fld>
+            <a:endParaRPr lang="en-US"/>
+          </a:p>
+        </p:txBody>
+      </p:sp>
+    </p:spTree>
+    <p:extLst>
+      <p:ext uri="{BB962C8B-B14F-4D97-AF65-F5344CB8AC3E}">
+        <p14:creationId xmlns:p14="http://schemas.microsoft.com/office/powerpoint/2010/main" val="169489563"/>
+      </p:ext>
+    </p:extLst>
+  </p:cSld>
+  <p:clrMapOvr>
+    <a:masterClrMapping/>
+  </p:clrMapOvr>
+  <p:timing>
+    <p:tnLst>
+      <p:par>
+        <p:cTn xmlns:p14="http://schemas.microsoft.com/office/powerpoint/2010/main" id="1" dur="indefinite" restart="never" nodeType="tmRoot"/>
+      </p:par>
+    </p:tnLst>
+  </p:timing>
+</p:sld>
+</file>
+
+<file path=ppt/slides/slide49.xml><?xml version="1.0" encoding="utf-8"?>
+<p:sld xmlns:a="http://schemas.openxmlformats.org/drawingml/2006/main" xmlns:r="http://schemas.openxmlformats.org/officeDocument/2006/relationships" xmlns:p="http://schemas.openxmlformats.org/presentationml/2006/main">
+  <p:cSld>
+    <p:spTree>
+      <p:nvGrpSpPr>
+        <p:cNvPr id="1" name=""/>
+        <p:cNvGrpSpPr/>
+        <p:nvPr/>
+      </p:nvGrpSpPr>
+      <p:grpSpPr>
+        <a:xfrm>
+          <a:off x="0" y="0"/>
+          <a:ext cx="0" cy="0"/>
+          <a:chOff x="0" y="0"/>
+          <a:chExt cx="0" cy="0"/>
+        </a:xfrm>
+      </p:grpSpPr>
+      <p:sp>
+        <p:nvSpPr>
+          <p:cNvPr id="2" name="Title 1"/>
+          <p:cNvSpPr>
+            <a:spLocks noGrp="1"/>
+          </p:cNvSpPr>
+          <p:nvPr>
+            <p:ph type="title"/>
+          </p:nvPr>
+        </p:nvSpPr>
+        <p:spPr/>
+        <p:txBody>
+          <a:bodyPr/>
+          <a:lstStyle/>
+          <a:p>
+            <a:r>
+              <a:rPr lang="en-US" i="1" dirty="0" err="1" smtClean="0"/>
+              <a:t>LocateProv</a:t>
+            </a:r>
+            <a:r>
+              <a:rPr lang="en-US" dirty="0" smtClean="0"/>
+              <a:t> Features</a:t>
+            </a:r>
+            <a:endParaRPr lang="en-US" i="1" dirty="0"/>
+          </a:p>
+        </p:txBody>
+      </p:sp>
+      <p:sp>
+        <p:nvSpPr>
+          <p:cNvPr id="3" name="Content Placeholder 2"/>
+          <p:cNvSpPr>
+            <a:spLocks noGrp="1"/>
+          </p:cNvSpPr>
+          <p:nvPr>
+            <p:ph idx="1"/>
+          </p:nvPr>
+        </p:nvSpPr>
+        <p:spPr/>
+        <p:txBody>
+          <a:bodyPr/>
+          <a:lstStyle/>
+          <a:p>
+            <a:pPr>
+              <a:buFont typeface="Arial"/>
+              <a:buChar char="•"/>
+            </a:pPr>
+            <a:r>
+              <a:rPr lang="en-US" dirty="0" smtClean="0"/>
+              <a:t>Surface Matching</a:t>
+            </a:r>
+          </a:p>
+          <a:p>
+            <a:pPr lvl="1">
+              <a:buFont typeface="Arial"/>
+              <a:buChar char="•"/>
+            </a:pPr>
+            <a:r>
+              <a:rPr lang="en-US" dirty="0" smtClean="0"/>
+              <a:t>Amount of word overlap between the citing sentence and a fragment in the cited paper</a:t>
+            </a:r>
+          </a:p>
+          <a:p>
+            <a:pPr>
+              <a:buFont typeface="Arial"/>
+              <a:buChar char="•"/>
+            </a:pPr>
+            <a:r>
+              <a:rPr lang="en-US" dirty="0" smtClean="0"/>
+              <a:t>Number Near-Miss</a:t>
+            </a:r>
+          </a:p>
+          <a:p>
+            <a:pPr lvl="1">
+              <a:buFont typeface="Arial"/>
+              <a:buChar char="•"/>
+            </a:pPr>
+            <a:r>
+              <a:rPr lang="en-US" dirty="0" smtClean="0"/>
+              <a:t>Amount of numerical figures overlap between citing sentence and a fragment in the cited paper</a:t>
+            </a:r>
+          </a:p>
+          <a:p>
+            <a:pPr lvl="1">
+              <a:buFont typeface="Arial"/>
+              <a:buChar char="•"/>
+            </a:pPr>
+            <a:r>
+              <a:rPr lang="en-US" dirty="0" smtClean="0"/>
+              <a:t>Rounding numbers / Converting to percentage</a:t>
+            </a:r>
+          </a:p>
+          <a:p>
+            <a:pPr lvl="1">
+              <a:buFont typeface="Arial"/>
+              <a:buChar char="•"/>
+            </a:pPr>
+            <a:r>
+              <a:rPr lang="en-US" dirty="0" smtClean="0"/>
+              <a:t>Based on observations: citations may refer to evaluation refers in cited paper</a:t>
+            </a:r>
+          </a:p>
+        </p:txBody>
+      </p:sp>
+      <p:sp>
+        <p:nvSpPr>
+          <p:cNvPr id="4" name="Date Placeholder 3"/>
+          <p:cNvSpPr>
+            <a:spLocks noGrp="1"/>
+          </p:cNvSpPr>
+          <p:nvPr>
+            <p:ph type="dt" sz="half" idx="10"/>
+          </p:nvPr>
+        </p:nvSpPr>
+        <p:spPr/>
+        <p:txBody>
+          <a:bodyPr/>
+          <a:lstStyle/>
+          <a:p>
+            <a:fld id="{971D902E-52E4-5F4D-9A84-F04B09DBA050}" type="datetime1">
+              <a:rPr lang="en-SG" smtClean="0"/>
+              <a:t>13/11/12</a:t>
+            </a:fld>
+            <a:endParaRPr lang="en-US"/>
+          </a:p>
+        </p:txBody>
+      </p:sp>
+      <p:sp>
+        <p:nvSpPr>
+          <p:cNvPr id="5" name="Slide Number Placeholder 4"/>
+          <p:cNvSpPr>
+            <a:spLocks noGrp="1"/>
+          </p:cNvSpPr>
+          <p:nvPr>
+            <p:ph type="sldNum" sz="quarter" idx="12"/>
+          </p:nvPr>
+        </p:nvSpPr>
+        <p:spPr/>
+        <p:txBody>
+          <a:bodyPr/>
+          <a:lstStyle/>
+          <a:p>
+            <a:fld id="{9C1F5A0A-F6FC-4FFD-9B49-0DA8697211D9}" type="slidenum">
+              <a:rPr lang="en-US" smtClean="0"/>
+              <a:t>49</a:t>
+            </a:fld>
+            <a:endParaRPr lang="en-US"/>
+          </a:p>
+        </p:txBody>
+      </p:sp>
+    </p:spTree>
+    <p:extLst>
+      <p:ext uri="{BB962C8B-B14F-4D97-AF65-F5344CB8AC3E}">
+        <p14:creationId xmlns:p14="http://schemas.microsoft.com/office/powerpoint/2010/main" val="1435076738"/>
+      </p:ext>
+    </p:extLst>
+  </p:cSld>
+  <p:clrMapOvr>
+    <a:masterClrMapping/>
+  </p:clrMapOvr>
 </p:sld>
 </file>
 
@@ -10314,7 +14419,7 @@
           <a:p>
             <a:fld id="{147C69E3-A01A-F547-9575-0A9678504318}" type="datetime1">
               <a:rPr lang="en-SG" smtClean="0"/>
-              <a:t>9/11/12</a:t>
+              <a:t>13/11/12</a:t>
             </a:fld>
             <a:endParaRPr lang="en-US"/>
           </a:p>
@@ -10386,6 +14491,1073 @@
 </p:sld>
 </file>
 
+<file path=ppt/slides/slide50.xml><?xml version="1.0" encoding="utf-8"?>
+<p:sld xmlns:a="http://schemas.openxmlformats.org/drawingml/2006/main" xmlns:r="http://schemas.openxmlformats.org/officeDocument/2006/relationships" xmlns:p="http://schemas.openxmlformats.org/presentationml/2006/main">
+  <p:cSld>
+    <p:spTree>
+      <p:nvGrpSpPr>
+        <p:cNvPr id="1" name=""/>
+        <p:cNvGrpSpPr/>
+        <p:nvPr/>
+      </p:nvGrpSpPr>
+      <p:grpSpPr>
+        <a:xfrm>
+          <a:off x="0" y="0"/>
+          <a:ext cx="0" cy="0"/>
+          <a:chOff x="0" y="0"/>
+          <a:chExt cx="0" cy="0"/>
+        </a:xfrm>
+      </p:grpSpPr>
+      <p:sp>
+        <p:nvSpPr>
+          <p:cNvPr id="2" name="Title 1"/>
+          <p:cNvSpPr>
+            <a:spLocks noGrp="1"/>
+          </p:cNvSpPr>
+          <p:nvPr>
+            <p:ph type="title"/>
+          </p:nvPr>
+        </p:nvSpPr>
+        <p:spPr/>
+        <p:txBody>
+          <a:bodyPr/>
+          <a:lstStyle/>
+          <a:p>
+            <a:r>
+              <a:rPr lang="en-US" i="1" dirty="0" err="1" smtClean="0"/>
+              <a:t>LocateProv</a:t>
+            </a:r>
+            <a:r>
+              <a:rPr lang="en-US" dirty="0"/>
+              <a:t> </a:t>
+            </a:r>
+            <a:r>
+              <a:rPr lang="en-US" dirty="0" smtClean="0"/>
+              <a:t>Features</a:t>
+            </a:r>
+            <a:endParaRPr lang="en-US" i="1" dirty="0"/>
+          </a:p>
+        </p:txBody>
+      </p:sp>
+      <p:sp>
+        <p:nvSpPr>
+          <p:cNvPr id="3" name="Content Placeholder 2"/>
+          <p:cNvSpPr>
+            <a:spLocks noGrp="1"/>
+          </p:cNvSpPr>
+          <p:nvPr>
+            <p:ph idx="1"/>
+          </p:nvPr>
+        </p:nvSpPr>
+        <p:spPr/>
+        <p:txBody>
+          <a:bodyPr/>
+          <a:lstStyle/>
+          <a:p>
+            <a:pPr>
+              <a:buFont typeface="Arial"/>
+              <a:buChar char="•"/>
+            </a:pPr>
+            <a:r>
+              <a:rPr lang="en-US" dirty="0" smtClean="0"/>
+              <a:t>Bigram Matching</a:t>
+            </a:r>
+          </a:p>
+          <a:p>
+            <a:pPr lvl="1">
+              <a:buFont typeface="Arial"/>
+              <a:buChar char="•"/>
+            </a:pPr>
+            <a:r>
+              <a:rPr lang="en-US" dirty="0" smtClean="0"/>
+              <a:t>Percentage of bigrams overlap between citing sentence and a fragment in the cited paper</a:t>
+            </a:r>
+          </a:p>
+          <a:p>
+            <a:pPr lvl="1">
+              <a:buFont typeface="Arial"/>
+              <a:buChar char="•"/>
+            </a:pPr>
+            <a:r>
+              <a:rPr lang="en-US" dirty="0" smtClean="0"/>
+              <a:t>Word order</a:t>
+            </a:r>
+          </a:p>
+          <a:p>
+            <a:pPr lvl="1">
+              <a:buFont typeface="Arial"/>
+              <a:buChar char="•"/>
+            </a:pPr>
+            <a:r>
+              <a:rPr lang="en-US" dirty="0" smtClean="0"/>
+              <a:t>Term definition and quote</a:t>
+            </a:r>
+          </a:p>
+          <a:p>
+            <a:pPr>
+              <a:buFont typeface="Arial"/>
+              <a:buChar char="•"/>
+            </a:pPr>
+            <a:r>
+              <a:rPr lang="en-US" dirty="0" smtClean="0"/>
+              <a:t>Cosine Similarity</a:t>
+            </a:r>
+          </a:p>
+          <a:p>
+            <a:pPr lvl="1">
+              <a:buFont typeface="Arial"/>
+              <a:buChar char="•"/>
+            </a:pPr>
+            <a:r>
+              <a:rPr lang="en-US" dirty="0" smtClean="0"/>
+              <a:t>Model citing sentence and fragment into vectors</a:t>
+            </a:r>
+          </a:p>
+          <a:p>
+            <a:pPr lvl="1">
+              <a:buFont typeface="Arial"/>
+              <a:buChar char="•"/>
+            </a:pPr>
+            <a:r>
+              <a:rPr lang="en-US" dirty="0" smtClean="0"/>
+              <a:t>Similarity between the 2 vectors</a:t>
+            </a:r>
+            <a:endParaRPr lang="en-US" dirty="0"/>
+          </a:p>
+        </p:txBody>
+      </p:sp>
+      <p:sp>
+        <p:nvSpPr>
+          <p:cNvPr id="4" name="Date Placeholder 3"/>
+          <p:cNvSpPr>
+            <a:spLocks noGrp="1"/>
+          </p:cNvSpPr>
+          <p:nvPr>
+            <p:ph type="dt" sz="half" idx="10"/>
+          </p:nvPr>
+        </p:nvSpPr>
+        <p:spPr/>
+        <p:txBody>
+          <a:bodyPr/>
+          <a:lstStyle/>
+          <a:p>
+            <a:fld id="{971D902E-52E4-5F4D-9A84-F04B09DBA050}" type="datetime1">
+              <a:rPr lang="en-SG" smtClean="0"/>
+              <a:t>13/11/12</a:t>
+            </a:fld>
+            <a:endParaRPr lang="en-US"/>
+          </a:p>
+        </p:txBody>
+      </p:sp>
+      <p:sp>
+        <p:nvSpPr>
+          <p:cNvPr id="5" name="Slide Number Placeholder 4"/>
+          <p:cNvSpPr>
+            <a:spLocks noGrp="1"/>
+          </p:cNvSpPr>
+          <p:nvPr>
+            <p:ph type="sldNum" sz="quarter" idx="12"/>
+          </p:nvPr>
+        </p:nvSpPr>
+        <p:spPr/>
+        <p:txBody>
+          <a:bodyPr/>
+          <a:lstStyle/>
+          <a:p>
+            <a:fld id="{9C1F5A0A-F6FC-4FFD-9B49-0DA8697211D9}" type="slidenum">
+              <a:rPr lang="en-US" smtClean="0"/>
+              <a:t>50</a:t>
+            </a:fld>
+            <a:endParaRPr lang="en-US"/>
+          </a:p>
+        </p:txBody>
+      </p:sp>
+    </p:spTree>
+    <p:extLst>
+      <p:ext uri="{BB962C8B-B14F-4D97-AF65-F5344CB8AC3E}">
+        <p14:creationId xmlns:p14="http://schemas.microsoft.com/office/powerpoint/2010/main" val="2204461965"/>
+      </p:ext>
+    </p:extLst>
+  </p:cSld>
+  <p:clrMapOvr>
+    <a:masterClrMapping/>
+  </p:clrMapOvr>
+</p:sld>
+</file>
+
+<file path=ppt/slides/slide51.xml><?xml version="1.0" encoding="utf-8"?>
+<p:sld xmlns:a="http://schemas.openxmlformats.org/drawingml/2006/main" xmlns:r="http://schemas.openxmlformats.org/officeDocument/2006/relationships" xmlns:p="http://schemas.openxmlformats.org/presentationml/2006/main">
+  <p:cSld>
+    <p:spTree>
+      <p:nvGrpSpPr>
+        <p:cNvPr id="1" name=""/>
+        <p:cNvGrpSpPr/>
+        <p:nvPr/>
+      </p:nvGrpSpPr>
+      <p:grpSpPr>
+        <a:xfrm>
+          <a:off x="0" y="0"/>
+          <a:ext cx="0" cy="0"/>
+          <a:chOff x="0" y="0"/>
+          <a:chExt cx="0" cy="0"/>
+        </a:xfrm>
+      </p:grpSpPr>
+      <p:sp>
+        <p:nvSpPr>
+          <p:cNvPr id="2" name="Title 1"/>
+          <p:cNvSpPr>
+            <a:spLocks noGrp="1"/>
+          </p:cNvSpPr>
+          <p:nvPr>
+            <p:ph type="title"/>
+          </p:nvPr>
+        </p:nvSpPr>
+        <p:spPr/>
+        <p:txBody>
+          <a:bodyPr/>
+          <a:lstStyle/>
+          <a:p>
+            <a:r>
+              <a:rPr lang="en-US" dirty="0" smtClean="0"/>
+              <a:t>Building </a:t>
+            </a:r>
+            <a:r>
+              <a:rPr lang="en-US" i="1" dirty="0" err="1" smtClean="0"/>
+              <a:t>LocateProv</a:t>
+            </a:r>
+            <a:r>
+              <a:rPr lang="en-US" dirty="0" smtClean="0"/>
+              <a:t> Model</a:t>
+            </a:r>
+            <a:endParaRPr lang="en-US" dirty="0"/>
+          </a:p>
+        </p:txBody>
+      </p:sp>
+      <p:sp>
+        <p:nvSpPr>
+          <p:cNvPr id="3" name="Content Placeholder 2"/>
+          <p:cNvSpPr>
+            <a:spLocks noGrp="1"/>
+          </p:cNvSpPr>
+          <p:nvPr>
+            <p:ph idx="1"/>
+          </p:nvPr>
+        </p:nvSpPr>
+        <p:spPr/>
+        <p:txBody>
+          <a:bodyPr/>
+          <a:lstStyle/>
+          <a:p>
+            <a:pPr>
+              <a:buFont typeface="Arial"/>
+              <a:buChar char="•"/>
+            </a:pPr>
+            <a:r>
+              <a:rPr lang="en-US" dirty="0" smtClean="0"/>
+              <a:t>Skewed data again</a:t>
+            </a:r>
+          </a:p>
+          <a:p>
+            <a:pPr>
+              <a:buFont typeface="Arial"/>
+              <a:buChar char="•"/>
+            </a:pPr>
+            <a:r>
+              <a:rPr lang="en-US" dirty="0" smtClean="0"/>
+              <a:t>1:1 Specific-Yes </a:t>
+            </a:r>
+            <a:r>
+              <a:rPr lang="en-US" dirty="0" err="1" smtClean="0"/>
+              <a:t>vs</a:t>
+            </a:r>
+            <a:r>
+              <a:rPr lang="en-US" dirty="0" smtClean="0"/>
+              <a:t> Specific-No</a:t>
+            </a:r>
+          </a:p>
+          <a:p>
+            <a:pPr marL="0" indent="0">
+              <a:buNone/>
+            </a:pPr>
+            <a:endParaRPr lang="en-US" dirty="0"/>
+          </a:p>
+        </p:txBody>
+      </p:sp>
+      <p:sp>
+        <p:nvSpPr>
+          <p:cNvPr id="4" name="Date Placeholder 3"/>
+          <p:cNvSpPr>
+            <a:spLocks noGrp="1"/>
+          </p:cNvSpPr>
+          <p:nvPr>
+            <p:ph type="dt" sz="half" idx="10"/>
+          </p:nvPr>
+        </p:nvSpPr>
+        <p:spPr/>
+        <p:txBody>
+          <a:bodyPr/>
+          <a:lstStyle/>
+          <a:p>
+            <a:fld id="{971D902E-52E4-5F4D-9A84-F04B09DBA050}" type="datetime1">
+              <a:rPr lang="en-SG" smtClean="0"/>
+              <a:t>13/11/12</a:t>
+            </a:fld>
+            <a:endParaRPr lang="en-US"/>
+          </a:p>
+        </p:txBody>
+      </p:sp>
+      <p:sp>
+        <p:nvSpPr>
+          <p:cNvPr id="5" name="Slide Number Placeholder 4"/>
+          <p:cNvSpPr>
+            <a:spLocks noGrp="1"/>
+          </p:cNvSpPr>
+          <p:nvPr>
+            <p:ph type="sldNum" sz="quarter" idx="12"/>
+          </p:nvPr>
+        </p:nvSpPr>
+        <p:spPr/>
+        <p:txBody>
+          <a:bodyPr/>
+          <a:lstStyle/>
+          <a:p>
+            <a:fld id="{9C1F5A0A-F6FC-4FFD-9B49-0DA8697211D9}" type="slidenum">
+              <a:rPr lang="en-US" smtClean="0"/>
+              <a:t>51</a:t>
+            </a:fld>
+            <a:endParaRPr lang="en-US"/>
+          </a:p>
+        </p:txBody>
+      </p:sp>
+    </p:spTree>
+    <p:extLst>
+      <p:ext uri="{BB962C8B-B14F-4D97-AF65-F5344CB8AC3E}">
+        <p14:creationId xmlns:p14="http://schemas.microsoft.com/office/powerpoint/2010/main" val="72653406"/>
+      </p:ext>
+    </p:extLst>
+  </p:cSld>
+  <p:clrMapOvr>
+    <a:masterClrMapping/>
+  </p:clrMapOvr>
+</p:sld>
+</file>
+
+<file path=ppt/slides/slide52.xml><?xml version="1.0" encoding="utf-8"?>
+<p:sld xmlns:a="http://schemas.openxmlformats.org/drawingml/2006/main" xmlns:r="http://schemas.openxmlformats.org/officeDocument/2006/relationships" xmlns:p="http://schemas.openxmlformats.org/presentationml/2006/main">
+  <p:cSld>
+    <p:spTree>
+      <p:nvGrpSpPr>
+        <p:cNvPr id="1" name=""/>
+        <p:cNvGrpSpPr/>
+        <p:nvPr/>
+      </p:nvGrpSpPr>
+      <p:grpSpPr>
+        <a:xfrm>
+          <a:off x="0" y="0"/>
+          <a:ext cx="0" cy="0"/>
+          <a:chOff x="0" y="0"/>
+          <a:chExt cx="0" cy="0"/>
+        </a:xfrm>
+      </p:grpSpPr>
+      <p:sp>
+        <p:nvSpPr>
+          <p:cNvPr id="6" name="Title 5"/>
+          <p:cNvSpPr>
+            <a:spLocks noGrp="1"/>
+          </p:cNvSpPr>
+          <p:nvPr>
+            <p:ph type="ctrTitle"/>
+          </p:nvPr>
+        </p:nvSpPr>
+        <p:spPr/>
+        <p:txBody>
+          <a:bodyPr/>
+          <a:lstStyle/>
+          <a:p>
+            <a:r>
+              <a:rPr lang="en-US" dirty="0" smtClean="0"/>
+              <a:t>Evaluation</a:t>
+            </a:r>
+            <a:endParaRPr lang="en-US" dirty="0"/>
+          </a:p>
+        </p:txBody>
+      </p:sp>
+      <p:sp>
+        <p:nvSpPr>
+          <p:cNvPr id="7" name="Subtitle 6"/>
+          <p:cNvSpPr>
+            <a:spLocks noGrp="1"/>
+          </p:cNvSpPr>
+          <p:nvPr>
+            <p:ph type="subTitle" idx="1"/>
+          </p:nvPr>
+        </p:nvSpPr>
+        <p:spPr/>
+        <p:txBody>
+          <a:bodyPr/>
+          <a:lstStyle/>
+          <a:p>
+            <a:endParaRPr lang="en-US"/>
+          </a:p>
+        </p:txBody>
+      </p:sp>
+      <p:sp>
+        <p:nvSpPr>
+          <p:cNvPr id="4" name="Date Placeholder 3"/>
+          <p:cNvSpPr>
+            <a:spLocks noGrp="1"/>
+          </p:cNvSpPr>
+          <p:nvPr>
+            <p:ph type="dt" sz="half" idx="10"/>
+          </p:nvPr>
+        </p:nvSpPr>
+        <p:spPr/>
+        <p:txBody>
+          <a:bodyPr/>
+          <a:lstStyle/>
+          <a:p>
+            <a:fld id="{971D902E-52E4-5F4D-9A84-F04B09DBA050}" type="datetime1">
+              <a:rPr lang="en-SG" smtClean="0"/>
+              <a:t>13/11/12</a:t>
+            </a:fld>
+            <a:endParaRPr lang="en-US"/>
+          </a:p>
+        </p:txBody>
+      </p:sp>
+      <p:sp>
+        <p:nvSpPr>
+          <p:cNvPr id="5" name="Slide Number Placeholder 4"/>
+          <p:cNvSpPr>
+            <a:spLocks noGrp="1"/>
+          </p:cNvSpPr>
+          <p:nvPr>
+            <p:ph type="sldNum" sz="quarter" idx="12"/>
+          </p:nvPr>
+        </p:nvSpPr>
+        <p:spPr/>
+        <p:txBody>
+          <a:bodyPr/>
+          <a:lstStyle/>
+          <a:p>
+            <a:fld id="{9C1F5A0A-F6FC-4FFD-9B49-0DA8697211D9}" type="slidenum">
+              <a:rPr lang="en-US" smtClean="0"/>
+              <a:t>52</a:t>
+            </a:fld>
+            <a:endParaRPr lang="en-US"/>
+          </a:p>
+        </p:txBody>
+      </p:sp>
+    </p:spTree>
+    <p:extLst>
+      <p:ext uri="{BB962C8B-B14F-4D97-AF65-F5344CB8AC3E}">
+        <p14:creationId xmlns:p14="http://schemas.microsoft.com/office/powerpoint/2010/main" val="4209635749"/>
+      </p:ext>
+    </p:extLst>
+  </p:cSld>
+  <p:clrMapOvr>
+    <a:masterClrMapping/>
+  </p:clrMapOvr>
+</p:sld>
+</file>
+
+<file path=ppt/slides/slide53.xml><?xml version="1.0" encoding="utf-8"?>
+<p:sld xmlns:a="http://schemas.openxmlformats.org/drawingml/2006/main" xmlns:r="http://schemas.openxmlformats.org/officeDocument/2006/relationships" xmlns:p="http://schemas.openxmlformats.org/presentationml/2006/main">
+  <p:cSld>
+    <p:spTree>
+      <p:nvGrpSpPr>
+        <p:cNvPr id="1" name=""/>
+        <p:cNvGrpSpPr/>
+        <p:nvPr/>
+      </p:nvGrpSpPr>
+      <p:grpSpPr>
+        <a:xfrm>
+          <a:off x="0" y="0"/>
+          <a:ext cx="0" cy="0"/>
+          <a:chOff x="0" y="0"/>
+          <a:chExt cx="0" cy="0"/>
+        </a:xfrm>
+      </p:grpSpPr>
+      <p:sp>
+        <p:nvSpPr>
+          <p:cNvPr id="2" name="Title 1"/>
+          <p:cNvSpPr>
+            <a:spLocks noGrp="1"/>
+          </p:cNvSpPr>
+          <p:nvPr>
+            <p:ph type="title"/>
+          </p:nvPr>
+        </p:nvSpPr>
+        <p:spPr/>
+        <p:txBody>
+          <a:bodyPr/>
+          <a:lstStyle/>
+          <a:p>
+            <a:r>
+              <a:rPr lang="en-US" dirty="0" smtClean="0"/>
+              <a:t>Evaluating </a:t>
+            </a:r>
+            <a:r>
+              <a:rPr lang="en-US" i="1" dirty="0" err="1" smtClean="0"/>
+              <a:t>GvS</a:t>
+            </a:r>
+            <a:endParaRPr lang="en-US" i="1" dirty="0"/>
+          </a:p>
+        </p:txBody>
+      </p:sp>
+      <p:sp>
+        <p:nvSpPr>
+          <p:cNvPr id="3" name="Content Placeholder 2"/>
+          <p:cNvSpPr>
+            <a:spLocks noGrp="1"/>
+          </p:cNvSpPr>
+          <p:nvPr>
+            <p:ph idx="1"/>
+          </p:nvPr>
+        </p:nvSpPr>
+        <p:spPr/>
+        <p:txBody>
+          <a:bodyPr/>
+          <a:lstStyle/>
+          <a:p>
+            <a:endParaRPr lang="en-US"/>
+          </a:p>
+        </p:txBody>
+      </p:sp>
+      <p:sp>
+        <p:nvSpPr>
+          <p:cNvPr id="4" name="Date Placeholder 3"/>
+          <p:cNvSpPr>
+            <a:spLocks noGrp="1"/>
+          </p:cNvSpPr>
+          <p:nvPr>
+            <p:ph type="dt" sz="half" idx="10"/>
+          </p:nvPr>
+        </p:nvSpPr>
+        <p:spPr/>
+        <p:txBody>
+          <a:bodyPr/>
+          <a:lstStyle/>
+          <a:p>
+            <a:fld id="{971D902E-52E4-5F4D-9A84-F04B09DBA050}" type="datetime1">
+              <a:rPr lang="en-SG" smtClean="0"/>
+              <a:t>13/11/12</a:t>
+            </a:fld>
+            <a:endParaRPr lang="en-US"/>
+          </a:p>
+        </p:txBody>
+      </p:sp>
+      <p:sp>
+        <p:nvSpPr>
+          <p:cNvPr id="5" name="Slide Number Placeholder 4"/>
+          <p:cNvSpPr>
+            <a:spLocks noGrp="1"/>
+          </p:cNvSpPr>
+          <p:nvPr>
+            <p:ph type="sldNum" sz="quarter" idx="12"/>
+          </p:nvPr>
+        </p:nvSpPr>
+        <p:spPr/>
+        <p:txBody>
+          <a:bodyPr/>
+          <a:lstStyle/>
+          <a:p>
+            <a:fld id="{9C1F5A0A-F6FC-4FFD-9B49-0DA8697211D9}" type="slidenum">
+              <a:rPr lang="en-US" smtClean="0"/>
+              <a:t>53</a:t>
+            </a:fld>
+            <a:endParaRPr lang="en-US"/>
+          </a:p>
+        </p:txBody>
+      </p:sp>
+    </p:spTree>
+    <p:extLst>
+      <p:ext uri="{BB962C8B-B14F-4D97-AF65-F5344CB8AC3E}">
+        <p14:creationId xmlns:p14="http://schemas.microsoft.com/office/powerpoint/2010/main" val="2002842636"/>
+      </p:ext>
+    </p:extLst>
+  </p:cSld>
+  <p:clrMapOvr>
+    <a:masterClrMapping/>
+  </p:clrMapOvr>
+</p:sld>
+</file>
+
+<file path=ppt/slides/slide54.xml><?xml version="1.0" encoding="utf-8"?>
+<p:sld xmlns:a="http://schemas.openxmlformats.org/drawingml/2006/main" xmlns:r="http://schemas.openxmlformats.org/officeDocument/2006/relationships" xmlns:p="http://schemas.openxmlformats.org/presentationml/2006/main">
+  <p:cSld>
+    <p:spTree>
+      <p:nvGrpSpPr>
+        <p:cNvPr id="1" name=""/>
+        <p:cNvGrpSpPr/>
+        <p:nvPr/>
+      </p:nvGrpSpPr>
+      <p:grpSpPr>
+        <a:xfrm>
+          <a:off x="0" y="0"/>
+          <a:ext cx="0" cy="0"/>
+          <a:chOff x="0" y="0"/>
+          <a:chExt cx="0" cy="0"/>
+        </a:xfrm>
+      </p:grpSpPr>
+      <p:sp>
+        <p:nvSpPr>
+          <p:cNvPr id="2" name="Title 1"/>
+          <p:cNvSpPr>
+            <a:spLocks noGrp="1"/>
+          </p:cNvSpPr>
+          <p:nvPr>
+            <p:ph type="title"/>
+          </p:nvPr>
+        </p:nvSpPr>
+        <p:spPr/>
+        <p:txBody>
+          <a:bodyPr/>
+          <a:lstStyle/>
+          <a:p>
+            <a:r>
+              <a:rPr lang="en-US" dirty="0" smtClean="0"/>
+              <a:t>Evaluating </a:t>
+            </a:r>
+            <a:r>
+              <a:rPr lang="en-US" i="1" dirty="0" err="1" smtClean="0"/>
+              <a:t>LocateProv</a:t>
+            </a:r>
+            <a:endParaRPr lang="en-US" i="1" dirty="0"/>
+          </a:p>
+        </p:txBody>
+      </p:sp>
+      <p:sp>
+        <p:nvSpPr>
+          <p:cNvPr id="3" name="Content Placeholder 2"/>
+          <p:cNvSpPr>
+            <a:spLocks noGrp="1"/>
+          </p:cNvSpPr>
+          <p:nvPr>
+            <p:ph idx="1"/>
+          </p:nvPr>
+        </p:nvSpPr>
+        <p:spPr/>
+        <p:txBody>
+          <a:bodyPr/>
+          <a:lstStyle/>
+          <a:p>
+            <a:endParaRPr lang="en-US"/>
+          </a:p>
+        </p:txBody>
+      </p:sp>
+      <p:sp>
+        <p:nvSpPr>
+          <p:cNvPr id="4" name="Date Placeholder 3"/>
+          <p:cNvSpPr>
+            <a:spLocks noGrp="1"/>
+          </p:cNvSpPr>
+          <p:nvPr>
+            <p:ph type="dt" sz="half" idx="10"/>
+          </p:nvPr>
+        </p:nvSpPr>
+        <p:spPr/>
+        <p:txBody>
+          <a:bodyPr/>
+          <a:lstStyle/>
+          <a:p>
+            <a:fld id="{971D902E-52E4-5F4D-9A84-F04B09DBA050}" type="datetime1">
+              <a:rPr lang="en-SG" smtClean="0"/>
+              <a:t>13/11/12</a:t>
+            </a:fld>
+            <a:endParaRPr lang="en-US"/>
+          </a:p>
+        </p:txBody>
+      </p:sp>
+      <p:sp>
+        <p:nvSpPr>
+          <p:cNvPr id="5" name="Slide Number Placeholder 4"/>
+          <p:cNvSpPr>
+            <a:spLocks noGrp="1"/>
+          </p:cNvSpPr>
+          <p:nvPr>
+            <p:ph type="sldNum" sz="quarter" idx="12"/>
+          </p:nvPr>
+        </p:nvSpPr>
+        <p:spPr/>
+        <p:txBody>
+          <a:bodyPr/>
+          <a:lstStyle/>
+          <a:p>
+            <a:fld id="{9C1F5A0A-F6FC-4FFD-9B49-0DA8697211D9}" type="slidenum">
+              <a:rPr lang="en-US" smtClean="0"/>
+              <a:t>54</a:t>
+            </a:fld>
+            <a:endParaRPr lang="en-US"/>
+          </a:p>
+        </p:txBody>
+      </p:sp>
+    </p:spTree>
+    <p:extLst>
+      <p:ext uri="{BB962C8B-B14F-4D97-AF65-F5344CB8AC3E}">
+        <p14:creationId xmlns:p14="http://schemas.microsoft.com/office/powerpoint/2010/main" val="2543818494"/>
+      </p:ext>
+    </p:extLst>
+  </p:cSld>
+  <p:clrMapOvr>
+    <a:masterClrMapping/>
+  </p:clrMapOvr>
+</p:sld>
+</file>
+
+<file path=ppt/slides/slide55.xml><?xml version="1.0" encoding="utf-8"?>
+<p:sld xmlns:a="http://schemas.openxmlformats.org/drawingml/2006/main" xmlns:r="http://schemas.openxmlformats.org/officeDocument/2006/relationships" xmlns:p="http://schemas.openxmlformats.org/presentationml/2006/main">
+  <p:cSld>
+    <p:spTree>
+      <p:nvGrpSpPr>
+        <p:cNvPr id="1" name=""/>
+        <p:cNvGrpSpPr/>
+        <p:nvPr/>
+      </p:nvGrpSpPr>
+      <p:grpSpPr>
+        <a:xfrm>
+          <a:off x="0" y="0"/>
+          <a:ext cx="0" cy="0"/>
+          <a:chOff x="0" y="0"/>
+          <a:chExt cx="0" cy="0"/>
+        </a:xfrm>
+      </p:grpSpPr>
+      <p:sp>
+        <p:nvSpPr>
+          <p:cNvPr id="2" name="Title 1"/>
+          <p:cNvSpPr>
+            <a:spLocks noGrp="1"/>
+          </p:cNvSpPr>
+          <p:nvPr>
+            <p:ph type="title"/>
+          </p:nvPr>
+        </p:nvSpPr>
+        <p:spPr/>
+        <p:txBody>
+          <a:bodyPr/>
+          <a:lstStyle/>
+          <a:p>
+            <a:r>
+              <a:rPr lang="en-US" dirty="0" smtClean="0"/>
+              <a:t>Discussion</a:t>
+            </a:r>
+            <a:endParaRPr lang="en-US" dirty="0"/>
+          </a:p>
+        </p:txBody>
+      </p:sp>
+      <p:sp>
+        <p:nvSpPr>
+          <p:cNvPr id="3" name="Content Placeholder 2"/>
+          <p:cNvSpPr>
+            <a:spLocks noGrp="1"/>
+          </p:cNvSpPr>
+          <p:nvPr>
+            <p:ph idx="1"/>
+          </p:nvPr>
+        </p:nvSpPr>
+        <p:spPr/>
+        <p:txBody>
+          <a:bodyPr/>
+          <a:lstStyle/>
+          <a:p>
+            <a:endParaRPr lang="en-US"/>
+          </a:p>
+        </p:txBody>
+      </p:sp>
+      <p:sp>
+        <p:nvSpPr>
+          <p:cNvPr id="4" name="Date Placeholder 3"/>
+          <p:cNvSpPr>
+            <a:spLocks noGrp="1"/>
+          </p:cNvSpPr>
+          <p:nvPr>
+            <p:ph type="dt" sz="half" idx="10"/>
+          </p:nvPr>
+        </p:nvSpPr>
+        <p:spPr/>
+        <p:txBody>
+          <a:bodyPr/>
+          <a:lstStyle/>
+          <a:p>
+            <a:fld id="{971D902E-52E4-5F4D-9A84-F04B09DBA050}" type="datetime1">
+              <a:rPr lang="en-SG" smtClean="0"/>
+              <a:t>13/11/12</a:t>
+            </a:fld>
+            <a:endParaRPr lang="en-US"/>
+          </a:p>
+        </p:txBody>
+      </p:sp>
+      <p:sp>
+        <p:nvSpPr>
+          <p:cNvPr id="5" name="Slide Number Placeholder 4"/>
+          <p:cNvSpPr>
+            <a:spLocks noGrp="1"/>
+          </p:cNvSpPr>
+          <p:nvPr>
+            <p:ph type="sldNum" sz="quarter" idx="12"/>
+          </p:nvPr>
+        </p:nvSpPr>
+        <p:spPr/>
+        <p:txBody>
+          <a:bodyPr/>
+          <a:lstStyle/>
+          <a:p>
+            <a:fld id="{9C1F5A0A-F6FC-4FFD-9B49-0DA8697211D9}" type="slidenum">
+              <a:rPr lang="en-US" smtClean="0"/>
+              <a:t>55</a:t>
+            </a:fld>
+            <a:endParaRPr lang="en-US"/>
+          </a:p>
+        </p:txBody>
+      </p:sp>
+    </p:spTree>
+    <p:extLst>
+      <p:ext uri="{BB962C8B-B14F-4D97-AF65-F5344CB8AC3E}">
+        <p14:creationId xmlns:p14="http://schemas.microsoft.com/office/powerpoint/2010/main" val="4290943997"/>
+      </p:ext>
+    </p:extLst>
+  </p:cSld>
+  <p:clrMapOvr>
+    <a:masterClrMapping/>
+  </p:clrMapOvr>
+</p:sld>
+</file>
+
+<file path=ppt/slides/slide56.xml><?xml version="1.0" encoding="utf-8"?>
+<p:sld xmlns:a="http://schemas.openxmlformats.org/drawingml/2006/main" xmlns:r="http://schemas.openxmlformats.org/officeDocument/2006/relationships" xmlns:p="http://schemas.openxmlformats.org/presentationml/2006/main">
+  <p:cSld>
+    <p:spTree>
+      <p:nvGrpSpPr>
+        <p:cNvPr id="1" name=""/>
+        <p:cNvGrpSpPr/>
+        <p:nvPr/>
+      </p:nvGrpSpPr>
+      <p:grpSpPr>
+        <a:xfrm>
+          <a:off x="0" y="0"/>
+          <a:ext cx="0" cy="0"/>
+          <a:chOff x="0" y="0"/>
+          <a:chExt cx="0" cy="0"/>
+        </a:xfrm>
+      </p:grpSpPr>
+      <p:sp>
+        <p:nvSpPr>
+          <p:cNvPr id="2" name="Title 1"/>
+          <p:cNvSpPr>
+            <a:spLocks noGrp="1"/>
+          </p:cNvSpPr>
+          <p:nvPr>
+            <p:ph type="title"/>
+          </p:nvPr>
+        </p:nvSpPr>
+        <p:spPr/>
+        <p:txBody>
+          <a:bodyPr/>
+          <a:lstStyle/>
+          <a:p>
+            <a:r>
+              <a:rPr lang="en-US" dirty="0" smtClean="0"/>
+              <a:t>Conclusion</a:t>
+            </a:r>
+            <a:endParaRPr lang="en-US" dirty="0"/>
+          </a:p>
+        </p:txBody>
+      </p:sp>
+      <p:sp>
+        <p:nvSpPr>
+          <p:cNvPr id="3" name="Content Placeholder 2"/>
+          <p:cNvSpPr>
+            <a:spLocks noGrp="1"/>
+          </p:cNvSpPr>
+          <p:nvPr>
+            <p:ph idx="1"/>
+          </p:nvPr>
+        </p:nvSpPr>
+        <p:spPr/>
+        <p:txBody>
+          <a:bodyPr/>
+          <a:lstStyle/>
+          <a:p>
+            <a:endParaRPr lang="en-US"/>
+          </a:p>
+        </p:txBody>
+      </p:sp>
+      <p:sp>
+        <p:nvSpPr>
+          <p:cNvPr id="4" name="Date Placeholder 3"/>
+          <p:cNvSpPr>
+            <a:spLocks noGrp="1"/>
+          </p:cNvSpPr>
+          <p:nvPr>
+            <p:ph type="dt" sz="half" idx="10"/>
+          </p:nvPr>
+        </p:nvSpPr>
+        <p:spPr/>
+        <p:txBody>
+          <a:bodyPr/>
+          <a:lstStyle/>
+          <a:p>
+            <a:fld id="{971D902E-52E4-5F4D-9A84-F04B09DBA050}" type="datetime1">
+              <a:rPr lang="en-SG" smtClean="0"/>
+              <a:t>13/11/12</a:t>
+            </a:fld>
+            <a:endParaRPr lang="en-US"/>
+          </a:p>
+        </p:txBody>
+      </p:sp>
+      <p:sp>
+        <p:nvSpPr>
+          <p:cNvPr id="5" name="Slide Number Placeholder 4"/>
+          <p:cNvSpPr>
+            <a:spLocks noGrp="1"/>
+          </p:cNvSpPr>
+          <p:nvPr>
+            <p:ph type="sldNum" sz="quarter" idx="12"/>
+          </p:nvPr>
+        </p:nvSpPr>
+        <p:spPr/>
+        <p:txBody>
+          <a:bodyPr/>
+          <a:lstStyle/>
+          <a:p>
+            <a:fld id="{9C1F5A0A-F6FC-4FFD-9B49-0DA8697211D9}" type="slidenum">
+              <a:rPr lang="en-US" smtClean="0"/>
+              <a:t>56</a:t>
+            </a:fld>
+            <a:endParaRPr lang="en-US"/>
+          </a:p>
+        </p:txBody>
+      </p:sp>
+    </p:spTree>
+    <p:extLst>
+      <p:ext uri="{BB962C8B-B14F-4D97-AF65-F5344CB8AC3E}">
+        <p14:creationId xmlns:p14="http://schemas.microsoft.com/office/powerpoint/2010/main" val="3154137916"/>
+      </p:ext>
+    </p:extLst>
+  </p:cSld>
+  <p:clrMapOvr>
+    <a:masterClrMapping/>
+  </p:clrMapOvr>
+</p:sld>
+</file>
+
+<file path=ppt/slides/slide57.xml><?xml version="1.0" encoding="utf-8"?>
+<p:sld xmlns:a="http://schemas.openxmlformats.org/drawingml/2006/main" xmlns:r="http://schemas.openxmlformats.org/officeDocument/2006/relationships" xmlns:p="http://schemas.openxmlformats.org/presentationml/2006/main">
+  <p:cSld>
+    <p:spTree>
+      <p:nvGrpSpPr>
+        <p:cNvPr id="1" name=""/>
+        <p:cNvGrpSpPr/>
+        <p:nvPr/>
+      </p:nvGrpSpPr>
+      <p:grpSpPr>
+        <a:xfrm>
+          <a:off x="0" y="0"/>
+          <a:ext cx="0" cy="0"/>
+          <a:chOff x="0" y="0"/>
+          <a:chExt cx="0" cy="0"/>
+        </a:xfrm>
+      </p:grpSpPr>
+      <p:sp>
+        <p:nvSpPr>
+          <p:cNvPr id="6" name="Title 5"/>
+          <p:cNvSpPr>
+            <a:spLocks noGrp="1"/>
+          </p:cNvSpPr>
+          <p:nvPr>
+            <p:ph type="ctrTitle"/>
+          </p:nvPr>
+        </p:nvSpPr>
+        <p:spPr/>
+        <p:txBody>
+          <a:bodyPr/>
+          <a:lstStyle/>
+          <a:p>
+            <a:r>
+              <a:rPr lang="en-US" dirty="0" smtClean="0"/>
+              <a:t>Thank You</a:t>
+            </a:r>
+            <a:endParaRPr lang="en-US" dirty="0"/>
+          </a:p>
+        </p:txBody>
+      </p:sp>
+      <p:sp>
+        <p:nvSpPr>
+          <p:cNvPr id="7" name="Subtitle 6"/>
+          <p:cNvSpPr>
+            <a:spLocks noGrp="1"/>
+          </p:cNvSpPr>
+          <p:nvPr>
+            <p:ph type="subTitle" idx="1"/>
+          </p:nvPr>
+        </p:nvSpPr>
+        <p:spPr/>
+        <p:txBody>
+          <a:bodyPr/>
+          <a:lstStyle/>
+          <a:p>
+            <a:endParaRPr lang="en-US"/>
+          </a:p>
+        </p:txBody>
+      </p:sp>
+      <p:sp>
+        <p:nvSpPr>
+          <p:cNvPr id="4" name="Date Placeholder 3"/>
+          <p:cNvSpPr>
+            <a:spLocks noGrp="1"/>
+          </p:cNvSpPr>
+          <p:nvPr>
+            <p:ph type="dt" sz="half" idx="10"/>
+          </p:nvPr>
+        </p:nvSpPr>
+        <p:spPr/>
+        <p:txBody>
+          <a:bodyPr/>
+          <a:lstStyle/>
+          <a:p>
+            <a:fld id="{971D902E-52E4-5F4D-9A84-F04B09DBA050}" type="datetime1">
+              <a:rPr lang="en-SG" smtClean="0"/>
+              <a:t>13/11/12</a:t>
+            </a:fld>
+            <a:endParaRPr lang="en-US"/>
+          </a:p>
+        </p:txBody>
+      </p:sp>
+      <p:sp>
+        <p:nvSpPr>
+          <p:cNvPr id="5" name="Slide Number Placeholder 4"/>
+          <p:cNvSpPr>
+            <a:spLocks noGrp="1"/>
+          </p:cNvSpPr>
+          <p:nvPr>
+            <p:ph type="sldNum" sz="quarter" idx="12"/>
+          </p:nvPr>
+        </p:nvSpPr>
+        <p:spPr/>
+        <p:txBody>
+          <a:bodyPr/>
+          <a:lstStyle/>
+          <a:p>
+            <a:fld id="{9C1F5A0A-F6FC-4FFD-9B49-0DA8697211D9}" type="slidenum">
+              <a:rPr lang="en-US" smtClean="0"/>
+              <a:t>57</a:t>
+            </a:fld>
+            <a:endParaRPr lang="en-US"/>
+          </a:p>
+        </p:txBody>
+      </p:sp>
+    </p:spTree>
+    <p:extLst>
+      <p:ext uri="{BB962C8B-B14F-4D97-AF65-F5344CB8AC3E}">
+        <p14:creationId xmlns:p14="http://schemas.microsoft.com/office/powerpoint/2010/main" val="834116940"/>
+      </p:ext>
+    </p:extLst>
+  </p:cSld>
+  <p:clrMapOvr>
+    <a:masterClrMapping/>
+  </p:clrMapOvr>
+</p:sld>
+</file>
+
 <file path=ppt/slides/slide6.xml><?xml version="1.0" encoding="utf-8"?>
 <p:sld xmlns:a="http://schemas.openxmlformats.org/drawingml/2006/main" xmlns:r="http://schemas.openxmlformats.org/officeDocument/2006/relationships" xmlns:p="http://schemas.openxmlformats.org/presentationml/2006/main">
   <p:cSld>
@@ -10468,7 +15640,7 @@
           <a:p>
             <a:fld id="{971D902E-52E4-5F4D-9A84-F04B09DBA050}" type="datetime1">
               <a:rPr lang="en-SG" smtClean="0"/>
-              <a:t>9/11/12</a:t>
+              <a:t>13/11/12</a:t>
             </a:fld>
             <a:endParaRPr lang="en-US"/>
           </a:p>
@@ -10596,7 +15768,7 @@
           <a:p>
             <a:fld id="{10B0BBCE-74AF-BE4E-A2F5-5D2EAE0452E8}" type="datetime1">
               <a:rPr lang="en-SG" smtClean="0"/>
-              <a:t>9/11/12</a:t>
+              <a:t>13/11/12</a:t>
             </a:fld>
             <a:endParaRPr lang="en-US"/>
           </a:p>
@@ -10724,7 +15896,7 @@
           <a:p>
             <a:fld id="{10B0BBCE-74AF-BE4E-A2F5-5D2EAE0452E8}" type="datetime1">
               <a:rPr lang="en-SG" smtClean="0"/>
-              <a:t>9/11/12</a:t>
+              <a:t>13/11/12</a:t>
             </a:fld>
             <a:endParaRPr lang="en-US"/>
           </a:p>
@@ -10909,7 +16081,7 @@
           <a:p>
             <a:fld id="{10B0BBCE-74AF-BE4E-A2F5-5D2EAE0452E8}" type="datetime1">
               <a:rPr lang="en-SG" smtClean="0"/>
-              <a:t>9/11/12</a:t>
+              <a:t>13/11/12</a:t>
             </a:fld>
             <a:endParaRPr lang="en-US"/>
           </a:p>

--- a/presentation/final presentation.pptx
+++ b/presentation/final presentation.pptx
@@ -5,10 +5,10 @@
     <p:sldMasterId id="2147483660" r:id="rId1"/>
   </p:sldMasterIdLst>
   <p:notesMasterIdLst>
-    <p:notesMasterId r:id="rId59"/>
+    <p:notesMasterId r:id="rId65"/>
   </p:notesMasterIdLst>
   <p:handoutMasterIdLst>
-    <p:handoutMasterId r:id="rId60"/>
+    <p:handoutMasterId r:id="rId66"/>
   </p:handoutMasterIdLst>
   <p:sldIdLst>
     <p:sldId id="256" r:id="rId2"/>
@@ -64,10 +64,16 @@
     <p:sldId id="313" r:id="rId52"/>
     <p:sldId id="287" r:id="rId53"/>
     <p:sldId id="288" r:id="rId54"/>
-    <p:sldId id="289" r:id="rId55"/>
-    <p:sldId id="290" r:id="rId56"/>
-    <p:sldId id="291" r:id="rId57"/>
-    <p:sldId id="292" r:id="rId58"/>
+    <p:sldId id="314" r:id="rId55"/>
+    <p:sldId id="315" r:id="rId56"/>
+    <p:sldId id="316" r:id="rId57"/>
+    <p:sldId id="289" r:id="rId58"/>
+    <p:sldId id="317" r:id="rId59"/>
+    <p:sldId id="318" r:id="rId60"/>
+    <p:sldId id="319" r:id="rId61"/>
+    <p:sldId id="290" r:id="rId62"/>
+    <p:sldId id="291" r:id="rId63"/>
+    <p:sldId id="292" r:id="rId64"/>
   </p:sldIdLst>
   <p:sldSz cx="9144000" cy="6858000" type="screen4x3"/>
   <p:notesSz cx="6858000" cy="9144000"/>
@@ -15019,7 +15025,35 @@
           <a:bodyPr/>
           <a:lstStyle/>
           <a:p>
-            <a:endParaRPr lang="en-US"/>
+            <a:pPr>
+              <a:buFont typeface="Arial"/>
+              <a:buChar char="•"/>
+            </a:pPr>
+            <a:r>
+              <a:rPr lang="en-US" dirty="0" smtClean="0"/>
+              <a:t>Leave-One-Out strategy</a:t>
+            </a:r>
+          </a:p>
+          <a:p>
+            <a:pPr lvl="1">
+              <a:buFont typeface="Arial"/>
+              <a:buChar char="•"/>
+            </a:pPr>
+            <a:r>
+              <a:rPr lang="en-US" dirty="0" smtClean="0"/>
+              <a:t>Test on one instance, train model on the rest</a:t>
+            </a:r>
+          </a:p>
+          <a:p>
+            <a:pPr lvl="1">
+              <a:buFont typeface="Arial"/>
+              <a:buChar char="•"/>
+            </a:pPr>
+            <a:r>
+              <a:rPr lang="en-US" dirty="0" smtClean="0"/>
+              <a:t>Maximize instances for training</a:t>
+            </a:r>
+            <a:endParaRPr lang="en-US" dirty="0"/>
           </a:p>
         </p:txBody>
       </p:sp>
@@ -15069,6 +15103,36 @@
           </a:p>
         </p:txBody>
       </p:sp>
+      <p:pic>
+        <p:nvPicPr>
+          <p:cNvPr id="6" name="Picture 5" descr="Screen Shot 2012-11-13 at 5.03.27 PM.PNG"/>
+          <p:cNvPicPr>
+            <a:picLocks noChangeAspect="1"/>
+          </p:cNvPicPr>
+          <p:nvPr/>
+        </p:nvPicPr>
+        <p:blipFill>
+          <a:blip r:embed="rId2">
+            <a:extLst>
+              <a:ext uri="{28A0092B-C50C-407E-A947-70E740481C1C}">
+                <a14:useLocalDpi xmlns:a14="http://schemas.microsoft.com/office/drawing/2010/main" val="0"/>
+              </a:ext>
+            </a:extLst>
+          </a:blip>
+          <a:stretch>
+            <a:fillRect/>
+          </a:stretch>
+        </p:blipFill>
+        <p:spPr>
+          <a:xfrm>
+            <a:off x="685800" y="3352800"/>
+            <a:ext cx="7553325" cy="2304791"/>
+          </a:xfrm>
+          <a:prstGeom prst="rect">
+            <a:avLst/>
+          </a:prstGeom>
+        </p:spPr>
+      </p:pic>
     </p:spTree>
     <p:extLst>
       <p:ext uri="{BB962C8B-B14F-4D97-AF65-F5344CB8AC3E}">
@@ -15120,31 +15184,42 @@
             </a:r>
             <a:r>
               <a:rPr lang="en-US" i="1" dirty="0" err="1" smtClean="0"/>
-              <a:t>LocateProv</a:t>
-            </a:r>
-            <a:endParaRPr lang="en-US" i="1" dirty="0"/>
-          </a:p>
-        </p:txBody>
-      </p:sp>
-      <p:sp>
-        <p:nvSpPr>
-          <p:cNvPr id="3" name="Content Placeholder 2"/>
-          <p:cNvSpPr>
-            <a:spLocks noGrp="1"/>
-          </p:cNvSpPr>
+              <a:t>GvS</a:t>
+            </a:r>
+            <a:endParaRPr lang="en-US" dirty="0"/>
+          </a:p>
+        </p:txBody>
+      </p:sp>
+      <p:pic>
+        <p:nvPicPr>
+          <p:cNvPr id="6" name="Content Placeholder 5" descr="Screen Shot 2012-11-13 at 5.04.45 PM.PNG"/>
+          <p:cNvPicPr>
+            <a:picLocks noGrp="1" noChangeAspect="1"/>
+          </p:cNvPicPr>
           <p:nvPr>
             <p:ph idx="1"/>
           </p:nvPr>
-        </p:nvSpPr>
-        <p:spPr/>
-        <p:txBody>
-          <a:bodyPr/>
-          <a:lstStyle/>
-          <a:p>
-            <a:endParaRPr lang="en-US"/>
-          </a:p>
-        </p:txBody>
-      </p:sp>
+        </p:nvPicPr>
+        <p:blipFill>
+          <a:blip r:embed="rId2">
+            <a:extLst>
+              <a:ext uri="{28A0092B-C50C-407E-A947-70E740481C1C}">
+                <a14:useLocalDpi xmlns:a14="http://schemas.microsoft.com/office/drawing/2010/main" val="0"/>
+              </a:ext>
+            </a:extLst>
+          </a:blip>
+          <a:srcRect t="-54190" b="-54190"/>
+          <a:stretch>
+            <a:fillRect/>
+          </a:stretch>
+        </p:blipFill>
+        <p:spPr>
+          <a:xfrm>
+            <a:off x="685800" y="1059516"/>
+            <a:ext cx="7770813" cy="4257022"/>
+          </a:xfrm>
+        </p:spPr>
+      </p:pic>
       <p:sp>
         <p:nvSpPr>
           <p:cNvPr id="4" name="Date Placeholder 3"/>
@@ -15194,7 +15269,7 @@
     </p:spTree>
     <p:extLst>
       <p:ext uri="{BB962C8B-B14F-4D97-AF65-F5344CB8AC3E}">
-        <p14:creationId xmlns:p14="http://schemas.microsoft.com/office/powerpoint/2010/main" val="2543818494"/>
+        <p14:creationId xmlns:p14="http://schemas.microsoft.com/office/powerpoint/2010/main" val="2957921569"/>
       </p:ext>
     </p:extLst>
   </p:cSld>
@@ -15238,7 +15313,11 @@
           <a:p>
             <a:r>
               <a:rPr lang="en-US" dirty="0" smtClean="0"/>
-              <a:t>Discussion</a:t>
+              <a:t>Evaluating </a:t>
+            </a:r>
+            <a:r>
+              <a:rPr lang="en-US" i="1" dirty="0" err="1" smtClean="0"/>
+              <a:t>GvS</a:t>
             </a:r>
             <a:endParaRPr lang="en-US" dirty="0"/>
           </a:p>
@@ -15259,7 +15338,45 @@
           <a:bodyPr/>
           <a:lstStyle/>
           <a:p>
-            <a:endParaRPr lang="en-US"/>
+            <a:pPr>
+              <a:buFont typeface="Arial"/>
+              <a:buChar char="•"/>
+            </a:pPr>
+            <a:r>
+              <a:rPr lang="en-US" dirty="0" smtClean="0"/>
+              <a:t>Vary amount of training data</a:t>
+            </a:r>
+          </a:p>
+          <a:p>
+            <a:pPr lvl="1">
+              <a:buFont typeface="Arial"/>
+              <a:buChar char="•"/>
+            </a:pPr>
+            <a:r>
+              <a:rPr lang="en-US" dirty="0" smtClean="0"/>
+              <a:t>Measure performance with less training data</a:t>
+            </a:r>
+          </a:p>
+          <a:p>
+            <a:pPr>
+              <a:buFont typeface="Arial"/>
+              <a:buChar char="•"/>
+            </a:pPr>
+            <a:r>
+              <a:rPr lang="en-US" dirty="0" smtClean="0"/>
+              <a:t>Increasing performance</a:t>
+            </a:r>
+          </a:p>
+          <a:p>
+            <a:pPr lvl="1">
+              <a:buFont typeface="Arial"/>
+              <a:buChar char="•"/>
+            </a:pPr>
+            <a:r>
+              <a:rPr lang="en-US" dirty="0" smtClean="0"/>
+              <a:t>Potential to be used in practice if provided large enough dataset</a:t>
+            </a:r>
+            <a:endParaRPr lang="en-US" dirty="0"/>
           </a:p>
         </p:txBody>
       </p:sp>
@@ -15309,10 +15426,40 @@
           </a:p>
         </p:txBody>
       </p:sp>
+      <p:pic>
+        <p:nvPicPr>
+          <p:cNvPr id="7" name="Picture 6" descr="Screen Shot 2012-11-13 at 5.05.26 PM.PNG"/>
+          <p:cNvPicPr>
+            <a:picLocks noChangeAspect="1"/>
+          </p:cNvPicPr>
+          <p:nvPr/>
+        </p:nvPicPr>
+        <p:blipFill>
+          <a:blip r:embed="rId2">
+            <a:extLst>
+              <a:ext uri="{28A0092B-C50C-407E-A947-70E740481C1C}">
+                <a14:useLocalDpi xmlns:a14="http://schemas.microsoft.com/office/drawing/2010/main" val="0"/>
+              </a:ext>
+            </a:extLst>
+          </a:blip>
+          <a:stretch>
+            <a:fillRect/>
+          </a:stretch>
+        </p:blipFill>
+        <p:spPr>
+          <a:xfrm>
+            <a:off x="1182688" y="3683000"/>
+            <a:ext cx="7057644" cy="2673350"/>
+          </a:xfrm>
+          <a:prstGeom prst="rect">
+            <a:avLst/>
+          </a:prstGeom>
+        </p:spPr>
+      </p:pic>
     </p:spTree>
     <p:extLst>
       <p:ext uri="{BB962C8B-B14F-4D97-AF65-F5344CB8AC3E}">
-        <p14:creationId xmlns:p14="http://schemas.microsoft.com/office/powerpoint/2010/main" val="4290943997"/>
+        <p14:creationId xmlns:p14="http://schemas.microsoft.com/office/powerpoint/2010/main" val="4273634553"/>
       </p:ext>
     </p:extLst>
   </p:cSld>
@@ -15356,7 +15503,11 @@
           <a:p>
             <a:r>
               <a:rPr lang="en-US" dirty="0" smtClean="0"/>
-              <a:t>Conclusion</a:t>
+              <a:t>Evaluating </a:t>
+            </a:r>
+            <a:r>
+              <a:rPr lang="en-US" i="1" dirty="0" err="1" smtClean="0"/>
+              <a:t>GvS</a:t>
             </a:r>
             <a:endParaRPr lang="en-US" dirty="0"/>
           </a:p>
@@ -15377,7 +15528,15 @@
           <a:bodyPr/>
           <a:lstStyle/>
           <a:p>
-            <a:endParaRPr lang="en-US"/>
+            <a:pPr>
+              <a:buFont typeface="Arial"/>
+              <a:buChar char="•"/>
+            </a:pPr>
+            <a:r>
+              <a:rPr lang="en-US" dirty="0" smtClean="0"/>
+              <a:t>Evaluate discriminative power of features using SVM</a:t>
+            </a:r>
+            <a:endParaRPr lang="en-US" dirty="0"/>
           </a:p>
         </p:txBody>
       </p:sp>
@@ -15427,10 +15586,40 @@
           </a:p>
         </p:txBody>
       </p:sp>
+      <p:pic>
+        <p:nvPicPr>
+          <p:cNvPr id="6" name="Picture 5" descr="Screen Shot 2012-11-13 at 5.08.05 PM.PNG"/>
+          <p:cNvPicPr>
+            <a:picLocks noChangeAspect="1"/>
+          </p:cNvPicPr>
+          <p:nvPr/>
+        </p:nvPicPr>
+        <p:blipFill>
+          <a:blip r:embed="rId2">
+            <a:extLst>
+              <a:ext uri="{28A0092B-C50C-407E-A947-70E740481C1C}">
+                <a14:useLocalDpi xmlns:a14="http://schemas.microsoft.com/office/drawing/2010/main" val="0"/>
+              </a:ext>
+            </a:extLst>
+          </a:blip>
+          <a:stretch>
+            <a:fillRect/>
+          </a:stretch>
+        </p:blipFill>
+        <p:spPr>
+          <a:xfrm>
+            <a:off x="685800" y="2316163"/>
+            <a:ext cx="7658100" cy="3810000"/>
+          </a:xfrm>
+          <a:prstGeom prst="rect">
+            <a:avLst/>
+          </a:prstGeom>
+        </p:spPr>
+      </p:pic>
     </p:spTree>
     <p:extLst>
       <p:ext uri="{BB962C8B-B14F-4D97-AF65-F5344CB8AC3E}">
-        <p14:creationId xmlns:p14="http://schemas.microsoft.com/office/powerpoint/2010/main" val="3154137916"/>
+        <p14:creationId xmlns:p14="http://schemas.microsoft.com/office/powerpoint/2010/main" val="4020516944"/>
       </p:ext>
     </p:extLst>
   </p:cSld>
@@ -15459,43 +15648,55 @@
       </p:grpSpPr>
       <p:sp>
         <p:nvSpPr>
-          <p:cNvPr id="6" name="Title 5"/>
-          <p:cNvSpPr>
-            <a:spLocks noGrp="1"/>
-          </p:cNvSpPr>
-          <p:nvPr>
-            <p:ph type="ctrTitle"/>
-          </p:nvPr>
-        </p:nvSpPr>
-        <p:spPr/>
-        <p:txBody>
-          <a:bodyPr/>
-          <a:lstStyle/>
-          <a:p>
-            <a:r>
-              <a:rPr lang="en-US" dirty="0" smtClean="0"/>
-              <a:t>Thank You</a:t>
+          <p:cNvPr id="2" name="Title 1"/>
+          <p:cNvSpPr>
+            <a:spLocks noGrp="1"/>
+          </p:cNvSpPr>
+          <p:nvPr>
+            <p:ph type="title"/>
+          </p:nvPr>
+        </p:nvSpPr>
+        <p:spPr/>
+        <p:txBody>
+          <a:bodyPr/>
+          <a:lstStyle/>
+          <a:p>
+            <a:r>
+              <a:rPr lang="en-US" dirty="0" smtClean="0"/>
+              <a:t>Evaluating </a:t>
+            </a:r>
+            <a:r>
+              <a:rPr lang="en-US" i="1" dirty="0" err="1" smtClean="0"/>
+              <a:t>LocateProv</a:t>
+            </a:r>
+            <a:endParaRPr lang="en-US" i="1" dirty="0"/>
+          </a:p>
+        </p:txBody>
+      </p:sp>
+      <p:sp>
+        <p:nvSpPr>
+          <p:cNvPr id="3" name="Content Placeholder 2"/>
+          <p:cNvSpPr>
+            <a:spLocks noGrp="1"/>
+          </p:cNvSpPr>
+          <p:nvPr>
+            <p:ph idx="1"/>
+          </p:nvPr>
+        </p:nvSpPr>
+        <p:spPr/>
+        <p:txBody>
+          <a:bodyPr/>
+          <a:lstStyle/>
+          <a:p>
+            <a:pPr>
+              <a:buFont typeface="Arial"/>
+              <a:buChar char="•"/>
+            </a:pPr>
+            <a:r>
+              <a:rPr lang="en-US" dirty="0" smtClean="0"/>
+              <a:t>Leave-One-Out</a:t>
             </a:r>
             <a:endParaRPr lang="en-US" dirty="0"/>
-          </a:p>
-        </p:txBody>
-      </p:sp>
-      <p:sp>
-        <p:nvSpPr>
-          <p:cNvPr id="7" name="Subtitle 6"/>
-          <p:cNvSpPr>
-            <a:spLocks noGrp="1"/>
-          </p:cNvSpPr>
-          <p:nvPr>
-            <p:ph type="subTitle" idx="1"/>
-          </p:nvPr>
-        </p:nvSpPr>
-        <p:spPr/>
-        <p:txBody>
-          <a:bodyPr/>
-          <a:lstStyle/>
-          <a:p>
-            <a:endParaRPr lang="en-US"/>
           </a:p>
         </p:txBody>
       </p:sp>
@@ -15545,10 +15746,328 @@
           </a:p>
         </p:txBody>
       </p:sp>
+      <p:pic>
+        <p:nvPicPr>
+          <p:cNvPr id="6" name="Picture 5" descr="Screen Shot 2012-11-13 at 5.08.52 PM.PNG"/>
+          <p:cNvPicPr>
+            <a:picLocks noChangeAspect="1"/>
+          </p:cNvPicPr>
+          <p:nvPr/>
+        </p:nvPicPr>
+        <p:blipFill>
+          <a:blip r:embed="rId2">
+            <a:extLst>
+              <a:ext uri="{28A0092B-C50C-407E-A947-70E740481C1C}">
+                <a14:useLocalDpi xmlns:a14="http://schemas.microsoft.com/office/drawing/2010/main" val="0"/>
+              </a:ext>
+            </a:extLst>
+          </a:blip>
+          <a:stretch>
+            <a:fillRect/>
+          </a:stretch>
+        </p:blipFill>
+        <p:spPr>
+          <a:xfrm>
+            <a:off x="428625" y="2527300"/>
+            <a:ext cx="8153400" cy="2501900"/>
+          </a:xfrm>
+          <a:prstGeom prst="rect">
+            <a:avLst/>
+          </a:prstGeom>
+        </p:spPr>
+      </p:pic>
     </p:spTree>
     <p:extLst>
       <p:ext uri="{BB962C8B-B14F-4D97-AF65-F5344CB8AC3E}">
-        <p14:creationId xmlns:p14="http://schemas.microsoft.com/office/powerpoint/2010/main" val="834116940"/>
+        <p14:creationId xmlns:p14="http://schemas.microsoft.com/office/powerpoint/2010/main" val="2543818494"/>
+      </p:ext>
+    </p:extLst>
+  </p:cSld>
+  <p:clrMapOvr>
+    <a:masterClrMapping/>
+  </p:clrMapOvr>
+</p:sld>
+</file>
+
+<file path=ppt/slides/slide58.xml><?xml version="1.0" encoding="utf-8"?>
+<p:sld xmlns:a="http://schemas.openxmlformats.org/drawingml/2006/main" xmlns:r="http://schemas.openxmlformats.org/officeDocument/2006/relationships" xmlns:p="http://schemas.openxmlformats.org/presentationml/2006/main">
+  <p:cSld>
+    <p:spTree>
+      <p:nvGrpSpPr>
+        <p:cNvPr id="1" name=""/>
+        <p:cNvGrpSpPr/>
+        <p:nvPr/>
+      </p:nvGrpSpPr>
+      <p:grpSpPr>
+        <a:xfrm>
+          <a:off x="0" y="0"/>
+          <a:ext cx="0" cy="0"/>
+          <a:chOff x="0" y="0"/>
+          <a:chExt cx="0" cy="0"/>
+        </a:xfrm>
+      </p:grpSpPr>
+      <p:sp>
+        <p:nvSpPr>
+          <p:cNvPr id="2" name="Title 1"/>
+          <p:cNvSpPr>
+            <a:spLocks noGrp="1"/>
+          </p:cNvSpPr>
+          <p:nvPr>
+            <p:ph type="title"/>
+          </p:nvPr>
+        </p:nvSpPr>
+        <p:spPr/>
+        <p:txBody>
+          <a:bodyPr/>
+          <a:lstStyle/>
+          <a:p>
+            <a:r>
+              <a:rPr lang="en-US" dirty="0" smtClean="0"/>
+              <a:t>Evaluating </a:t>
+            </a:r>
+            <a:r>
+              <a:rPr lang="en-US" i="1" dirty="0" err="1" smtClean="0"/>
+              <a:t>LocateProv</a:t>
+            </a:r>
+            <a:endParaRPr lang="en-US" dirty="0"/>
+          </a:p>
+        </p:txBody>
+      </p:sp>
+      <p:pic>
+        <p:nvPicPr>
+          <p:cNvPr id="6" name="Content Placeholder 5" descr="Screen Shot 2012-11-13 at 5.10.04 PM.PNG"/>
+          <p:cNvPicPr>
+            <a:picLocks noGrp="1" noChangeAspect="1"/>
+          </p:cNvPicPr>
+          <p:nvPr>
+            <p:ph idx="1"/>
+          </p:nvPr>
+        </p:nvPicPr>
+        <p:blipFill>
+          <a:blip r:embed="rId2">
+            <a:extLst>
+              <a:ext uri="{28A0092B-C50C-407E-A947-70E740481C1C}">
+                <a14:useLocalDpi xmlns:a14="http://schemas.microsoft.com/office/drawing/2010/main" val="0"/>
+              </a:ext>
+            </a:extLst>
+          </a:blip>
+          <a:srcRect t="-58160" b="-58160"/>
+          <a:stretch>
+            <a:fillRect/>
+          </a:stretch>
+        </p:blipFill>
+        <p:spPr/>
+      </p:pic>
+      <p:sp>
+        <p:nvSpPr>
+          <p:cNvPr id="4" name="Date Placeholder 3"/>
+          <p:cNvSpPr>
+            <a:spLocks noGrp="1"/>
+          </p:cNvSpPr>
+          <p:nvPr>
+            <p:ph type="dt" sz="half" idx="10"/>
+          </p:nvPr>
+        </p:nvSpPr>
+        <p:spPr/>
+        <p:txBody>
+          <a:bodyPr/>
+          <a:lstStyle/>
+          <a:p>
+            <a:fld id="{971D902E-52E4-5F4D-9A84-F04B09DBA050}" type="datetime1">
+              <a:rPr lang="en-SG" smtClean="0"/>
+              <a:t>13/11/12</a:t>
+            </a:fld>
+            <a:endParaRPr lang="en-US"/>
+          </a:p>
+        </p:txBody>
+      </p:sp>
+      <p:sp>
+        <p:nvSpPr>
+          <p:cNvPr id="5" name="Slide Number Placeholder 4"/>
+          <p:cNvSpPr>
+            <a:spLocks noGrp="1"/>
+          </p:cNvSpPr>
+          <p:nvPr>
+            <p:ph type="sldNum" sz="quarter" idx="12"/>
+          </p:nvPr>
+        </p:nvSpPr>
+        <p:spPr/>
+        <p:txBody>
+          <a:bodyPr/>
+          <a:lstStyle/>
+          <a:p>
+            <a:fld id="{9C1F5A0A-F6FC-4FFD-9B49-0DA8697211D9}" type="slidenum">
+              <a:rPr lang="en-US" smtClean="0"/>
+              <a:t>58</a:t>
+            </a:fld>
+            <a:endParaRPr lang="en-US"/>
+          </a:p>
+        </p:txBody>
+      </p:sp>
+    </p:spTree>
+    <p:extLst>
+      <p:ext uri="{BB962C8B-B14F-4D97-AF65-F5344CB8AC3E}">
+        <p14:creationId xmlns:p14="http://schemas.microsoft.com/office/powerpoint/2010/main" val="3382407763"/>
+      </p:ext>
+    </p:extLst>
+  </p:cSld>
+  <p:clrMapOvr>
+    <a:masterClrMapping/>
+  </p:clrMapOvr>
+</p:sld>
+</file>
+
+<file path=ppt/slides/slide59.xml><?xml version="1.0" encoding="utf-8"?>
+<p:sld xmlns:a="http://schemas.openxmlformats.org/drawingml/2006/main" xmlns:r="http://schemas.openxmlformats.org/officeDocument/2006/relationships" xmlns:p="http://schemas.openxmlformats.org/presentationml/2006/main">
+  <p:cSld>
+    <p:spTree>
+      <p:nvGrpSpPr>
+        <p:cNvPr id="1" name=""/>
+        <p:cNvGrpSpPr/>
+        <p:nvPr/>
+      </p:nvGrpSpPr>
+      <p:grpSpPr>
+        <a:xfrm>
+          <a:off x="0" y="0"/>
+          <a:ext cx="0" cy="0"/>
+          <a:chOff x="0" y="0"/>
+          <a:chExt cx="0" cy="0"/>
+        </a:xfrm>
+      </p:grpSpPr>
+      <p:sp>
+        <p:nvSpPr>
+          <p:cNvPr id="2" name="Title 1"/>
+          <p:cNvSpPr>
+            <a:spLocks noGrp="1"/>
+          </p:cNvSpPr>
+          <p:nvPr>
+            <p:ph type="title"/>
+          </p:nvPr>
+        </p:nvSpPr>
+        <p:spPr/>
+        <p:txBody>
+          <a:bodyPr/>
+          <a:lstStyle/>
+          <a:p>
+            <a:r>
+              <a:rPr lang="en-US" dirty="0" smtClean="0"/>
+              <a:t>Evaluating </a:t>
+            </a:r>
+            <a:r>
+              <a:rPr lang="en-US" i="1" dirty="0" err="1" smtClean="0"/>
+              <a:t>LocateProv</a:t>
+            </a:r>
+            <a:endParaRPr lang="en-US" dirty="0"/>
+          </a:p>
+        </p:txBody>
+      </p:sp>
+      <p:sp>
+        <p:nvSpPr>
+          <p:cNvPr id="3" name="Content Placeholder 2"/>
+          <p:cNvSpPr>
+            <a:spLocks noGrp="1"/>
+          </p:cNvSpPr>
+          <p:nvPr>
+            <p:ph idx="1"/>
+          </p:nvPr>
+        </p:nvSpPr>
+        <p:spPr/>
+        <p:txBody>
+          <a:bodyPr/>
+          <a:lstStyle/>
+          <a:p>
+            <a:pPr>
+              <a:buFont typeface="Arial"/>
+              <a:buChar char="•"/>
+            </a:pPr>
+            <a:r>
+              <a:rPr lang="en-US" dirty="0" smtClean="0"/>
+              <a:t>Evaluate discriminative power of features added</a:t>
+            </a:r>
+            <a:endParaRPr lang="en-US" dirty="0"/>
+          </a:p>
+        </p:txBody>
+      </p:sp>
+      <p:sp>
+        <p:nvSpPr>
+          <p:cNvPr id="4" name="Date Placeholder 3"/>
+          <p:cNvSpPr>
+            <a:spLocks noGrp="1"/>
+          </p:cNvSpPr>
+          <p:nvPr>
+            <p:ph type="dt" sz="half" idx="10"/>
+          </p:nvPr>
+        </p:nvSpPr>
+        <p:spPr/>
+        <p:txBody>
+          <a:bodyPr/>
+          <a:lstStyle/>
+          <a:p>
+            <a:fld id="{971D902E-52E4-5F4D-9A84-F04B09DBA050}" type="datetime1">
+              <a:rPr lang="en-SG" smtClean="0"/>
+              <a:t>13/11/12</a:t>
+            </a:fld>
+            <a:endParaRPr lang="en-US"/>
+          </a:p>
+        </p:txBody>
+      </p:sp>
+      <p:sp>
+        <p:nvSpPr>
+          <p:cNvPr id="5" name="Slide Number Placeholder 4"/>
+          <p:cNvSpPr>
+            <a:spLocks noGrp="1"/>
+          </p:cNvSpPr>
+          <p:nvPr>
+            <p:ph type="sldNum" sz="quarter" idx="12"/>
+          </p:nvPr>
+        </p:nvSpPr>
+        <p:spPr/>
+        <p:txBody>
+          <a:bodyPr/>
+          <a:lstStyle/>
+          <a:p>
+            <a:fld id="{9C1F5A0A-F6FC-4FFD-9B49-0DA8697211D9}" type="slidenum">
+              <a:rPr lang="en-US" smtClean="0"/>
+              <a:t>59</a:t>
+            </a:fld>
+            <a:endParaRPr lang="en-US"/>
+          </a:p>
+        </p:txBody>
+      </p:sp>
+      <p:pic>
+        <p:nvPicPr>
+          <p:cNvPr id="6" name="Picture 5" descr="Screen Shot 2012-11-13 at 5.10.38 PM.PNG"/>
+          <p:cNvPicPr>
+            <a:picLocks noChangeAspect="1"/>
+          </p:cNvPicPr>
+          <p:nvPr/>
+        </p:nvPicPr>
+        <p:blipFill>
+          <a:blip r:embed="rId2">
+            <a:extLst>
+              <a:ext uri="{28A0092B-C50C-407E-A947-70E740481C1C}">
+                <a14:useLocalDpi xmlns:a14="http://schemas.microsoft.com/office/drawing/2010/main" val="0"/>
+              </a:ext>
+            </a:extLst>
+          </a:blip>
+          <a:stretch>
+            <a:fillRect/>
+          </a:stretch>
+        </p:blipFill>
+        <p:spPr>
+          <a:xfrm>
+            <a:off x="685800" y="2584450"/>
+            <a:ext cx="7721600" cy="3276600"/>
+          </a:xfrm>
+          <a:prstGeom prst="rect">
+            <a:avLst/>
+          </a:prstGeom>
+        </p:spPr>
+      </p:pic>
+    </p:spTree>
+    <p:extLst>
+      <p:ext uri="{BB962C8B-B14F-4D97-AF65-F5344CB8AC3E}">
+        <p14:creationId xmlns:p14="http://schemas.microsoft.com/office/powerpoint/2010/main" val="3353509003"/>
       </p:ext>
     </p:extLst>
   </p:cSld>
@@ -15686,6 +16205,714 @@
       </p:par>
     </p:tnLst>
   </p:timing>
+</p:sld>
+</file>
+
+<file path=ppt/slides/slide60.xml><?xml version="1.0" encoding="utf-8"?>
+<p:sld xmlns:a="http://schemas.openxmlformats.org/drawingml/2006/main" xmlns:r="http://schemas.openxmlformats.org/officeDocument/2006/relationships" xmlns:p="http://schemas.openxmlformats.org/presentationml/2006/main">
+  <p:cSld>
+    <p:spTree>
+      <p:nvGrpSpPr>
+        <p:cNvPr id="1" name=""/>
+        <p:cNvGrpSpPr/>
+        <p:nvPr/>
+      </p:nvGrpSpPr>
+      <p:grpSpPr>
+        <a:xfrm>
+          <a:off x="0" y="0"/>
+          <a:ext cx="0" cy="0"/>
+          <a:chOff x="0" y="0"/>
+          <a:chExt cx="0" cy="0"/>
+        </a:xfrm>
+      </p:grpSpPr>
+      <p:sp>
+        <p:nvSpPr>
+          <p:cNvPr id="2" name="Title 1"/>
+          <p:cNvSpPr>
+            <a:spLocks noGrp="1"/>
+          </p:cNvSpPr>
+          <p:nvPr>
+            <p:ph type="title"/>
+          </p:nvPr>
+        </p:nvSpPr>
+        <p:spPr/>
+        <p:txBody>
+          <a:bodyPr/>
+          <a:lstStyle/>
+          <a:p>
+            <a:r>
+              <a:rPr lang="en-US" dirty="0" smtClean="0"/>
+              <a:t>Evaluating </a:t>
+            </a:r>
+            <a:r>
+              <a:rPr lang="en-US" i="1" dirty="0" err="1" smtClean="0"/>
+              <a:t>LocateProv</a:t>
+            </a:r>
+            <a:endParaRPr lang="en-US" dirty="0"/>
+          </a:p>
+        </p:txBody>
+      </p:sp>
+      <p:pic>
+        <p:nvPicPr>
+          <p:cNvPr id="6" name="Content Placeholder 5" descr="Screen Shot 2012-11-13 at 5.15.18 PM.PNG"/>
+          <p:cNvPicPr>
+            <a:picLocks noGrp="1" noChangeAspect="1"/>
+          </p:cNvPicPr>
+          <p:nvPr>
+            <p:ph idx="1"/>
+          </p:nvPr>
+        </p:nvPicPr>
+        <p:blipFill>
+          <a:blip r:embed="rId2">
+            <a:extLst>
+              <a:ext uri="{28A0092B-C50C-407E-A947-70E740481C1C}">
+                <a14:useLocalDpi xmlns:a14="http://schemas.microsoft.com/office/drawing/2010/main" val="0"/>
+              </a:ext>
+            </a:extLst>
+          </a:blip>
+          <a:srcRect t="-29434" b="-29434"/>
+          <a:stretch>
+            <a:fillRect/>
+          </a:stretch>
+        </p:blipFill>
+        <p:spPr/>
+      </p:pic>
+      <p:sp>
+        <p:nvSpPr>
+          <p:cNvPr id="4" name="Date Placeholder 3"/>
+          <p:cNvSpPr>
+            <a:spLocks noGrp="1"/>
+          </p:cNvSpPr>
+          <p:nvPr>
+            <p:ph type="dt" sz="half" idx="10"/>
+          </p:nvPr>
+        </p:nvSpPr>
+        <p:spPr/>
+        <p:txBody>
+          <a:bodyPr/>
+          <a:lstStyle/>
+          <a:p>
+            <a:fld id="{971D902E-52E4-5F4D-9A84-F04B09DBA050}" type="datetime1">
+              <a:rPr lang="en-SG" smtClean="0"/>
+              <a:t>13/11/12</a:t>
+            </a:fld>
+            <a:endParaRPr lang="en-US"/>
+          </a:p>
+        </p:txBody>
+      </p:sp>
+      <p:sp>
+        <p:nvSpPr>
+          <p:cNvPr id="5" name="Slide Number Placeholder 4"/>
+          <p:cNvSpPr>
+            <a:spLocks noGrp="1"/>
+          </p:cNvSpPr>
+          <p:nvPr>
+            <p:ph type="sldNum" sz="quarter" idx="12"/>
+          </p:nvPr>
+        </p:nvSpPr>
+        <p:spPr/>
+        <p:txBody>
+          <a:bodyPr/>
+          <a:lstStyle/>
+          <a:p>
+            <a:fld id="{9C1F5A0A-F6FC-4FFD-9B49-0DA8697211D9}" type="slidenum">
+              <a:rPr lang="en-US" smtClean="0"/>
+              <a:t>60</a:t>
+            </a:fld>
+            <a:endParaRPr lang="en-US"/>
+          </a:p>
+        </p:txBody>
+      </p:sp>
+    </p:spTree>
+    <p:extLst>
+      <p:ext uri="{BB962C8B-B14F-4D97-AF65-F5344CB8AC3E}">
+        <p14:creationId xmlns:p14="http://schemas.microsoft.com/office/powerpoint/2010/main" val="1205658572"/>
+      </p:ext>
+    </p:extLst>
+  </p:cSld>
+  <p:clrMapOvr>
+    <a:masterClrMapping/>
+  </p:clrMapOvr>
+</p:sld>
+</file>
+
+<file path=ppt/slides/slide61.xml><?xml version="1.0" encoding="utf-8"?>
+<p:sld xmlns:a="http://schemas.openxmlformats.org/drawingml/2006/main" xmlns:r="http://schemas.openxmlformats.org/officeDocument/2006/relationships" xmlns:p="http://schemas.openxmlformats.org/presentationml/2006/main">
+  <p:cSld>
+    <p:spTree>
+      <p:nvGrpSpPr>
+        <p:cNvPr id="1" name=""/>
+        <p:cNvGrpSpPr/>
+        <p:nvPr/>
+      </p:nvGrpSpPr>
+      <p:grpSpPr>
+        <a:xfrm>
+          <a:off x="0" y="0"/>
+          <a:ext cx="0" cy="0"/>
+          <a:chOff x="0" y="0"/>
+          <a:chExt cx="0" cy="0"/>
+        </a:xfrm>
+      </p:grpSpPr>
+      <p:sp>
+        <p:nvSpPr>
+          <p:cNvPr id="2" name="Title 1"/>
+          <p:cNvSpPr>
+            <a:spLocks noGrp="1"/>
+          </p:cNvSpPr>
+          <p:nvPr>
+            <p:ph type="title"/>
+          </p:nvPr>
+        </p:nvSpPr>
+        <p:spPr/>
+        <p:txBody>
+          <a:bodyPr/>
+          <a:lstStyle/>
+          <a:p>
+            <a:r>
+              <a:rPr lang="en-US" dirty="0" smtClean="0"/>
+              <a:t>Discussion</a:t>
+            </a:r>
+            <a:endParaRPr lang="en-US" dirty="0"/>
+          </a:p>
+        </p:txBody>
+      </p:sp>
+      <p:sp>
+        <p:nvSpPr>
+          <p:cNvPr id="3" name="Content Placeholder 2"/>
+          <p:cNvSpPr>
+            <a:spLocks noGrp="1"/>
+          </p:cNvSpPr>
+          <p:nvPr>
+            <p:ph idx="1"/>
+          </p:nvPr>
+        </p:nvSpPr>
+        <p:spPr/>
+        <p:txBody>
+          <a:bodyPr>
+            <a:normAutofit fontScale="92500" lnSpcReduction="20000"/>
+          </a:bodyPr>
+          <a:lstStyle/>
+          <a:p>
+            <a:pPr>
+              <a:buFont typeface="Arial"/>
+              <a:buChar char="•"/>
+            </a:pPr>
+            <a:r>
+              <a:rPr lang="en-US" dirty="0" smtClean="0"/>
+              <a:t>Challenge: Only 7.6% Specific, only 0.09% Specific-Yes</a:t>
+            </a:r>
+          </a:p>
+          <a:p>
+            <a:pPr>
+              <a:buFont typeface="Arial"/>
+              <a:buChar char="•"/>
+            </a:pPr>
+            <a:r>
+              <a:rPr lang="en-US" dirty="0" smtClean="0"/>
+              <a:t>Focus on </a:t>
+            </a:r>
+            <a:r>
+              <a:rPr lang="en-US" i="1" dirty="0" err="1" smtClean="0"/>
+              <a:t>LocateProv</a:t>
+            </a:r>
+            <a:r>
+              <a:rPr lang="en-US" dirty="0" smtClean="0"/>
+              <a:t>. Performance slightly better than baseline. As a search it is, there’s room for improvement</a:t>
+            </a:r>
+          </a:p>
+          <a:p>
+            <a:pPr lvl="1">
+              <a:buFont typeface="Arial"/>
+              <a:buChar char="•"/>
+            </a:pPr>
+            <a:r>
+              <a:rPr lang="en-US" dirty="0" smtClean="0"/>
+              <a:t>Features not yet good enough for this task</a:t>
+            </a:r>
+          </a:p>
+          <a:p>
+            <a:pPr lvl="1">
+              <a:buFont typeface="Arial"/>
+              <a:buChar char="•"/>
+            </a:pPr>
+            <a:r>
+              <a:rPr lang="en-US" dirty="0" smtClean="0"/>
+              <a:t>Explore more alternatives, e.g., paraphrasing</a:t>
+            </a:r>
+          </a:p>
+          <a:p>
+            <a:pPr>
+              <a:buFont typeface="Arial"/>
+              <a:buChar char="•"/>
+            </a:pPr>
+            <a:r>
+              <a:rPr lang="en-US" dirty="0" smtClean="0"/>
+              <a:t>Citation Provenance</a:t>
+            </a:r>
+          </a:p>
+          <a:p>
+            <a:pPr lvl="1">
+              <a:buFont typeface="Arial"/>
+              <a:buChar char="•"/>
+            </a:pPr>
+            <a:r>
+              <a:rPr lang="en-US" dirty="0" smtClean="0"/>
+              <a:t>A combination of 2 mechanisms: Citation Classification and Search</a:t>
+            </a:r>
+            <a:endParaRPr lang="en-US" dirty="0" smtClean="0"/>
+          </a:p>
+          <a:p>
+            <a:pPr>
+              <a:buFont typeface="Arial"/>
+              <a:buChar char="•"/>
+            </a:pPr>
+            <a:r>
+              <a:rPr lang="en-US" dirty="0" smtClean="0"/>
+              <a:t>Is it worth it to work on Citation Provenance?</a:t>
+            </a:r>
+          </a:p>
+          <a:p>
+            <a:pPr lvl="1">
+              <a:buFont typeface="Arial"/>
+              <a:buChar char="•"/>
+            </a:pPr>
+            <a:r>
+              <a:rPr lang="en-US" dirty="0" smtClean="0"/>
+              <a:t>Yes. </a:t>
+            </a:r>
+            <a:r>
+              <a:rPr lang="en-US" dirty="0" smtClean="0"/>
+              <a:t>An important reading tool to understand and navigate between papers</a:t>
+            </a:r>
+          </a:p>
+          <a:p>
+            <a:pPr lvl="1">
+              <a:buFont typeface="Arial"/>
+              <a:buChar char="•"/>
+            </a:pPr>
+            <a:r>
+              <a:rPr lang="en-US" dirty="0" smtClean="0"/>
+              <a:t>Supporting evidence: </a:t>
+            </a:r>
+            <a:r>
+              <a:rPr lang="en-US" dirty="0" err="1" smtClean="0"/>
+              <a:t>CitWeb</a:t>
+            </a:r>
+            <a:r>
+              <a:rPr lang="en-US" dirty="0" smtClean="0"/>
+              <a:t>; CodeForScience2012</a:t>
+            </a:r>
+            <a:endParaRPr lang="en-US" dirty="0"/>
+          </a:p>
+        </p:txBody>
+      </p:sp>
+      <p:sp>
+        <p:nvSpPr>
+          <p:cNvPr id="4" name="Date Placeholder 3"/>
+          <p:cNvSpPr>
+            <a:spLocks noGrp="1"/>
+          </p:cNvSpPr>
+          <p:nvPr>
+            <p:ph type="dt" sz="half" idx="10"/>
+          </p:nvPr>
+        </p:nvSpPr>
+        <p:spPr/>
+        <p:txBody>
+          <a:bodyPr/>
+          <a:lstStyle/>
+          <a:p>
+            <a:fld id="{971D902E-52E4-5F4D-9A84-F04B09DBA050}" type="datetime1">
+              <a:rPr lang="en-SG" smtClean="0"/>
+              <a:t>13/11/12</a:t>
+            </a:fld>
+            <a:endParaRPr lang="en-US"/>
+          </a:p>
+        </p:txBody>
+      </p:sp>
+      <p:sp>
+        <p:nvSpPr>
+          <p:cNvPr id="5" name="Slide Number Placeholder 4"/>
+          <p:cNvSpPr>
+            <a:spLocks noGrp="1"/>
+          </p:cNvSpPr>
+          <p:nvPr>
+            <p:ph type="sldNum" sz="quarter" idx="12"/>
+          </p:nvPr>
+        </p:nvSpPr>
+        <p:spPr/>
+        <p:txBody>
+          <a:bodyPr/>
+          <a:lstStyle/>
+          <a:p>
+            <a:fld id="{9C1F5A0A-F6FC-4FFD-9B49-0DA8697211D9}" type="slidenum">
+              <a:rPr lang="en-US" smtClean="0"/>
+              <a:t>61</a:t>
+            </a:fld>
+            <a:endParaRPr lang="en-US"/>
+          </a:p>
+        </p:txBody>
+      </p:sp>
+    </p:spTree>
+    <p:extLst>
+      <p:ext uri="{BB962C8B-B14F-4D97-AF65-F5344CB8AC3E}">
+        <p14:creationId xmlns:p14="http://schemas.microsoft.com/office/powerpoint/2010/main" val="4290943997"/>
+      </p:ext>
+    </p:extLst>
+  </p:cSld>
+  <p:clrMapOvr>
+    <a:masterClrMapping/>
+  </p:clrMapOvr>
+</p:sld>
+</file>
+
+<file path=ppt/slides/slide62.xml><?xml version="1.0" encoding="utf-8"?>
+<p:sld xmlns:a="http://schemas.openxmlformats.org/drawingml/2006/main" xmlns:r="http://schemas.openxmlformats.org/officeDocument/2006/relationships" xmlns:p="http://schemas.openxmlformats.org/presentationml/2006/main">
+  <p:cSld>
+    <p:spTree>
+      <p:nvGrpSpPr>
+        <p:cNvPr id="1" name=""/>
+        <p:cNvGrpSpPr/>
+        <p:nvPr/>
+      </p:nvGrpSpPr>
+      <p:grpSpPr>
+        <a:xfrm>
+          <a:off x="0" y="0"/>
+          <a:ext cx="0" cy="0"/>
+          <a:chOff x="0" y="0"/>
+          <a:chExt cx="0" cy="0"/>
+        </a:xfrm>
+      </p:grpSpPr>
+      <p:sp>
+        <p:nvSpPr>
+          <p:cNvPr id="2" name="Title 1"/>
+          <p:cNvSpPr>
+            <a:spLocks noGrp="1"/>
+          </p:cNvSpPr>
+          <p:nvPr>
+            <p:ph type="title"/>
+          </p:nvPr>
+        </p:nvSpPr>
+        <p:spPr/>
+        <p:txBody>
+          <a:bodyPr/>
+          <a:lstStyle/>
+          <a:p>
+            <a:r>
+              <a:rPr lang="en-US" dirty="0" smtClean="0"/>
+              <a:t>Conclusion</a:t>
+            </a:r>
+            <a:endParaRPr lang="en-US" dirty="0"/>
+          </a:p>
+        </p:txBody>
+      </p:sp>
+      <p:sp>
+        <p:nvSpPr>
+          <p:cNvPr id="3" name="Content Placeholder 2"/>
+          <p:cNvSpPr>
+            <a:spLocks noGrp="1"/>
+          </p:cNvSpPr>
+          <p:nvPr>
+            <p:ph idx="1"/>
+          </p:nvPr>
+        </p:nvSpPr>
+        <p:spPr/>
+        <p:txBody>
+          <a:bodyPr>
+            <a:normAutofit lnSpcReduction="10000"/>
+          </a:bodyPr>
+          <a:lstStyle/>
+          <a:p>
+            <a:pPr>
+              <a:buFont typeface="Arial"/>
+              <a:buChar char="•"/>
+            </a:pPr>
+            <a:r>
+              <a:rPr lang="en-US" dirty="0" smtClean="0"/>
+              <a:t>New task in citation analysis, Citation Provenance</a:t>
+            </a:r>
+          </a:p>
+          <a:p>
+            <a:pPr lvl="1">
+              <a:buFont typeface="Arial"/>
+              <a:buChar char="•"/>
+            </a:pPr>
+            <a:r>
+              <a:rPr lang="en-US" dirty="0" smtClean="0"/>
+              <a:t>First attempt to provide a solution to the challenge of locating the origin of a citation</a:t>
+            </a:r>
+          </a:p>
+          <a:p>
+            <a:pPr>
+              <a:buFont typeface="Arial"/>
+              <a:buChar char="•"/>
+            </a:pPr>
+            <a:r>
+              <a:rPr lang="en-US" dirty="0" smtClean="0"/>
+              <a:t>2-tier approach</a:t>
+            </a:r>
+          </a:p>
+          <a:p>
+            <a:pPr lvl="1">
+              <a:buFont typeface="Arial"/>
+              <a:buChar char="•"/>
+            </a:pPr>
+            <a:r>
+              <a:rPr lang="en-US" i="1" dirty="0" err="1" smtClean="0"/>
+              <a:t>GvS</a:t>
+            </a:r>
+            <a:r>
+              <a:rPr lang="en-US" dirty="0" smtClean="0"/>
+              <a:t> and </a:t>
+            </a:r>
+            <a:r>
+              <a:rPr lang="en-US" i="1" dirty="0" err="1" smtClean="0"/>
+              <a:t>LocateProv</a:t>
+            </a:r>
+            <a:endParaRPr lang="en-US" dirty="0" smtClean="0"/>
+          </a:p>
+          <a:p>
+            <a:pPr lvl="1">
+              <a:buFont typeface="Arial"/>
+              <a:buChar char="•"/>
+            </a:pPr>
+            <a:r>
+              <a:rPr lang="en-US" dirty="0" smtClean="0"/>
+              <a:t>Filter and Search</a:t>
+            </a:r>
+          </a:p>
+          <a:p>
+            <a:pPr>
+              <a:buFont typeface="Arial"/>
+              <a:buChar char="•"/>
+            </a:pPr>
+            <a:r>
+              <a:rPr lang="en-US" dirty="0" smtClean="0"/>
+              <a:t>Task is heavily skewed</a:t>
+            </a:r>
+          </a:p>
+          <a:p>
+            <a:pPr lvl="1">
+              <a:buFont typeface="Arial"/>
+              <a:buChar char="•"/>
+            </a:pPr>
+            <a:r>
+              <a:rPr lang="en-US" dirty="0" smtClean="0"/>
+              <a:t>Artificially create </a:t>
+            </a:r>
+            <a:r>
+              <a:rPr lang="en-US" dirty="0" err="1" smtClean="0"/>
+              <a:t>unskewed</a:t>
+            </a:r>
+            <a:r>
+              <a:rPr lang="en-US" dirty="0" smtClean="0"/>
+              <a:t> data</a:t>
+            </a:r>
+          </a:p>
+          <a:p>
+            <a:pPr lvl="1">
+              <a:buFont typeface="Arial"/>
+              <a:buChar char="•"/>
+            </a:pPr>
+            <a:r>
+              <a:rPr lang="en-US" dirty="0" smtClean="0"/>
+              <a:t>Train model on </a:t>
+            </a:r>
+            <a:r>
+              <a:rPr lang="en-US" dirty="0" err="1" smtClean="0"/>
+              <a:t>unskewed</a:t>
+            </a:r>
+            <a:r>
+              <a:rPr lang="en-US" dirty="0" smtClean="0"/>
+              <a:t> data</a:t>
+            </a:r>
+          </a:p>
+          <a:p>
+            <a:pPr>
+              <a:buFont typeface="Arial"/>
+              <a:buChar char="•"/>
+            </a:pPr>
+            <a:r>
+              <a:rPr lang="en-US" dirty="0" smtClean="0"/>
+              <a:t>Evaluations showed promising results</a:t>
+            </a:r>
+            <a:endParaRPr lang="en-US" dirty="0"/>
+          </a:p>
+        </p:txBody>
+      </p:sp>
+      <p:sp>
+        <p:nvSpPr>
+          <p:cNvPr id="4" name="Date Placeholder 3"/>
+          <p:cNvSpPr>
+            <a:spLocks noGrp="1"/>
+          </p:cNvSpPr>
+          <p:nvPr>
+            <p:ph type="dt" sz="half" idx="10"/>
+          </p:nvPr>
+        </p:nvSpPr>
+        <p:spPr/>
+        <p:txBody>
+          <a:bodyPr/>
+          <a:lstStyle/>
+          <a:p>
+            <a:fld id="{971D902E-52E4-5F4D-9A84-F04B09DBA050}" type="datetime1">
+              <a:rPr lang="en-SG" smtClean="0"/>
+              <a:t>13/11/12</a:t>
+            </a:fld>
+            <a:endParaRPr lang="en-US"/>
+          </a:p>
+        </p:txBody>
+      </p:sp>
+      <p:sp>
+        <p:nvSpPr>
+          <p:cNvPr id="5" name="Slide Number Placeholder 4"/>
+          <p:cNvSpPr>
+            <a:spLocks noGrp="1"/>
+          </p:cNvSpPr>
+          <p:nvPr>
+            <p:ph type="sldNum" sz="quarter" idx="12"/>
+          </p:nvPr>
+        </p:nvSpPr>
+        <p:spPr/>
+        <p:txBody>
+          <a:bodyPr/>
+          <a:lstStyle/>
+          <a:p>
+            <a:fld id="{9C1F5A0A-F6FC-4FFD-9B49-0DA8697211D9}" type="slidenum">
+              <a:rPr lang="en-US" smtClean="0"/>
+              <a:t>62</a:t>
+            </a:fld>
+            <a:endParaRPr lang="en-US"/>
+          </a:p>
+        </p:txBody>
+      </p:sp>
+    </p:spTree>
+    <p:extLst>
+      <p:ext uri="{BB962C8B-B14F-4D97-AF65-F5344CB8AC3E}">
+        <p14:creationId xmlns:p14="http://schemas.microsoft.com/office/powerpoint/2010/main" val="3154137916"/>
+      </p:ext>
+    </p:extLst>
+  </p:cSld>
+  <p:clrMapOvr>
+    <a:masterClrMapping/>
+  </p:clrMapOvr>
+</p:sld>
+</file>
+
+<file path=ppt/slides/slide63.xml><?xml version="1.0" encoding="utf-8"?>
+<p:sld xmlns:a="http://schemas.openxmlformats.org/drawingml/2006/main" xmlns:r="http://schemas.openxmlformats.org/officeDocument/2006/relationships" xmlns:p="http://schemas.openxmlformats.org/presentationml/2006/main">
+  <p:cSld>
+    <p:spTree>
+      <p:nvGrpSpPr>
+        <p:cNvPr id="1" name=""/>
+        <p:cNvGrpSpPr/>
+        <p:nvPr/>
+      </p:nvGrpSpPr>
+      <p:grpSpPr>
+        <a:xfrm>
+          <a:off x="0" y="0"/>
+          <a:ext cx="0" cy="0"/>
+          <a:chOff x="0" y="0"/>
+          <a:chExt cx="0" cy="0"/>
+        </a:xfrm>
+      </p:grpSpPr>
+      <p:sp>
+        <p:nvSpPr>
+          <p:cNvPr id="6" name="Title 5"/>
+          <p:cNvSpPr>
+            <a:spLocks noGrp="1"/>
+          </p:cNvSpPr>
+          <p:nvPr>
+            <p:ph type="ctrTitle"/>
+          </p:nvPr>
+        </p:nvSpPr>
+        <p:spPr/>
+        <p:txBody>
+          <a:bodyPr/>
+          <a:lstStyle/>
+          <a:p>
+            <a:r>
+              <a:rPr lang="en-US" dirty="0" smtClean="0"/>
+              <a:t>Thank You</a:t>
+            </a:r>
+            <a:endParaRPr lang="en-US" dirty="0"/>
+          </a:p>
+        </p:txBody>
+      </p:sp>
+      <p:sp>
+        <p:nvSpPr>
+          <p:cNvPr id="7" name="Subtitle 6"/>
+          <p:cNvSpPr>
+            <a:spLocks noGrp="1"/>
+          </p:cNvSpPr>
+          <p:nvPr>
+            <p:ph type="subTitle" idx="1"/>
+          </p:nvPr>
+        </p:nvSpPr>
+        <p:spPr/>
+        <p:txBody>
+          <a:bodyPr/>
+          <a:lstStyle/>
+          <a:p>
+            <a:endParaRPr lang="en-US"/>
+          </a:p>
+        </p:txBody>
+      </p:sp>
+      <p:sp>
+        <p:nvSpPr>
+          <p:cNvPr id="4" name="Date Placeholder 3"/>
+          <p:cNvSpPr>
+            <a:spLocks noGrp="1"/>
+          </p:cNvSpPr>
+          <p:nvPr>
+            <p:ph type="dt" sz="half" idx="10"/>
+          </p:nvPr>
+        </p:nvSpPr>
+        <p:spPr/>
+        <p:txBody>
+          <a:bodyPr/>
+          <a:lstStyle/>
+          <a:p>
+            <a:fld id="{971D902E-52E4-5F4D-9A84-F04B09DBA050}" type="datetime1">
+              <a:rPr lang="en-SG" smtClean="0"/>
+              <a:t>13/11/12</a:t>
+            </a:fld>
+            <a:endParaRPr lang="en-US"/>
+          </a:p>
+        </p:txBody>
+      </p:sp>
+      <p:sp>
+        <p:nvSpPr>
+          <p:cNvPr id="5" name="Slide Number Placeholder 4"/>
+          <p:cNvSpPr>
+            <a:spLocks noGrp="1"/>
+          </p:cNvSpPr>
+          <p:nvPr>
+            <p:ph type="sldNum" sz="quarter" idx="12"/>
+          </p:nvPr>
+        </p:nvSpPr>
+        <p:spPr/>
+        <p:txBody>
+          <a:bodyPr/>
+          <a:lstStyle/>
+          <a:p>
+            <a:fld id="{9C1F5A0A-F6FC-4FFD-9B49-0DA8697211D9}" type="slidenum">
+              <a:rPr lang="en-US" smtClean="0"/>
+              <a:t>63</a:t>
+            </a:fld>
+            <a:endParaRPr lang="en-US"/>
+          </a:p>
+        </p:txBody>
+      </p:sp>
+    </p:spTree>
+    <p:extLst>
+      <p:ext uri="{BB962C8B-B14F-4D97-AF65-F5344CB8AC3E}">
+        <p14:creationId xmlns:p14="http://schemas.microsoft.com/office/powerpoint/2010/main" val="834116940"/>
+      </p:ext>
+    </p:extLst>
+  </p:cSld>
+  <p:clrMapOvr>
+    <a:masterClrMapping/>
+  </p:clrMapOvr>
 </p:sld>
 </file>
 

--- a/presentation/final presentation.pptx
+++ b/presentation/final presentation.pptx
@@ -257,7 +257,7 @@
           <a:p>
             <a:fld id="{F8F97566-809D-1D41-A072-62869DBBBF8F}" type="datetimeFigureOut">
               <a:rPr lang="en-US" smtClean="0"/>
-              <a:t>13/11/12</a:t>
+              <a:t>14/11/12</a:t>
             </a:fld>
             <a:endParaRPr lang="en-US"/>
           </a:p>
@@ -423,7 +423,7 @@
           <a:p>
             <a:fld id="{AFB37D51-2A56-6043-B5F3-4DDE38B7A355}" type="datetimeFigureOut">
               <a:rPr lang="en-US" smtClean="0"/>
-              <a:t>13/11/12</a:t>
+              <a:t>14/11/12</a:t>
             </a:fld>
             <a:endParaRPr lang="en-US"/>
           </a:p>
@@ -736,6 +736,90 @@
           <a:bodyPr/>
           <a:lstStyle/>
           <a:p>
+            <a:endParaRPr lang="en-US"/>
+          </a:p>
+        </p:txBody>
+      </p:sp>
+      <p:sp>
+        <p:nvSpPr>
+          <p:cNvPr id="4" name="Slide Number Placeholder 3"/>
+          <p:cNvSpPr>
+            <a:spLocks noGrp="1"/>
+          </p:cNvSpPr>
+          <p:nvPr>
+            <p:ph type="sldNum" sz="quarter" idx="10"/>
+          </p:nvPr>
+        </p:nvSpPr>
+        <p:spPr/>
+        <p:txBody>
+          <a:bodyPr/>
+          <a:lstStyle/>
+          <a:p>
+            <a:fld id="{44716C6F-C5DE-E54D-88DA-E0E6B09914EB}" type="slidenum">
+              <a:rPr lang="en-US" smtClean="0"/>
+              <a:t>1</a:t>
+            </a:fld>
+            <a:endParaRPr lang="en-US"/>
+          </a:p>
+        </p:txBody>
+      </p:sp>
+    </p:spTree>
+    <p:extLst>
+      <p:ext uri="{BB962C8B-B14F-4D97-AF65-F5344CB8AC3E}">
+        <p14:creationId xmlns:p14="http://schemas.microsoft.com/office/powerpoint/2010/main" val="3915575743"/>
+      </p:ext>
+    </p:extLst>
+  </p:cSld>
+  <p:clrMapOvr>
+    <a:masterClrMapping/>
+  </p:clrMapOvr>
+</p:notes>
+</file>
+
+<file path=ppt/notesSlides/notesSlide2.xml><?xml version="1.0" encoding="utf-8"?>
+<p:notes xmlns:a="http://schemas.openxmlformats.org/drawingml/2006/main" xmlns:r="http://schemas.openxmlformats.org/officeDocument/2006/relationships" xmlns:p="http://schemas.openxmlformats.org/presentationml/2006/main">
+  <p:cSld>
+    <p:spTree>
+      <p:nvGrpSpPr>
+        <p:cNvPr id="1" name=""/>
+        <p:cNvGrpSpPr/>
+        <p:nvPr/>
+      </p:nvGrpSpPr>
+      <p:grpSpPr>
+        <a:xfrm>
+          <a:off x="0" y="0"/>
+          <a:ext cx="0" cy="0"/>
+          <a:chOff x="0" y="0"/>
+          <a:chExt cx="0" cy="0"/>
+        </a:xfrm>
+      </p:grpSpPr>
+      <p:sp>
+        <p:nvSpPr>
+          <p:cNvPr id="2" name="Slide Image Placeholder 1"/>
+          <p:cNvSpPr>
+            <a:spLocks noGrp="1" noRot="1" noChangeAspect="1"/>
+          </p:cNvSpPr>
+          <p:nvPr>
+            <p:ph type="sldImg"/>
+          </p:nvPr>
+        </p:nvSpPr>
+        <p:spPr/>
+      </p:sp>
+      <p:sp>
+        <p:nvSpPr>
+          <p:cNvPr id="3" name="Notes Placeholder 2"/>
+          <p:cNvSpPr>
+            <a:spLocks noGrp="1"/>
+          </p:cNvSpPr>
+          <p:nvPr>
+            <p:ph type="body" idx="1"/>
+          </p:nvPr>
+        </p:nvSpPr>
+        <p:spPr/>
+        <p:txBody>
+          <a:bodyPr/>
+          <a:lstStyle/>
+          <a:p>
             <a:r>
               <a:rPr lang="en-US" dirty="0" smtClean="0"/>
               <a:t>This observations apply</a:t>
@@ -1005,7 +1089,7 @@
           <a:p>
             <a:fld id="{92B7DB31-0F52-AA49-9534-D8ABD0D278BC}" type="datetime1">
               <a:rPr lang="en-SG" smtClean="0"/>
-              <a:t>13/11/12</a:t>
+              <a:t>14/11/12</a:t>
             </a:fld>
             <a:endParaRPr lang="en-US"/>
           </a:p>
@@ -1337,7 +1421,7 @@
           <a:p>
             <a:fld id="{53AFFC32-EBE6-5946-8C6D-E2587D0E4A44}" type="datetime1">
               <a:rPr lang="en-SG" smtClean="0"/>
-              <a:t>13/11/12</a:t>
+              <a:t>14/11/12</a:t>
             </a:fld>
             <a:endParaRPr lang="en-US"/>
           </a:p>
@@ -1669,7 +1753,7 @@
           <a:p>
             <a:fld id="{5DEBF99A-6777-474F-8EA7-7009D71BE63F}" type="datetime1">
               <a:rPr lang="en-SG" smtClean="0"/>
-              <a:t>13/11/12</a:t>
+              <a:t>14/11/12</a:t>
             </a:fld>
             <a:endParaRPr lang="en-US"/>
           </a:p>
@@ -2001,7 +2085,7 @@
           <a:p>
             <a:fld id="{3570192A-03BC-CD4E-9047-E5C48EB04CF9}" type="datetime1">
               <a:rPr lang="en-SG" smtClean="0"/>
-              <a:t>13/11/12</a:t>
+              <a:t>14/11/12</a:t>
             </a:fld>
             <a:endParaRPr lang="en-US"/>
           </a:p>
@@ -2690,7 +2774,7 @@
           <a:p>
             <a:fld id="{14FEEF1B-67A4-0F4E-BFF4-3EDC5FCA1F05}" type="datetime1">
               <a:rPr lang="en-SG" smtClean="0"/>
-              <a:t>13/11/12</a:t>
+              <a:t>14/11/12</a:t>
             </a:fld>
             <a:endParaRPr lang="en-US"/>
           </a:p>
@@ -2869,7 +2953,7 @@
           <a:p>
             <a:fld id="{A9AD92DB-CC44-474F-809F-25477388B1D8}" type="datetime1">
               <a:rPr lang="en-SG" smtClean="0"/>
-              <a:t>13/11/12</a:t>
+              <a:t>14/11/12</a:t>
             </a:fld>
             <a:endParaRPr lang="en-US"/>
           </a:p>
@@ -3043,7 +3127,7 @@
           <a:p>
             <a:fld id="{971D902E-52E4-5F4D-9A84-F04B09DBA050}" type="datetime1">
               <a:rPr lang="en-SG" smtClean="0"/>
-              <a:t>13/11/12</a:t>
+              <a:t>14/11/12</a:t>
             </a:fld>
             <a:endParaRPr lang="en-US"/>
           </a:p>
@@ -3291,7 +3375,7 @@
           <a:p>
             <a:fld id="{CE006A75-5923-084C-8BC7-CE399FBA6CBA}" type="datetime1">
               <a:rPr lang="en-SG" smtClean="0"/>
-              <a:t>13/11/12</a:t>
+              <a:t>14/11/12</a:t>
             </a:fld>
             <a:endParaRPr lang="en-US"/>
           </a:p>
@@ -3621,7 +3705,7 @@
           <a:p>
             <a:fld id="{10B0BBCE-74AF-BE4E-A2F5-5D2EAE0452E8}" type="datetime1">
               <a:rPr lang="en-SG" smtClean="0"/>
-              <a:t>13/11/12</a:t>
+              <a:t>14/11/12</a:t>
             </a:fld>
             <a:endParaRPr lang="en-US"/>
           </a:p>
@@ -3913,7 +3997,7 @@
           <a:p>
             <a:fld id="{52DD3F78-11B9-2145-A094-6B9ED48008DD}" type="datetime1">
               <a:rPr lang="en-SG" smtClean="0"/>
-              <a:t>13/11/12</a:t>
+              <a:t>14/11/12</a:t>
             </a:fld>
             <a:endParaRPr lang="en-US"/>
           </a:p>
@@ -4349,7 +4433,7 @@
           <a:p>
             <a:fld id="{C0ED4E70-D94B-9D49-902A-5B23FAE68F2B}" type="datetime1">
               <a:rPr lang="en-SG" smtClean="0"/>
-              <a:t>13/11/12</a:t>
+              <a:t>14/11/12</a:t>
             </a:fld>
             <a:endParaRPr lang="en-US"/>
           </a:p>
@@ -4536,7 +4620,7 @@
           <a:p>
             <a:fld id="{7F340516-AF09-E848-8BB8-1D5E98054DC9}" type="datetime1">
               <a:rPr lang="en-SG" smtClean="0"/>
-              <a:t>13/11/12</a:t>
+              <a:t>14/11/12</a:t>
             </a:fld>
             <a:endParaRPr lang="en-US"/>
           </a:p>
@@ -4626,7 +4710,7 @@
           <a:p>
             <a:fld id="{616317CA-CB22-1C45-A429-436430073183}" type="datetime1">
               <a:rPr lang="en-SG" smtClean="0"/>
-              <a:t>13/11/12</a:t>
+              <a:t>14/11/12</a:t>
             </a:fld>
             <a:endParaRPr lang="en-US"/>
           </a:p>
@@ -4907,7 +4991,7 @@
           <a:p>
             <a:fld id="{D139C871-BD11-7E44-B32D-ED138BB24993}" type="datetime1">
               <a:rPr lang="en-SG" smtClean="0"/>
-              <a:t>13/11/12</a:t>
+              <a:t>14/11/12</a:t>
             </a:fld>
             <a:endParaRPr lang="en-US"/>
           </a:p>
@@ -5122,7 +5206,7 @@
           <a:p>
             <a:fld id="{9699C1BD-4514-A447-905B-86DEC9C58C55}" type="datetime1">
               <a:rPr lang="en-SG" smtClean="0"/>
-              <a:t>13/11/12</a:t>
+              <a:t>14/11/12</a:t>
             </a:fld>
             <a:endParaRPr lang="en-US"/>
           </a:p>
@@ -5675,7 +5759,7 @@
           <a:p>
             <a:fld id="{493E6BDE-0295-4C4B-902B-FD401AACEC02}" type="datetime1">
               <a:rPr lang="en-SG" smtClean="0"/>
-              <a:t>13/11/12</a:t>
+              <a:t>14/11/12</a:t>
             </a:fld>
             <a:endParaRPr lang="en-US"/>
           </a:p>
@@ -5800,7 +5884,7 @@
           <a:p>
             <a:fld id="{971D902E-52E4-5F4D-9A84-F04B09DBA050}" type="datetime1">
               <a:rPr lang="en-SG" smtClean="0"/>
-              <a:t>13/11/12</a:t>
+              <a:t>14/11/12</a:t>
             </a:fld>
             <a:endParaRPr lang="en-US"/>
           </a:p>
@@ -5942,7 +6026,15 @@
             </a:r>
             <a:r>
               <a:rPr lang="en-US" dirty="0" smtClean="0"/>
-              <a:t> (Citing context) [&lt;citation&gt;]</a:t>
+              <a:t> (Citing context) [</a:t>
+            </a:r>
+            <a:r>
+              <a:rPr lang="en-US" dirty="0" err="1" smtClean="0"/>
+              <a:t>Nakov</a:t>
+            </a:r>
+            <a:r>
+              <a:rPr lang="en-US" dirty="0" smtClean="0"/>
+              <a:t> et al, 2004]</a:t>
             </a:r>
           </a:p>
           <a:p>
@@ -5952,8 +6044,17 @@
             </a:pPr>
             <a:r>
               <a:rPr lang="en-US" dirty="0" smtClean="0"/>
-              <a:t>Automatic citation classification</a:t>
-            </a:r>
+              <a:t>Automatic </a:t>
+            </a:r>
+            <a:r>
+              <a:rPr lang="en-US" dirty="0" smtClean="0"/>
+              <a:t>citation </a:t>
+            </a:r>
+            <a:r>
+              <a:rPr lang="en-US" dirty="0" smtClean="0"/>
+              <a:t>classification</a:t>
+            </a:r>
+            <a:endParaRPr lang="en-US" dirty="0" smtClean="0"/>
           </a:p>
           <a:p>
             <a:pPr lvl="1">
@@ -6000,7 +6101,7 @@
           <a:p>
             <a:fld id="{971D902E-52E4-5F4D-9A84-F04B09DBA050}" type="datetime1">
               <a:rPr lang="en-SG" smtClean="0"/>
-              <a:t>13/11/12</a:t>
+              <a:t>14/11/12</a:t>
             </a:fld>
             <a:endParaRPr lang="en-US"/>
           </a:p>
@@ -6085,9 +6186,55 @@
           </a:p>
         </p:txBody>
       </p:sp>
+      <p:sp>
+        <p:nvSpPr>
+          <p:cNvPr id="4" name="Date Placeholder 3"/>
+          <p:cNvSpPr>
+            <a:spLocks noGrp="1"/>
+          </p:cNvSpPr>
+          <p:nvPr>
+            <p:ph type="dt" sz="half" idx="10"/>
+          </p:nvPr>
+        </p:nvSpPr>
+        <p:spPr/>
+        <p:txBody>
+          <a:bodyPr/>
+          <a:lstStyle/>
+          <a:p>
+            <a:fld id="{971D902E-52E4-5F4D-9A84-F04B09DBA050}" type="datetime1">
+              <a:rPr lang="en-SG" smtClean="0"/>
+              <a:t>14/11/12</a:t>
+            </a:fld>
+            <a:endParaRPr lang="en-US"/>
+          </a:p>
+        </p:txBody>
+      </p:sp>
+      <p:sp>
+        <p:nvSpPr>
+          <p:cNvPr id="5" name="Slide Number Placeholder 4"/>
+          <p:cNvSpPr>
+            <a:spLocks noGrp="1"/>
+          </p:cNvSpPr>
+          <p:nvPr>
+            <p:ph type="sldNum" sz="quarter" idx="12"/>
+          </p:nvPr>
+        </p:nvSpPr>
+        <p:spPr/>
+        <p:txBody>
+          <a:bodyPr/>
+          <a:lstStyle/>
+          <a:p>
+            <a:fld id="{9C1F5A0A-F6FC-4FFD-9B49-0DA8697211D9}" type="slidenum">
+              <a:rPr lang="en-US" smtClean="0"/>
+              <a:t>12</a:t>
+            </a:fld>
+            <a:endParaRPr lang="en-US"/>
+          </a:p>
+        </p:txBody>
+      </p:sp>
       <p:pic>
         <p:nvPicPr>
-          <p:cNvPr id="6" name="Content Placeholder 5" descr="Screen Shot 2012-11-09 at 1.24.21 PM.PNG"/>
+          <p:cNvPr id="7" name="Content Placeholder 6" descr="Screen Shot 2012-11-14 at 2.05.58 PM.PNG"/>
           <p:cNvPicPr>
             <a:picLocks noGrp="1" noChangeAspect="1"/>
           </p:cNvPicPr>
@@ -6103,64 +6250,18 @@
               </a:ext>
             </a:extLst>
           </a:blip>
-          <a:srcRect l="-25099" r="-25099"/>
+          <a:srcRect l="-30467" r="-30467"/>
           <a:stretch>
             <a:fillRect/>
           </a:stretch>
         </p:blipFill>
         <p:spPr>
           <a:xfrm>
-            <a:off x="-750832" y="580569"/>
-            <a:ext cx="10543172" cy="5775781"/>
+            <a:off x="-832878" y="329265"/>
+            <a:ext cx="10834128" cy="5935173"/>
           </a:xfrm>
         </p:spPr>
       </p:pic>
-      <p:sp>
-        <p:nvSpPr>
-          <p:cNvPr id="4" name="Date Placeholder 3"/>
-          <p:cNvSpPr>
-            <a:spLocks noGrp="1"/>
-          </p:cNvSpPr>
-          <p:nvPr>
-            <p:ph type="dt" sz="half" idx="10"/>
-          </p:nvPr>
-        </p:nvSpPr>
-        <p:spPr/>
-        <p:txBody>
-          <a:bodyPr/>
-          <a:lstStyle/>
-          <a:p>
-            <a:fld id="{971D902E-52E4-5F4D-9A84-F04B09DBA050}" type="datetime1">
-              <a:rPr lang="en-SG" smtClean="0"/>
-              <a:t>13/11/12</a:t>
-            </a:fld>
-            <a:endParaRPr lang="en-US"/>
-          </a:p>
-        </p:txBody>
-      </p:sp>
-      <p:sp>
-        <p:nvSpPr>
-          <p:cNvPr id="5" name="Slide Number Placeholder 4"/>
-          <p:cNvSpPr>
-            <a:spLocks noGrp="1"/>
-          </p:cNvSpPr>
-          <p:nvPr>
-            <p:ph type="sldNum" sz="quarter" idx="12"/>
-          </p:nvPr>
-        </p:nvSpPr>
-        <p:spPr/>
-        <p:txBody>
-          <a:bodyPr/>
-          <a:lstStyle/>
-          <a:p>
-            <a:fld id="{9C1F5A0A-F6FC-4FFD-9B49-0DA8697211D9}" type="slidenum">
-              <a:rPr lang="en-US" smtClean="0"/>
-              <a:t>12</a:t>
-            </a:fld>
-            <a:endParaRPr lang="en-US"/>
-          </a:p>
-        </p:txBody>
-      </p:sp>
     </p:spTree>
     <p:extLst>
       <p:ext uri="{BB962C8B-B14F-4D97-AF65-F5344CB8AC3E}">
@@ -6323,7 +6424,7 @@
           <a:p>
             <a:fld id="{971D902E-52E4-5F4D-9A84-F04B09DBA050}" type="datetime1">
               <a:rPr lang="en-SG" smtClean="0"/>
-              <a:t>13/11/12</a:t>
+              <a:t>14/11/12</a:t>
             </a:fld>
             <a:endParaRPr lang="en-US"/>
           </a:p>
@@ -6349,6 +6450,36 @@
               <a:t>13</a:t>
             </a:fld>
             <a:endParaRPr lang="en-US"/>
+          </a:p>
+        </p:txBody>
+      </p:sp>
+      <p:sp>
+        <p:nvSpPr>
+          <p:cNvPr id="6" name="TextBox 5"/>
+          <p:cNvSpPr txBox="1"/>
+          <p:nvPr/>
+        </p:nvSpPr>
+        <p:spPr>
+          <a:xfrm>
+            <a:off x="685800" y="5984875"/>
+            <a:ext cx="1712240" cy="369332"/>
+          </a:xfrm>
+          <a:prstGeom prst="rect">
+            <a:avLst/>
+          </a:prstGeom>
+          <a:noFill/>
+        </p:spPr>
+        <p:txBody>
+          <a:bodyPr wrap="none" rtlCol="0">
+            <a:spAutoFit/>
+          </a:bodyPr>
+          <a:lstStyle/>
+          <a:p>
+            <a:r>
+              <a:rPr lang="en-US" dirty="0" smtClean="0"/>
+              <a:t>Wan et al, 2010</a:t>
+            </a:r>
+            <a:endParaRPr lang="en-US" dirty="0"/>
           </a:p>
         </p:txBody>
       </p:sp>
@@ -6484,7 +6615,7 @@
           <a:p>
             <a:fld id="{971D902E-52E4-5F4D-9A84-F04B09DBA050}" type="datetime1">
               <a:rPr lang="en-SG" smtClean="0"/>
-              <a:t>13/11/12</a:t>
+              <a:t>14/11/12</a:t>
             </a:fld>
             <a:endParaRPr lang="en-US"/>
           </a:p>
@@ -6645,7 +6776,7 @@
           <a:p>
             <a:fld id="{971D902E-52E4-5F4D-9A84-F04B09DBA050}" type="datetime1">
               <a:rPr lang="en-SG" smtClean="0"/>
-              <a:t>13/11/12</a:t>
+              <a:t>14/11/12</a:t>
             </a:fld>
             <a:endParaRPr lang="en-US"/>
           </a:p>
@@ -6781,7 +6912,7 @@
           <a:p>
             <a:fld id="{971D902E-52E4-5F4D-9A84-F04B09DBA050}" type="datetime1">
               <a:rPr lang="en-SG" smtClean="0"/>
-              <a:t>13/11/12</a:t>
+              <a:t>14/11/12</a:t>
             </a:fld>
             <a:endParaRPr lang="en-US"/>
           </a:p>
@@ -6906,7 +7037,7 @@
           <a:p>
             <a:fld id="{971D902E-52E4-5F4D-9A84-F04B09DBA050}" type="datetime1">
               <a:rPr lang="en-SG" smtClean="0"/>
-              <a:t>13/11/12</a:t>
+              <a:t>14/11/12</a:t>
             </a:fld>
             <a:endParaRPr lang="en-US"/>
           </a:p>
@@ -7084,7 +7215,7 @@
           <a:p>
             <a:fld id="{971D902E-52E4-5F4D-9A84-F04B09DBA050}" type="datetime1">
               <a:rPr lang="en-SG" smtClean="0"/>
-              <a:t>13/11/12</a:t>
+              <a:t>14/11/12</a:t>
             </a:fld>
             <a:endParaRPr lang="en-US"/>
           </a:p>
@@ -7248,7 +7379,7 @@
           <a:p>
             <a:fld id="{971D902E-52E4-5F4D-9A84-F04B09DBA050}" type="datetime1">
               <a:rPr lang="en-SG" smtClean="0"/>
-              <a:t>13/11/12</a:t>
+              <a:t>14/11/12</a:t>
             </a:fld>
             <a:endParaRPr lang="en-US"/>
           </a:p>
@@ -7374,7 +7505,7 @@
           <a:p>
             <a:fld id="{563E79EE-1F17-1648-97B2-C07F58618625}" type="datetime1">
               <a:rPr lang="en-SG" smtClean="0"/>
-              <a:t>13/11/12</a:t>
+              <a:t>14/11/12</a:t>
             </a:fld>
             <a:endParaRPr lang="en-US"/>
           </a:p>
@@ -7507,7 +7638,7 @@
           <a:p>
             <a:fld id="{971D902E-52E4-5F4D-9A84-F04B09DBA050}" type="datetime1">
               <a:rPr lang="en-SG" smtClean="0"/>
-              <a:t>13/11/12</a:t>
+              <a:t>14/11/12</a:t>
             </a:fld>
             <a:endParaRPr lang="en-US"/>
           </a:p>
@@ -7590,7 +7721,7 @@
           <a:p>
             <a:r>
               <a:rPr lang="en-US" dirty="0" smtClean="0"/>
-              <a:t>General</a:t>
+              <a:t>General Citations</a:t>
             </a:r>
             <a:endParaRPr lang="en-US" dirty="0"/>
           </a:p>
@@ -7666,7 +7797,7 @@
           <a:p>
             <a:fld id="{971D902E-52E4-5F4D-9A84-F04B09DBA050}" type="datetime1">
               <a:rPr lang="en-SG" smtClean="0"/>
-              <a:t>13/11/12</a:t>
+              <a:t>14/11/12</a:t>
             </a:fld>
             <a:endParaRPr lang="en-US"/>
           </a:p>
@@ -7749,7 +7880,7 @@
           <a:p>
             <a:r>
               <a:rPr lang="en-US" dirty="0" smtClean="0"/>
-              <a:t>Specific</a:t>
+              <a:t>Specific Citations</a:t>
             </a:r>
             <a:endParaRPr lang="en-US" dirty="0"/>
           </a:p>
@@ -7845,7 +7976,7 @@
           <a:p>
             <a:fld id="{971D902E-52E4-5F4D-9A84-F04B09DBA050}" type="datetime1">
               <a:rPr lang="en-SG" smtClean="0"/>
-              <a:t>13/11/12</a:t>
+              <a:t>14/11/12</a:t>
             </a:fld>
             <a:endParaRPr lang="en-US"/>
           </a:p>
@@ -7957,11 +8088,7 @@
             </a:pPr>
             <a:r>
               <a:rPr lang="en-US" dirty="0" smtClean="0"/>
-              <a:t>Splittin</a:t>
-            </a:r>
-            <a:r>
-              <a:rPr lang="en-US" dirty="0" smtClean="0"/>
-              <a:t>g the problem into 2 tiers</a:t>
+              <a:t>Splitting the problem into 2 tiers</a:t>
             </a:r>
           </a:p>
           <a:p>
@@ -8066,7 +8193,7 @@
           <a:p>
             <a:fld id="{971D902E-52E4-5F4D-9A84-F04B09DBA050}" type="datetime1">
               <a:rPr lang="en-SG" smtClean="0"/>
-              <a:t>13/11/12</a:t>
+              <a:t>14/11/12</a:t>
             </a:fld>
             <a:endParaRPr lang="en-US"/>
           </a:p>
@@ -8202,7 +8329,7 @@
           <a:p>
             <a:fld id="{971D902E-52E4-5F4D-9A84-F04B09DBA050}" type="datetime1">
               <a:rPr lang="en-SG" smtClean="0"/>
-              <a:t>13/11/12</a:t>
+              <a:t>14/11/12</a:t>
             </a:fld>
             <a:endParaRPr lang="en-US"/>
           </a:p>
@@ -8341,7 +8468,11 @@
               <a:buChar char="•"/>
             </a:pPr>
             <a:r>
-              <a:rPr lang="en-US" dirty="0" smtClean="0"/>
+              <a:rPr lang="en-US" dirty="0" smtClean="0">
+                <a:solidFill>
+                  <a:srgbClr val="FFFFFF"/>
+                </a:solidFill>
+              </a:rPr>
               <a:t>E.g. X98-1031==&gt;X96-1049</a:t>
             </a:r>
           </a:p>
@@ -8351,7 +8482,11 @@
               <a:buChar char="•"/>
             </a:pPr>
             <a:r>
-              <a:rPr lang="en-US" dirty="0" smtClean="0"/>
+              <a:rPr lang="en-US" dirty="0" smtClean="0">
+                <a:solidFill>
+                  <a:srgbClr val="FFFFFF"/>
+                </a:solidFill>
+              </a:rPr>
               <a:t>Citation relationships</a:t>
             </a:r>
           </a:p>
@@ -8385,7 +8520,7 @@
           <a:p>
             <a:fld id="{971D902E-52E4-5F4D-9A84-F04B09DBA050}" type="datetime1">
               <a:rPr lang="en-SG" smtClean="0"/>
-              <a:t>13/11/12</a:t>
+              <a:t>14/11/12</a:t>
             </a:fld>
             <a:endParaRPr lang="en-US"/>
           </a:p>
@@ -8645,7 +8780,7 @@
           <a:p>
             <a:fld id="{971D902E-52E4-5F4D-9A84-F04B09DBA050}" type="datetime1">
               <a:rPr lang="en-SG" smtClean="0"/>
-              <a:t>13/11/12</a:t>
+              <a:t>14/11/12</a:t>
             </a:fld>
             <a:endParaRPr lang="en-US"/>
           </a:p>
@@ -8781,7 +8916,7 @@
           <a:p>
             <a:fld id="{971D902E-52E4-5F4D-9A84-F04B09DBA050}" type="datetime1">
               <a:rPr lang="en-SG" smtClean="0"/>
-              <a:t>13/11/12</a:t>
+              <a:t>14/11/12</a:t>
             </a:fld>
             <a:endParaRPr lang="en-US"/>
           </a:p>
@@ -8897,7 +9032,7 @@
           <a:p>
             <a:fld id="{971D902E-52E4-5F4D-9A84-F04B09DBA050}" type="datetime1">
               <a:rPr lang="en-SG" smtClean="0"/>
-              <a:t>13/11/12</a:t>
+              <a:t>14/11/12</a:t>
             </a:fld>
             <a:endParaRPr lang="en-US"/>
           </a:p>
@@ -9329,7 +9464,7 @@
           <a:p>
             <a:fld id="{971D902E-52E4-5F4D-9A84-F04B09DBA050}" type="datetime1">
               <a:rPr lang="en-SG" smtClean="0"/>
-              <a:t>13/11/12</a:t>
+              <a:t>14/11/12</a:t>
             </a:fld>
             <a:endParaRPr lang="en-US"/>
           </a:p>
@@ -9368,6 +9503,13 @@
   <p:clrMapOvr>
     <a:masterClrMapping/>
   </p:clrMapOvr>
+  <p:timing>
+    <p:tnLst>
+      <p:par>
+        <p:cTn xmlns:p14="http://schemas.microsoft.com/office/powerpoint/2010/main" id="1" dur="indefinite" restart="never" nodeType="tmRoot"/>
+      </p:par>
+    </p:tnLst>
+  </p:timing>
 </p:sld>
 </file>
 
@@ -9439,7 +9581,11 @@
             </a:pPr>
             <a:r>
               <a:rPr lang="en-US" sz="3000" dirty="0" smtClean="0"/>
-              <a:t>Most citations are mere mentions</a:t>
+              <a:t>Most citations are mere </a:t>
+            </a:r>
+            <a:r>
+              <a:rPr lang="en-US" sz="3000" i="1" dirty="0" smtClean="0"/>
+              <a:t>mentions</a:t>
             </a:r>
           </a:p>
           <a:p>
@@ -9474,7 +9620,7 @@
           <a:p>
             <a:fld id="{94B8BBE6-B782-1D40-BFB6-CF71C008F728}" type="datetime1">
               <a:rPr lang="en-SG" smtClean="0"/>
-              <a:t>13/11/12</a:t>
+              <a:t>14/11/12</a:t>
             </a:fld>
             <a:endParaRPr lang="en-US"/>
           </a:p>
@@ -9662,11 +9808,7 @@
             </a:r>
             <a:r>
               <a:rPr lang="en-US" u="sng" dirty="0" smtClean="0"/>
-              <a:t>L50-</a:t>
-            </a:r>
-            <a:r>
-              <a:rPr lang="en-US" u="sng" dirty="0" smtClean="0"/>
-              <a:t>78</a:t>
+              <a:t>L50-78</a:t>
             </a:r>
           </a:p>
           <a:p>
@@ -9678,7 +9820,6 @@
               <a:rPr lang="en-US" dirty="0" smtClean="0"/>
               <a:t>Overlap? Yes. Correct? ????</a:t>
             </a:r>
-            <a:endParaRPr lang="en-US" dirty="0" smtClean="0"/>
           </a:p>
           <a:p>
             <a:pPr>
@@ -9710,7 +9851,7 @@
           <a:p>
             <a:fld id="{971D902E-52E4-5F4D-9A84-F04B09DBA050}" type="datetime1">
               <a:rPr lang="en-SG" smtClean="0"/>
-              <a:t>13/11/12</a:t>
+              <a:t>14/11/12</a:t>
             </a:fld>
             <a:endParaRPr lang="en-US"/>
           </a:p>
@@ -9749,6 +9890,13 @@
   <p:clrMapOvr>
     <a:masterClrMapping/>
   </p:clrMapOvr>
+  <p:timing>
+    <p:tnLst>
+      <p:par>
+        <p:cTn xmlns:p14="http://schemas.microsoft.com/office/powerpoint/2010/main" id="1" dur="indefinite" restart="never" nodeType="tmRoot"/>
+      </p:par>
+    </p:tnLst>
+  </p:timing>
 </p:sld>
 </file>
 
@@ -9819,7 +9967,7 @@
           <a:p>
             <a:fld id="{971D902E-52E4-5F4D-9A84-F04B09DBA050}" type="datetime1">
               <a:rPr lang="en-SG" smtClean="0"/>
-              <a:t>13/11/12</a:t>
+              <a:t>14/11/12</a:t>
             </a:fld>
             <a:endParaRPr lang="en-US"/>
           </a:p>
@@ -10638,7 +10786,7 @@
           <a:p>
             <a:fld id="{971D902E-52E4-5F4D-9A84-F04B09DBA050}" type="datetime1">
               <a:rPr lang="en-SG" smtClean="0"/>
-              <a:t>13/11/12</a:t>
+              <a:t>14/11/12</a:t>
             </a:fld>
             <a:endParaRPr lang="en-US"/>
           </a:p>
@@ -10936,7 +11084,7 @@
           <a:p>
             <a:fld id="{971D902E-52E4-5F4D-9A84-F04B09DBA050}" type="datetime1">
               <a:rPr lang="en-SG" smtClean="0"/>
-              <a:t>13/11/12</a:t>
+              <a:t>14/11/12</a:t>
             </a:fld>
             <a:endParaRPr lang="en-US"/>
           </a:p>
@@ -11238,7 +11386,7 @@
           <a:p>
             <a:fld id="{C0ED4E70-D94B-9D49-902A-5B23FAE68F2B}" type="datetime1">
               <a:rPr lang="en-SG" smtClean="0"/>
-              <a:t>13/11/12</a:t>
+              <a:t>14/11/12</a:t>
             </a:fld>
             <a:endParaRPr lang="en-US"/>
           </a:p>
@@ -11354,7 +11502,7 @@
           <a:p>
             <a:fld id="{971D902E-52E4-5F4D-9A84-F04B09DBA050}" type="datetime1">
               <a:rPr lang="en-SG" smtClean="0"/>
-              <a:t>13/11/12</a:t>
+              <a:t>14/11/12</a:t>
             </a:fld>
             <a:endParaRPr lang="en-US"/>
           </a:p>
@@ -11597,7 +11745,7 @@
           <a:p>
             <a:fld id="{971D902E-52E4-5F4D-9A84-F04B09DBA050}" type="datetime1">
               <a:rPr lang="en-SG" smtClean="0"/>
-              <a:t>13/11/12</a:t>
+              <a:t>14/11/12</a:t>
             </a:fld>
             <a:endParaRPr lang="en-US"/>
           </a:p>
@@ -11803,7 +11951,7 @@
           <a:p>
             <a:fld id="{971D902E-52E4-5F4D-9A84-F04B09DBA050}" type="datetime1">
               <a:rPr lang="en-SG" smtClean="0"/>
-              <a:t>13/11/12</a:t>
+              <a:t>14/11/12</a:t>
             </a:fld>
             <a:endParaRPr lang="en-US"/>
           </a:p>
@@ -11939,7 +12087,7 @@
           <a:p>
             <a:fld id="{971D902E-52E4-5F4D-9A84-F04B09DBA050}" type="datetime1">
               <a:rPr lang="en-SG" smtClean="0"/>
-              <a:t>13/11/12</a:t>
+              <a:t>14/11/12</a:t>
             </a:fld>
             <a:endParaRPr lang="en-US"/>
           </a:p>
@@ -12038,7 +12186,6 @@
               <a:rPr lang="en-US" dirty="0"/>
               <a:t> tier)</a:t>
             </a:r>
-            <a:endParaRPr lang="en-US" dirty="0"/>
           </a:p>
         </p:txBody>
       </p:sp>
@@ -12059,7 +12206,7 @@
           <a:p>
             <a:fld id="{971D902E-52E4-5F4D-9A84-F04B09DBA050}" type="datetime1">
               <a:rPr lang="en-SG" smtClean="0"/>
-              <a:t>13/11/12</a:t>
+              <a:t>14/11/12</a:t>
             </a:fld>
             <a:endParaRPr lang="en-US"/>
           </a:p>
@@ -12335,7 +12482,7 @@
           <a:p>
             <a:fld id="{3C917033-8575-0740-9C34-1A336DB11ACD}" type="datetime1">
               <a:rPr lang="en-SG" smtClean="0"/>
-              <a:t>13/11/12</a:t>
+              <a:t>14/11/12</a:t>
             </a:fld>
             <a:endParaRPr lang="en-US"/>
           </a:p>
@@ -12553,7 +12700,7 @@
           <a:p>
             <a:fld id="{971D902E-52E4-5F4D-9A84-F04B09DBA050}" type="datetime1">
               <a:rPr lang="en-SG" smtClean="0"/>
-              <a:t>13/11/12</a:t>
+              <a:t>14/11/12</a:t>
             </a:fld>
             <a:endParaRPr lang="en-US"/>
           </a:p>
@@ -12753,7 +12900,7 @@
           <a:p>
             <a:fld id="{971D902E-52E4-5F4D-9A84-F04B09DBA050}" type="datetime1">
               <a:rPr lang="en-SG" smtClean="0"/>
-              <a:t>13/11/12</a:t>
+              <a:t>14/11/12</a:t>
             </a:fld>
             <a:endParaRPr lang="en-US"/>
           </a:p>
@@ -12792,6 +12939,13 @@
   <p:clrMapOvr>
     <a:masterClrMapping/>
   </p:clrMapOvr>
+  <p:timing>
+    <p:tnLst>
+      <p:par>
+        <p:cTn xmlns:p14="http://schemas.microsoft.com/office/powerpoint/2010/main" id="1" dur="indefinite" restart="never" nodeType="tmRoot"/>
+      </p:par>
+    </p:tnLst>
+  </p:timing>
 </p:sld>
 </file>
 
@@ -12967,7 +13121,7 @@
           <a:p>
             <a:fld id="{971D902E-52E4-5F4D-9A84-F04B09DBA050}" type="datetime1">
               <a:rPr lang="en-SG" smtClean="0"/>
-              <a:t>13/11/12</a:t>
+              <a:t>14/11/12</a:t>
             </a:fld>
             <a:endParaRPr lang="en-US"/>
           </a:p>
@@ -13006,6 +13160,13 @@
   <p:clrMapOvr>
     <a:masterClrMapping/>
   </p:clrMapOvr>
+  <p:timing>
+    <p:tnLst>
+      <p:par>
+        <p:cTn xmlns:p14="http://schemas.microsoft.com/office/powerpoint/2010/main" id="1" dur="indefinite" restart="never" nodeType="tmRoot"/>
+      </p:par>
+    </p:tnLst>
+  </p:timing>
 </p:sld>
 </file>
 
@@ -13121,7 +13282,7 @@
           <a:p>
             <a:fld id="{971D902E-52E4-5F4D-9A84-F04B09DBA050}" type="datetime1">
               <a:rPr lang="en-SG" smtClean="0"/>
-              <a:t>13/11/12</a:t>
+              <a:t>14/11/12</a:t>
             </a:fld>
             <a:endParaRPr lang="en-US"/>
           </a:p>
@@ -13160,6 +13321,13 @@
   <p:clrMapOvr>
     <a:masterClrMapping/>
   </p:clrMapOvr>
+  <p:timing>
+    <p:tnLst>
+      <p:par>
+        <p:cTn xmlns:p14="http://schemas.microsoft.com/office/powerpoint/2010/main" id="1" dur="indefinite" restart="never" nodeType="tmRoot"/>
+      </p:par>
+    </p:tnLst>
+  </p:timing>
 </p:sld>
 </file>
 
@@ -13281,7 +13449,7 @@
           <a:p>
             <a:fld id="{971D902E-52E4-5F4D-9A84-F04B09DBA050}" type="datetime1">
               <a:rPr lang="en-SG" smtClean="0"/>
-              <a:t>13/11/12</a:t>
+              <a:t>14/11/12</a:t>
             </a:fld>
             <a:endParaRPr lang="en-US"/>
           </a:p>
@@ -13320,6 +13488,13 @@
   <p:clrMapOvr>
     <a:masterClrMapping/>
   </p:clrMapOvr>
+  <p:timing>
+    <p:tnLst>
+      <p:par>
+        <p:cTn xmlns:p14="http://schemas.microsoft.com/office/powerpoint/2010/main" id="1" dur="indefinite" restart="never" nodeType="tmRoot"/>
+      </p:par>
+    </p:tnLst>
+  </p:timing>
 </p:sld>
 </file>
 
@@ -13503,7 +13678,7 @@
           <a:p>
             <a:fld id="{971D902E-52E4-5F4D-9A84-F04B09DBA050}" type="datetime1">
               <a:rPr lang="en-SG" smtClean="0"/>
-              <a:t>13/11/12</a:t>
+              <a:t>14/11/12</a:t>
             </a:fld>
             <a:endParaRPr lang="en-US"/>
           </a:p>
@@ -13542,6 +13717,13 @@
   <p:clrMapOvr>
     <a:masterClrMapping/>
   </p:clrMapOvr>
+  <p:timing>
+    <p:tnLst>
+      <p:par>
+        <p:cTn xmlns:p14="http://schemas.microsoft.com/office/powerpoint/2010/main" id="1" dur="indefinite" restart="never" nodeType="tmRoot"/>
+      </p:par>
+    </p:tnLst>
+  </p:timing>
 </p:sld>
 </file>
 
@@ -13632,7 +13814,7 @@
           <a:p>
             <a:fld id="{971D902E-52E4-5F4D-9A84-F04B09DBA050}" type="datetime1">
               <a:rPr lang="en-SG" smtClean="0"/>
-              <a:t>13/11/12</a:t>
+              <a:t>14/11/12</a:t>
             </a:fld>
             <a:endParaRPr lang="en-US"/>
           </a:p>
@@ -13735,7 +13917,6 @@
               <a:rPr lang="en-US" dirty="0"/>
               <a:t>)</a:t>
             </a:r>
-            <a:endParaRPr lang="en-US" dirty="0"/>
           </a:p>
         </p:txBody>
       </p:sp>
@@ -13756,7 +13937,7 @@
           <a:p>
             <a:fld id="{971D902E-52E4-5F4D-9A84-F04B09DBA050}" type="datetime1">
               <a:rPr lang="en-SG" smtClean="0"/>
-              <a:t>13/11/12</a:t>
+              <a:t>14/11/12</a:t>
             </a:fld>
             <a:endParaRPr lang="en-US"/>
           </a:p>
@@ -14114,7 +14295,7 @@
           <a:p>
             <a:fld id="{971D902E-52E4-5F4D-9A84-F04B09DBA050}" type="datetime1">
               <a:rPr lang="en-SG" smtClean="0"/>
-              <a:t>13/11/12</a:t>
+              <a:t>14/11/12</a:t>
             </a:fld>
             <a:endParaRPr lang="en-US"/>
           </a:p>
@@ -14300,7 +14481,7 @@
           <a:p>
             <a:fld id="{971D902E-52E4-5F4D-9A84-F04B09DBA050}" type="datetime1">
               <a:rPr lang="en-SG" smtClean="0"/>
-              <a:t>13/11/12</a:t>
+              <a:t>14/11/12</a:t>
             </a:fld>
             <a:endParaRPr lang="en-US"/>
           </a:p>
@@ -14339,6 +14520,13 @@
   <p:clrMapOvr>
     <a:masterClrMapping/>
   </p:clrMapOvr>
+  <p:timing>
+    <p:tnLst>
+      <p:par>
+        <p:cTn xmlns:p14="http://schemas.microsoft.com/office/powerpoint/2010/main" id="1" dur="indefinite" restart="never" nodeType="tmRoot"/>
+      </p:par>
+    </p:tnLst>
+  </p:timing>
 </p:sld>
 </file>
 
@@ -14425,7 +14613,7 @@
           <a:p>
             <a:fld id="{147C69E3-A01A-F547-9575-0A9678504318}" type="datetime1">
               <a:rPr lang="en-SG" smtClean="0"/>
-              <a:t>13/11/12</a:t>
+              <a:t>14/11/12</a:t>
             </a:fld>
             <a:endParaRPr lang="en-US"/>
           </a:p>
@@ -14470,10 +14658,14 @@
           <a:lstStyle/>
           <a:p>
             <a:r>
-              <a:rPr lang="en-US" smtClean="0"/>
-              <a:t>"Introduction to the Special Issue on the Web as Corpus" (Kilgarriff &amp; Grefenstette, 2003)</a:t>
-            </a:r>
-            <a:endParaRPr lang="en-US"/>
+              <a:rPr lang="en-US" dirty="0" err="1" smtClean="0"/>
+              <a:t>Solorio</a:t>
+            </a:r>
+            <a:r>
+              <a:rPr lang="en-US" dirty="0" smtClean="0"/>
+              <a:t> et al, 2004</a:t>
+            </a:r>
+            <a:endParaRPr lang="en-US" dirty="0"/>
           </a:p>
         </p:txBody>
       </p:sp>
@@ -14649,7 +14841,7 @@
           <a:p>
             <a:fld id="{971D902E-52E4-5F4D-9A84-F04B09DBA050}" type="datetime1">
               <a:rPr lang="en-SG" smtClean="0"/>
-              <a:t>13/11/12</a:t>
+              <a:t>14/11/12</a:t>
             </a:fld>
             <a:endParaRPr lang="en-US"/>
           </a:p>
@@ -14688,6 +14880,13 @@
   <p:clrMapOvr>
     <a:masterClrMapping/>
   </p:clrMapOvr>
+  <p:timing>
+    <p:tnLst>
+      <p:par>
+        <p:cTn xmlns:p14="http://schemas.microsoft.com/office/powerpoint/2010/main" id="1" dur="indefinite" restart="never" nodeType="tmRoot"/>
+      </p:par>
+    </p:tnLst>
+  </p:timing>
 </p:sld>
 </file>
 
@@ -14806,7 +15005,7 @@
           <a:p>
             <a:fld id="{971D902E-52E4-5F4D-9A84-F04B09DBA050}" type="datetime1">
               <a:rPr lang="en-SG" smtClean="0"/>
-              <a:t>13/11/12</a:t>
+              <a:t>14/11/12</a:t>
             </a:fld>
             <a:endParaRPr lang="en-US"/>
           </a:p>
@@ -14845,6 +15044,13 @@
   <p:clrMapOvr>
     <a:masterClrMapping/>
   </p:clrMapOvr>
+  <p:timing>
+    <p:tnLst>
+      <p:par>
+        <p:cTn xmlns:p14="http://schemas.microsoft.com/office/powerpoint/2010/main" id="1" dur="indefinite" restart="never" nodeType="tmRoot"/>
+      </p:par>
+    </p:tnLst>
+  </p:timing>
 </p:sld>
 </file>
 
@@ -14924,7 +15130,7 @@
           <a:p>
             <a:fld id="{971D902E-52E4-5F4D-9A84-F04B09DBA050}" type="datetime1">
               <a:rPr lang="en-SG" smtClean="0"/>
-              <a:t>13/11/12</a:t>
+              <a:t>14/11/12</a:t>
             </a:fld>
             <a:endParaRPr lang="en-US"/>
           </a:p>
@@ -14963,6 +15169,13 @@
   <p:clrMapOvr>
     <a:masterClrMapping/>
   </p:clrMapOvr>
+  <p:timing>
+    <p:tnLst>
+      <p:par>
+        <p:cTn xmlns:p14="http://schemas.microsoft.com/office/powerpoint/2010/main" id="1" dur="indefinite" restart="never" nodeType="tmRoot"/>
+      </p:par>
+    </p:tnLst>
+  </p:timing>
 </p:sld>
 </file>
 
@@ -15051,7 +15264,21 @@
             </a:pPr>
             <a:r>
               <a:rPr lang="en-US" dirty="0" smtClean="0"/>
-              <a:t>Maximize instances for training</a:t>
+              <a:t>Maximize instances for </a:t>
+            </a:r>
+            <a:r>
+              <a:rPr lang="en-US" dirty="0" smtClean="0"/>
+              <a:t>training</a:t>
+            </a:r>
+          </a:p>
+          <a:p>
+            <a:pPr lvl="1">
+              <a:buFont typeface="Arial"/>
+              <a:buChar char="•"/>
+            </a:pPr>
+            <a:r>
+              <a:rPr lang="en-US" dirty="0" smtClean="0"/>
+              <a:t>Balanced performance</a:t>
             </a:r>
             <a:endParaRPr lang="en-US" dirty="0"/>
           </a:p>
@@ -15074,7 +15301,7 @@
           <a:p>
             <a:fld id="{971D902E-52E4-5F4D-9A84-F04B09DBA050}" type="datetime1">
               <a:rPr lang="en-SG" smtClean="0"/>
-              <a:t>13/11/12</a:t>
+              <a:t>14/11/12</a:t>
             </a:fld>
             <a:endParaRPr lang="en-US"/>
           </a:p>
@@ -15125,7 +15352,7 @@
         </p:blipFill>
         <p:spPr>
           <a:xfrm>
-            <a:off x="685800" y="3352800"/>
+            <a:off x="812800" y="3686175"/>
             <a:ext cx="7553325" cy="2304791"/>
           </a:xfrm>
           <a:prstGeom prst="rect">
@@ -15143,6 +15370,13 @@
   <p:clrMapOvr>
     <a:masterClrMapping/>
   </p:clrMapOvr>
+  <p:timing>
+    <p:tnLst>
+      <p:par>
+        <p:cTn xmlns:p14="http://schemas.microsoft.com/office/powerpoint/2010/main" id="1" dur="indefinite" restart="never" nodeType="tmRoot"/>
+      </p:par>
+    </p:tnLst>
+  </p:timing>
 </p:sld>
 </file>
 
@@ -15215,7 +15449,7 @@
         </p:blipFill>
         <p:spPr>
           <a:xfrm>
-            <a:off x="685800" y="1059516"/>
+            <a:off x="701675" y="1567516"/>
             <a:ext cx="7770813" cy="4257022"/>
           </a:xfrm>
         </p:spPr>
@@ -15237,7 +15471,7 @@
           <a:p>
             <a:fld id="{971D902E-52E4-5F4D-9A84-F04B09DBA050}" type="datetime1">
               <a:rPr lang="en-SG" smtClean="0"/>
-              <a:t>13/11/12</a:t>
+              <a:t>14/11/12</a:t>
             </a:fld>
             <a:endParaRPr lang="en-US"/>
           </a:p>
@@ -15276,6 +15510,13 @@
   <p:clrMapOvr>
     <a:masterClrMapping/>
   </p:clrMapOvr>
+  <p:timing>
+    <p:tnLst>
+      <p:par>
+        <p:cTn xmlns:p14="http://schemas.microsoft.com/office/powerpoint/2010/main" id="1" dur="indefinite" restart="never" nodeType="tmRoot"/>
+      </p:par>
+    </p:tnLst>
+  </p:timing>
 </p:sld>
 </file>
 
@@ -15397,7 +15638,7 @@
           <a:p>
             <a:fld id="{971D902E-52E4-5F4D-9A84-F04B09DBA050}" type="datetime1">
               <a:rPr lang="en-SG" smtClean="0"/>
-              <a:t>13/11/12</a:t>
+              <a:t>14/11/12</a:t>
             </a:fld>
             <a:endParaRPr lang="en-US"/>
           </a:p>
@@ -15448,7 +15689,7 @@
         </p:blipFill>
         <p:spPr>
           <a:xfrm>
-            <a:off x="1182688" y="3683000"/>
+            <a:off x="1182688" y="3746500"/>
             <a:ext cx="7057644" cy="2673350"/>
           </a:xfrm>
           <a:prstGeom prst="rect">
@@ -15466,6 +15707,13 @@
   <p:clrMapOvr>
     <a:masterClrMapping/>
   </p:clrMapOvr>
+  <p:timing>
+    <p:tnLst>
+      <p:par>
+        <p:cTn xmlns:p14="http://schemas.microsoft.com/office/powerpoint/2010/main" id="1" dur="indefinite" restart="never" nodeType="tmRoot"/>
+      </p:par>
+    </p:tnLst>
+  </p:timing>
 </p:sld>
 </file>
 
@@ -15523,7 +15771,12 @@
             <p:ph idx="1"/>
           </p:nvPr>
         </p:nvSpPr>
-        <p:spPr/>
+        <p:spPr>
+          <a:xfrm>
+            <a:off x="685800" y="1250016"/>
+            <a:ext cx="7770813" cy="4257022"/>
+          </a:xfrm>
+        </p:spPr>
         <p:txBody>
           <a:bodyPr/>
           <a:lstStyle/>
@@ -15557,7 +15810,7 @@
           <a:p>
             <a:fld id="{971D902E-52E4-5F4D-9A84-F04B09DBA050}" type="datetime1">
               <a:rPr lang="en-SG" smtClean="0"/>
-              <a:t>13/11/12</a:t>
+              <a:t>14/11/12</a:t>
             </a:fld>
             <a:endParaRPr lang="en-US"/>
           </a:p>
@@ -15608,7 +15861,7 @@
         </p:blipFill>
         <p:spPr>
           <a:xfrm>
-            <a:off x="685800" y="2316163"/>
+            <a:off x="765175" y="1760538"/>
             <a:ext cx="7658100" cy="3810000"/>
           </a:xfrm>
           <a:prstGeom prst="rect">
@@ -15616,6 +15869,59 @@
           </a:prstGeom>
         </p:spPr>
       </p:pic>
+      <p:sp>
+        <p:nvSpPr>
+          <p:cNvPr id="7" name="TextBox 6"/>
+          <p:cNvSpPr txBox="1"/>
+          <p:nvPr/>
+        </p:nvSpPr>
+        <p:spPr>
+          <a:xfrm>
+            <a:off x="523875" y="5651500"/>
+            <a:ext cx="8104540" cy="646331"/>
+          </a:xfrm>
+          <a:prstGeom prst="rect">
+            <a:avLst/>
+          </a:prstGeom>
+          <a:noFill/>
+        </p:spPr>
+        <p:txBody>
+          <a:bodyPr wrap="none" rtlCol="0">
+            <a:spAutoFit/>
+          </a:bodyPr>
+          <a:lstStyle/>
+          <a:p>
+            <a:r>
+              <a:rPr lang="en-US" dirty="0" smtClean="0"/>
+              <a:t>A – Physical Feature; B – Number Density; C – Published Year; D – </a:t>
+            </a:r>
+            <a:r>
+              <a:rPr lang="en-US" dirty="0" err="1" smtClean="0"/>
+              <a:t>Avg</a:t>
+            </a:r>
+            <a:r>
+              <a:rPr lang="en-US" dirty="0" smtClean="0"/>
+              <a:t> </a:t>
+            </a:r>
+            <a:r>
+              <a:rPr lang="en-US" dirty="0" err="1" smtClean="0"/>
+              <a:t>TFxIDF</a:t>
+            </a:r>
+            <a:r>
+              <a:rPr lang="en-US" dirty="0"/>
+              <a:t/>
+            </a:r>
+            <a:br>
+              <a:rPr lang="en-US" dirty="0"/>
+            </a:br>
+            <a:r>
+              <a:rPr lang="en-US" dirty="0" smtClean="0"/>
+              <a:t>E – Cue Words</a:t>
+            </a:r>
+            <a:endParaRPr lang="en-US" dirty="0"/>
+          </a:p>
+        </p:txBody>
+      </p:sp>
     </p:spTree>
     <p:extLst>
       <p:ext uri="{BB962C8B-B14F-4D97-AF65-F5344CB8AC3E}">
@@ -15626,6 +15932,13 @@
   <p:clrMapOvr>
     <a:masterClrMapping/>
   </p:clrMapOvr>
+  <p:timing>
+    <p:tnLst>
+      <p:par>
+        <p:cTn xmlns:p14="http://schemas.microsoft.com/office/powerpoint/2010/main" id="1" dur="indefinite" restart="never" nodeType="tmRoot"/>
+      </p:par>
+    </p:tnLst>
+  </p:timing>
 </p:sld>
 </file>
 
@@ -15694,7 +16007,21 @@
             </a:pPr>
             <a:r>
               <a:rPr lang="en-US" dirty="0" smtClean="0"/>
-              <a:t>Leave-One-Out</a:t>
+              <a:t>Leave-One-</a:t>
+            </a:r>
+            <a:r>
+              <a:rPr lang="en-US" dirty="0" smtClean="0"/>
+              <a:t>Out</a:t>
+            </a:r>
+          </a:p>
+          <a:p>
+            <a:pPr>
+              <a:buFont typeface="Arial"/>
+              <a:buChar char="•"/>
+            </a:pPr>
+            <a:r>
+              <a:rPr lang="en-US" dirty="0" smtClean="0"/>
+              <a:t>Balanced performance</a:t>
             </a:r>
             <a:endParaRPr lang="en-US" dirty="0"/>
           </a:p>
@@ -15717,7 +16044,7 @@
           <a:p>
             <a:fld id="{971D902E-52E4-5F4D-9A84-F04B09DBA050}" type="datetime1">
               <a:rPr lang="en-SG" smtClean="0"/>
-              <a:t>13/11/12</a:t>
+              <a:t>14/11/12</a:t>
             </a:fld>
             <a:endParaRPr lang="en-US"/>
           </a:p>
@@ -15768,7 +16095,7 @@
         </p:blipFill>
         <p:spPr>
           <a:xfrm>
-            <a:off x="428625" y="2527300"/>
+            <a:off x="476250" y="3305175"/>
             <a:ext cx="8153400" cy="2501900"/>
           </a:xfrm>
           <a:prstGeom prst="rect">
@@ -15786,6 +16113,13 @@
   <p:clrMapOvr>
     <a:masterClrMapping/>
   </p:clrMapOvr>
+  <p:timing>
+    <p:tnLst>
+      <p:par>
+        <p:cTn xmlns:p14="http://schemas.microsoft.com/office/powerpoint/2010/main" id="1" dur="indefinite" restart="never" nodeType="tmRoot"/>
+      </p:par>
+    </p:tnLst>
+  </p:timing>
 </p:sld>
 </file>
 
@@ -15875,7 +16209,7 @@
           <a:p>
             <a:fld id="{971D902E-52E4-5F4D-9A84-F04B09DBA050}" type="datetime1">
               <a:rPr lang="en-SG" smtClean="0"/>
-              <a:t>13/11/12</a:t>
+              <a:t>14/11/12</a:t>
             </a:fld>
             <a:endParaRPr lang="en-US"/>
           </a:p>
@@ -15914,6 +16248,13 @@
   <p:clrMapOvr>
     <a:masterClrMapping/>
   </p:clrMapOvr>
+  <p:timing>
+    <p:tnLst>
+      <p:par>
+        <p:cTn xmlns:p14="http://schemas.microsoft.com/office/powerpoint/2010/main" id="1" dur="indefinite" restart="never" nodeType="tmRoot"/>
+      </p:par>
+    </p:tnLst>
+  </p:timing>
 </p:sld>
 </file>
 
@@ -16005,7 +16346,7 @@
           <a:p>
             <a:fld id="{971D902E-52E4-5F4D-9A84-F04B09DBA050}" type="datetime1">
               <a:rPr lang="en-SG" smtClean="0"/>
-              <a:t>13/11/12</a:t>
+              <a:t>14/11/12</a:t>
             </a:fld>
             <a:endParaRPr lang="en-US"/>
           </a:p>
@@ -16056,7 +16397,7 @@
         </p:blipFill>
         <p:spPr>
           <a:xfrm>
-            <a:off x="685800" y="2584450"/>
+            <a:off x="733425" y="2473325"/>
             <a:ext cx="7721600" cy="3276600"/>
           </a:xfrm>
           <a:prstGeom prst="rect">
@@ -16064,6 +16405,40 @@
           </a:prstGeom>
         </p:spPr>
       </p:pic>
+      <p:sp>
+        <p:nvSpPr>
+          <p:cNvPr id="7" name="TextBox 6"/>
+          <p:cNvSpPr txBox="1"/>
+          <p:nvPr/>
+        </p:nvSpPr>
+        <p:spPr>
+          <a:xfrm>
+            <a:off x="781050" y="5873750"/>
+            <a:ext cx="7561159" cy="369332"/>
+          </a:xfrm>
+          <a:prstGeom prst="rect">
+            <a:avLst/>
+          </a:prstGeom>
+          <a:noFill/>
+        </p:spPr>
+        <p:txBody>
+          <a:bodyPr wrap="none" rtlCol="0">
+            <a:spAutoFit/>
+          </a:bodyPr>
+          <a:lstStyle/>
+          <a:p>
+            <a:r>
+              <a:rPr lang="en-US" dirty="0" smtClean="0"/>
+              <a:t>F – Surface Matching; G – Number Near-Miss; H – Bigram; I – Cosine </a:t>
+            </a:r>
+            <a:r>
+              <a:rPr lang="en-US" dirty="0" err="1" smtClean="0"/>
+              <a:t>Sim</a:t>
+            </a:r>
+            <a:endParaRPr lang="en-US" dirty="0"/>
+          </a:p>
+        </p:txBody>
+      </p:sp>
     </p:spTree>
     <p:extLst>
       <p:ext uri="{BB962C8B-B14F-4D97-AF65-F5344CB8AC3E}">
@@ -16074,6 +16449,13 @@
   <p:clrMapOvr>
     <a:masterClrMapping/>
   </p:clrMapOvr>
+  <p:timing>
+    <p:tnLst>
+      <p:par>
+        <p:cTn xmlns:p14="http://schemas.microsoft.com/office/powerpoint/2010/main" id="1" dur="indefinite" restart="never" nodeType="tmRoot"/>
+      </p:par>
+    </p:tnLst>
+  </p:timing>
 </p:sld>
 </file>
 
@@ -16159,7 +16541,7 @@
           <a:p>
             <a:fld id="{971D902E-52E4-5F4D-9A84-F04B09DBA050}" type="datetime1">
               <a:rPr lang="en-SG" smtClean="0"/>
-              <a:t>13/11/12</a:t>
+              <a:t>14/11/12</a:t>
             </a:fld>
             <a:endParaRPr lang="en-US"/>
           </a:p>
@@ -16252,15 +16634,138 @@
           </a:p>
         </p:txBody>
       </p:sp>
+      <p:sp>
+        <p:nvSpPr>
+          <p:cNvPr id="4" name="Date Placeholder 3"/>
+          <p:cNvSpPr>
+            <a:spLocks noGrp="1"/>
+          </p:cNvSpPr>
+          <p:nvPr>
+            <p:ph type="dt" sz="half" idx="10"/>
+          </p:nvPr>
+        </p:nvSpPr>
+        <p:spPr/>
+        <p:txBody>
+          <a:bodyPr/>
+          <a:lstStyle/>
+          <a:p>
+            <a:fld id="{971D902E-52E4-5F4D-9A84-F04B09DBA050}" type="datetime1">
+              <a:rPr lang="en-SG" smtClean="0"/>
+              <a:t>14/11/12</a:t>
+            </a:fld>
+            <a:endParaRPr lang="en-US"/>
+          </a:p>
+        </p:txBody>
+      </p:sp>
+      <p:sp>
+        <p:nvSpPr>
+          <p:cNvPr id="5" name="Slide Number Placeholder 4"/>
+          <p:cNvSpPr>
+            <a:spLocks noGrp="1"/>
+          </p:cNvSpPr>
+          <p:nvPr>
+            <p:ph type="sldNum" sz="quarter" idx="12"/>
+          </p:nvPr>
+        </p:nvSpPr>
+        <p:spPr/>
+        <p:txBody>
+          <a:bodyPr/>
+          <a:lstStyle/>
+          <a:p>
+            <a:fld id="{9C1F5A0A-F6FC-4FFD-9B49-0DA8697211D9}" type="slidenum">
+              <a:rPr lang="en-US" smtClean="0"/>
+              <a:t>60</a:t>
+            </a:fld>
+            <a:endParaRPr lang="en-US"/>
+          </a:p>
+        </p:txBody>
+      </p:sp>
+      <p:sp>
+        <p:nvSpPr>
+          <p:cNvPr id="3" name="Content Placeholder 2"/>
+          <p:cNvSpPr>
+            <a:spLocks noGrp="1"/>
+          </p:cNvSpPr>
+          <p:nvPr>
+            <p:ph idx="1"/>
+          </p:nvPr>
+        </p:nvSpPr>
+        <p:spPr/>
+        <p:txBody>
+          <a:bodyPr/>
+          <a:lstStyle/>
+          <a:p>
+            <a:pPr>
+              <a:buFont typeface="Arial"/>
+              <a:buChar char="•"/>
+            </a:pPr>
+            <a:r>
+              <a:rPr lang="en-US" dirty="0" smtClean="0"/>
+              <a:t>Compare with a baseline</a:t>
+            </a:r>
+          </a:p>
+          <a:p>
+            <a:pPr lvl="1">
+              <a:buFont typeface="Arial"/>
+              <a:buChar char="•"/>
+            </a:pPr>
+            <a:r>
+              <a:rPr lang="en-US" dirty="0" smtClean="0"/>
+              <a:t>Baseline: Only Cosine </a:t>
+            </a:r>
+            <a:r>
+              <a:rPr lang="en-US" dirty="0" err="1" smtClean="0"/>
+              <a:t>Sim</a:t>
+            </a:r>
+            <a:r>
+              <a:rPr lang="en-US" dirty="0" smtClean="0"/>
+              <a:t> (Feature I)</a:t>
+            </a:r>
+          </a:p>
+          <a:p>
+            <a:pPr lvl="1">
+              <a:buFont typeface="Arial"/>
+              <a:buChar char="•"/>
+            </a:pPr>
+            <a:r>
+              <a:rPr lang="en-US" dirty="0" smtClean="0"/>
+              <a:t>Sampled an </a:t>
+            </a:r>
+            <a:r>
+              <a:rPr lang="en-US" dirty="0" err="1" smtClean="0"/>
+              <a:t>unskewed</a:t>
+            </a:r>
+            <a:r>
+              <a:rPr lang="en-US" dirty="0" smtClean="0"/>
+              <a:t> dataset</a:t>
+            </a:r>
+          </a:p>
+          <a:p>
+            <a:pPr lvl="1">
+              <a:buFont typeface="Arial"/>
+              <a:buChar char="•"/>
+            </a:pPr>
+            <a:r>
+              <a:rPr lang="en-US" dirty="0" smtClean="0"/>
+              <a:t>Train on 75%, Test on 25%</a:t>
+            </a:r>
+          </a:p>
+          <a:p>
+            <a:pPr lvl="1">
+              <a:buFont typeface="Arial"/>
+              <a:buChar char="•"/>
+            </a:pPr>
+            <a:endParaRPr lang="en-US" dirty="0"/>
+          </a:p>
+        </p:txBody>
+      </p:sp>
       <p:pic>
         <p:nvPicPr>
-          <p:cNvPr id="6" name="Content Placeholder 5" descr="Screen Shot 2012-11-13 at 5.15.18 PM.PNG"/>
+          <p:cNvPr id="7" name="Content Placeholder 5" descr="Screen Shot 2012-11-13 at 5.15.18 PM.PNG"/>
           <p:cNvPicPr>
-            <a:picLocks noGrp="1" noChangeAspect="1"/>
+            <a:picLocks noChangeAspect="1"/>
           </p:cNvPicPr>
-          <p:nvPr>
-            <p:ph idx="1"/>
-          </p:nvPr>
+          <p:nvPr/>
         </p:nvPicPr>
         <p:blipFill>
           <a:blip r:embed="rId2">
@@ -16275,54 +16780,16 @@
             <a:fillRect/>
           </a:stretch>
         </p:blipFill>
-        <p:spPr/>
+        <p:spPr>
+          <a:xfrm>
+            <a:off x="872097" y="2766078"/>
+            <a:ext cx="7770813" cy="4257022"/>
+          </a:xfrm>
+          <a:prstGeom prst="rect">
+            <a:avLst/>
+          </a:prstGeom>
+        </p:spPr>
       </p:pic>
-      <p:sp>
-        <p:nvSpPr>
-          <p:cNvPr id="4" name="Date Placeholder 3"/>
-          <p:cNvSpPr>
-            <a:spLocks noGrp="1"/>
-          </p:cNvSpPr>
-          <p:nvPr>
-            <p:ph type="dt" sz="half" idx="10"/>
-          </p:nvPr>
-        </p:nvSpPr>
-        <p:spPr/>
-        <p:txBody>
-          <a:bodyPr/>
-          <a:lstStyle/>
-          <a:p>
-            <a:fld id="{971D902E-52E4-5F4D-9A84-F04B09DBA050}" type="datetime1">
-              <a:rPr lang="en-SG" smtClean="0"/>
-              <a:t>13/11/12</a:t>
-            </a:fld>
-            <a:endParaRPr lang="en-US"/>
-          </a:p>
-        </p:txBody>
-      </p:sp>
-      <p:sp>
-        <p:nvSpPr>
-          <p:cNvPr id="5" name="Slide Number Placeholder 4"/>
-          <p:cNvSpPr>
-            <a:spLocks noGrp="1"/>
-          </p:cNvSpPr>
-          <p:nvPr>
-            <p:ph type="sldNum" sz="quarter" idx="12"/>
-          </p:nvPr>
-        </p:nvSpPr>
-        <p:spPr/>
-        <p:txBody>
-          <a:bodyPr/>
-          <a:lstStyle/>
-          <a:p>
-            <a:fld id="{9C1F5A0A-F6FC-4FFD-9B49-0DA8697211D9}" type="slidenum">
-              <a:rPr lang="en-US" smtClean="0"/>
-              <a:t>60</a:t>
-            </a:fld>
-            <a:endParaRPr lang="en-US"/>
-          </a:p>
-        </p:txBody>
-      </p:sp>
     </p:spTree>
     <p:extLst>
       <p:ext uri="{BB962C8B-B14F-4D97-AF65-F5344CB8AC3E}">
@@ -16333,6 +16800,13 @@
   <p:clrMapOvr>
     <a:masterClrMapping/>
   </p:clrMapOvr>
+  <p:timing>
+    <p:tnLst>
+      <p:par>
+        <p:cTn xmlns:p14="http://schemas.microsoft.com/office/powerpoint/2010/main" id="1" dur="indefinite" restart="never" nodeType="tmRoot"/>
+      </p:par>
+    </p:tnLst>
+  </p:timing>
 </p:sld>
 </file>
 
@@ -16459,7 +16933,6 @@
               <a:rPr lang="en-US" dirty="0" smtClean="0"/>
               <a:t>A combination of 2 mechanisms: Citation Classification and Search</a:t>
             </a:r>
-            <a:endParaRPr lang="en-US" dirty="0" smtClean="0"/>
           </a:p>
           <a:p>
             <a:pPr>
@@ -16478,11 +16951,7 @@
             </a:pPr>
             <a:r>
               <a:rPr lang="en-US" dirty="0" smtClean="0"/>
-              <a:t>Yes. </a:t>
-            </a:r>
-            <a:r>
-              <a:rPr lang="en-US" dirty="0" smtClean="0"/>
-              <a:t>An important reading tool to understand and navigate between papers</a:t>
+              <a:t>Yes. An important reading tool to understand and navigate between papers</a:t>
             </a:r>
           </a:p>
           <a:p>
@@ -16523,7 +16992,7 @@
           <a:p>
             <a:fld id="{971D902E-52E4-5F4D-9A84-F04B09DBA050}" type="datetime1">
               <a:rPr lang="en-SG" smtClean="0"/>
-              <a:t>13/11/12</a:t>
+              <a:t>14/11/12</a:t>
             </a:fld>
             <a:endParaRPr lang="en-US"/>
           </a:p>
@@ -16562,6 +17031,13 @@
   <p:clrMapOvr>
     <a:masterClrMapping/>
   </p:clrMapOvr>
+  <p:timing>
+    <p:tnLst>
+      <p:par>
+        <p:cTn xmlns:p14="http://schemas.microsoft.com/office/powerpoint/2010/main" id="1" dur="indefinite" restart="never" nodeType="tmRoot"/>
+      </p:par>
+    </p:tnLst>
+  </p:timing>
 </p:sld>
 </file>
 
@@ -16756,7 +17232,7 @@
           <a:p>
             <a:fld id="{971D902E-52E4-5F4D-9A84-F04B09DBA050}" type="datetime1">
               <a:rPr lang="en-SG" smtClean="0"/>
-              <a:t>13/11/12</a:t>
+              <a:t>14/11/12</a:t>
             </a:fld>
             <a:endParaRPr lang="en-US"/>
           </a:p>
@@ -16795,6 +17271,13 @@
   <p:clrMapOvr>
     <a:masterClrMapping/>
   </p:clrMapOvr>
+  <p:timing>
+    <p:tnLst>
+      <p:par>
+        <p:cTn xmlns:p14="http://schemas.microsoft.com/office/powerpoint/2010/main" id="1" dur="indefinite" restart="never" nodeType="tmRoot"/>
+      </p:par>
+    </p:tnLst>
+  </p:timing>
 </p:sld>
 </file>
 
@@ -16874,7 +17357,7 @@
           <a:p>
             <a:fld id="{971D902E-52E4-5F4D-9A84-F04B09DBA050}" type="datetime1">
               <a:rPr lang="en-SG" smtClean="0"/>
-              <a:t>13/11/12</a:t>
+              <a:t>14/11/12</a:t>
             </a:fld>
             <a:endParaRPr lang="en-US"/>
           </a:p>
@@ -16913,6 +17396,13 @@
   <p:clrMapOvr>
     <a:masterClrMapping/>
   </p:clrMapOvr>
+  <p:timing>
+    <p:tnLst>
+      <p:par>
+        <p:cTn xmlns:p14="http://schemas.microsoft.com/office/powerpoint/2010/main" id="1" dur="indefinite" restart="never" nodeType="tmRoot"/>
+      </p:par>
+    </p:tnLst>
+  </p:timing>
 </p:sld>
 </file>
 
@@ -16995,7 +17485,7 @@
           <a:p>
             <a:fld id="{10B0BBCE-74AF-BE4E-A2F5-5D2EAE0452E8}" type="datetime1">
               <a:rPr lang="en-SG" smtClean="0"/>
-              <a:t>13/11/12</a:t>
+              <a:t>14/11/12</a:t>
             </a:fld>
             <a:endParaRPr lang="en-US"/>
           </a:p>
@@ -17123,7 +17613,7 @@
           <a:p>
             <a:fld id="{10B0BBCE-74AF-BE4E-A2F5-5D2EAE0452E8}" type="datetime1">
               <a:rPr lang="en-SG" smtClean="0"/>
-              <a:t>13/11/12</a:t>
+              <a:t>14/11/12</a:t>
             </a:fld>
             <a:endParaRPr lang="en-US"/>
           </a:p>
@@ -17308,7 +17798,7 @@
           <a:p>
             <a:fld id="{10B0BBCE-74AF-BE4E-A2F5-5D2EAE0452E8}" type="datetime1">
               <a:rPr lang="en-SG" smtClean="0"/>
-              <a:t>13/11/12</a:t>
+              <a:t>14/11/12</a:t>
             </a:fld>
             <a:endParaRPr lang="en-US"/>
           </a:p>
